--- a/Presentation NRSG 741.pptx
+++ b/Presentation NRSG 741.pptx
@@ -8,11 +8,15 @@
     <p:sldId id="257" r:id="rId2"/>
     <p:sldId id="258" r:id="rId3"/>
     <p:sldId id="259" r:id="rId4"/>
-    <p:sldId id="256" r:id="rId5"/>
-    <p:sldId id="260" r:id="rId6"/>
-    <p:sldId id="262" r:id="rId7"/>
-    <p:sldId id="263" r:id="rId8"/>
-    <p:sldId id="261" r:id="rId9"/>
+    <p:sldId id="264" r:id="rId5"/>
+    <p:sldId id="265" r:id="rId6"/>
+    <p:sldId id="256" r:id="rId7"/>
+    <p:sldId id="260" r:id="rId8"/>
+    <p:sldId id="266" r:id="rId9"/>
+    <p:sldId id="262" r:id="rId10"/>
+    <p:sldId id="263" r:id="rId11"/>
+    <p:sldId id="267" r:id="rId12"/>
+    <p:sldId id="268" r:id="rId13"/>
   </p:sldIdLst>
   <p:sldSz cx="12192000" cy="6858000"/>
   <p:notesSz cx="6858000" cy="9144000"/>
@@ -114,7 +118,7 @@
   <p:extLst>
     <p:ext uri="{EFAFB233-063F-42B5-8137-9DF3F51BA10A}">
       <p15:sldGuideLst xmlns:p15="http://schemas.microsoft.com/office/powerpoint/2012/main">
-        <p15:guide id="1" orient="horz" pos="2880" userDrawn="1">
+        <p15:guide id="1" orient="horz" pos="2088" userDrawn="1">
           <p15:clr>
             <a:srgbClr val="A4A3A4"/>
           </p15:clr>
@@ -330,7 +334,7 @@
           <a:p>
             <a:fld id="{27CB7E5C-CBAC-46F2-BB8E-E0D575F68D55}" type="datetimeFigureOut">
               <a:rPr lang="en-US" smtClean="0"/>
-              <a:t>4/24/2020</a:t>
+              <a:t>4/27/2020</a:t>
             </a:fld>
             <a:endParaRPr lang="en-US"/>
           </a:p>
@@ -520,7 +524,7 @@
           <a:p>
             <a:fld id="{27CB7E5C-CBAC-46F2-BB8E-E0D575F68D55}" type="datetimeFigureOut">
               <a:rPr lang="en-US" smtClean="0"/>
-              <a:t>4/24/2020</a:t>
+              <a:t>4/27/2020</a:t>
             </a:fld>
             <a:endParaRPr lang="en-US"/>
           </a:p>
@@ -700,7 +704,7 @@
           <a:p>
             <a:fld id="{27CB7E5C-CBAC-46F2-BB8E-E0D575F68D55}" type="datetimeFigureOut">
               <a:rPr lang="en-US" smtClean="0"/>
-              <a:t>4/24/2020</a:t>
+              <a:t>4/27/2020</a:t>
             </a:fld>
             <a:endParaRPr lang="en-US"/>
           </a:p>
@@ -870,7 +874,7 @@
           <a:p>
             <a:fld id="{27CB7E5C-CBAC-46F2-BB8E-E0D575F68D55}" type="datetimeFigureOut">
               <a:rPr lang="en-US" smtClean="0"/>
-              <a:t>4/24/2020</a:t>
+              <a:t>4/27/2020</a:t>
             </a:fld>
             <a:endParaRPr lang="en-US"/>
           </a:p>
@@ -1126,7 +1130,7 @@
           <a:p>
             <a:fld id="{27CB7E5C-CBAC-46F2-BB8E-E0D575F68D55}" type="datetimeFigureOut">
               <a:rPr lang="en-US" smtClean="0"/>
-              <a:t>4/24/2020</a:t>
+              <a:t>4/27/2020</a:t>
             </a:fld>
             <a:endParaRPr lang="en-US"/>
           </a:p>
@@ -1414,7 +1418,7 @@
           <a:p>
             <a:fld id="{27CB7E5C-CBAC-46F2-BB8E-E0D575F68D55}" type="datetimeFigureOut">
               <a:rPr lang="en-US" smtClean="0"/>
-              <a:t>4/24/2020</a:t>
+              <a:t>4/27/2020</a:t>
             </a:fld>
             <a:endParaRPr lang="en-US"/>
           </a:p>
@@ -1852,7 +1856,7 @@
           <a:p>
             <a:fld id="{27CB7E5C-CBAC-46F2-BB8E-E0D575F68D55}" type="datetimeFigureOut">
               <a:rPr lang="en-US" smtClean="0"/>
-              <a:t>4/24/2020</a:t>
+              <a:t>4/27/2020</a:t>
             </a:fld>
             <a:endParaRPr lang="en-US"/>
           </a:p>
@@ -1970,7 +1974,7 @@
           <a:p>
             <a:fld id="{27CB7E5C-CBAC-46F2-BB8E-E0D575F68D55}" type="datetimeFigureOut">
               <a:rPr lang="en-US" smtClean="0"/>
-              <a:t>4/24/2020</a:t>
+              <a:t>4/27/2020</a:t>
             </a:fld>
             <a:endParaRPr lang="en-US"/>
           </a:p>
@@ -2065,7 +2069,7 @@
           <a:p>
             <a:fld id="{27CB7E5C-CBAC-46F2-BB8E-E0D575F68D55}" type="datetimeFigureOut">
               <a:rPr lang="en-US" smtClean="0"/>
-              <a:t>4/24/2020</a:t>
+              <a:t>4/27/2020</a:t>
             </a:fld>
             <a:endParaRPr lang="en-US"/>
           </a:p>
@@ -2421,7 +2425,7 @@
           <a:p>
             <a:fld id="{27CB7E5C-CBAC-46F2-BB8E-E0D575F68D55}" type="datetimeFigureOut">
               <a:rPr lang="en-US" smtClean="0"/>
-              <a:t>4/24/2020</a:t>
+              <a:t>4/27/2020</a:t>
             </a:fld>
             <a:endParaRPr lang="en-US"/>
           </a:p>
@@ -2737,7 +2741,7 @@
           <a:p>
             <a:fld id="{27CB7E5C-CBAC-46F2-BB8E-E0D575F68D55}" type="datetimeFigureOut">
               <a:rPr lang="en-US" smtClean="0"/>
-              <a:t>4/24/2020</a:t>
+              <a:t>4/27/2020</a:t>
             </a:fld>
             <a:endParaRPr lang="en-US"/>
           </a:p>
@@ -2970,7 +2974,7 @@
           <a:p>
             <a:fld id="{27CB7E5C-CBAC-46F2-BB8E-E0D575F68D55}" type="datetimeFigureOut">
               <a:rPr lang="en-US" smtClean="0"/>
-              <a:t>4/24/2020</a:t>
+              <a:t>4/27/2020</a:t>
             </a:fld>
             <a:endParaRPr lang="en-US"/>
           </a:p>
@@ -3467,6 +3471,846 @@
 </p:sld>
 </file>
 
+<file path=ppt/slides/slide10.xml><?xml version="1.0" encoding="utf-8"?>
+<p:sld xmlns:a="http://schemas.openxmlformats.org/drawingml/2006/main" xmlns:r="http://schemas.openxmlformats.org/officeDocument/2006/relationships" xmlns:p="http://schemas.openxmlformats.org/presentationml/2006/main">
+  <p:cSld>
+    <p:spTree>
+      <p:nvGrpSpPr>
+        <p:cNvPr id="1" name=""/>
+        <p:cNvGrpSpPr/>
+        <p:nvPr/>
+      </p:nvGrpSpPr>
+      <p:grpSpPr>
+        <a:xfrm>
+          <a:off x="0" y="0"/>
+          <a:ext cx="0" cy="0"/>
+          <a:chOff x="0" y="0"/>
+          <a:chExt cx="0" cy="0"/>
+        </a:xfrm>
+      </p:grpSpPr>
+      <p:pic>
+        <p:nvPicPr>
+          <p:cNvPr id="13" name="Picture 12"/>
+          <p:cNvPicPr>
+            <a:picLocks noChangeAspect="1"/>
+          </p:cNvPicPr>
+          <p:nvPr/>
+        </p:nvPicPr>
+        <p:blipFill>
+          <a:blip r:embed="rId2"/>
+          <a:stretch>
+            <a:fillRect/>
+          </a:stretch>
+        </p:blipFill>
+        <p:spPr>
+          <a:xfrm>
+            <a:off x="6645862" y="4192879"/>
+            <a:ext cx="4244575" cy="2618849"/>
+          </a:xfrm>
+          <a:prstGeom prst="rect">
+            <a:avLst/>
+          </a:prstGeom>
+        </p:spPr>
+      </p:pic>
+      <p:pic>
+        <p:nvPicPr>
+          <p:cNvPr id="2" name="Picture 1"/>
+          <p:cNvPicPr>
+            <a:picLocks noChangeAspect="1"/>
+          </p:cNvPicPr>
+          <p:nvPr/>
+        </p:nvPicPr>
+        <p:blipFill>
+          <a:blip r:embed="rId3"/>
+          <a:stretch>
+            <a:fillRect/>
+          </a:stretch>
+        </p:blipFill>
+        <p:spPr>
+          <a:xfrm>
+            <a:off x="1002123" y="1205864"/>
+            <a:ext cx="4241895" cy="2617195"/>
+          </a:xfrm>
+          <a:prstGeom prst="rect">
+            <a:avLst/>
+          </a:prstGeom>
+        </p:spPr>
+      </p:pic>
+      <p:sp>
+        <p:nvSpPr>
+          <p:cNvPr id="3" name="TextBox 2"/>
+          <p:cNvSpPr txBox="1"/>
+          <p:nvPr/>
+        </p:nvSpPr>
+        <p:spPr>
+          <a:xfrm>
+            <a:off x="1462829" y="907760"/>
+            <a:ext cx="3509010" cy="584775"/>
+          </a:xfrm>
+          <a:prstGeom prst="rect">
+            <a:avLst/>
+          </a:prstGeom>
+          <a:noFill/>
+        </p:spPr>
+        <p:txBody>
+          <a:bodyPr wrap="square" rtlCol="0">
+            <a:spAutoFit/>
+          </a:bodyPr>
+          <a:lstStyle/>
+          <a:p>
+            <a:pPr algn="ctr"/>
+            <a:r>
+              <a:rPr lang="en-US" sz="1600" b="1" dirty="0" smtClean="0">
+                <a:solidFill>
+                  <a:schemeClr val="bg2">
+                    <a:lumMod val="50000"/>
+                  </a:schemeClr>
+                </a:solidFill>
+                <a:latin typeface="Arial" panose="020B0604020202020204" pitchFamily="34" charset="0"/>
+                <a:cs typeface="Arial" panose="020B0604020202020204" pitchFamily="34" charset="0"/>
+              </a:rPr>
+              <a:t>Family History of Cancer ~ Fruits and Vegetables</a:t>
+            </a:r>
+            <a:endParaRPr lang="en-US" sz="1600" b="1" dirty="0">
+              <a:solidFill>
+                <a:schemeClr val="bg2">
+                  <a:lumMod val="50000"/>
+                </a:schemeClr>
+              </a:solidFill>
+              <a:latin typeface="Arial" panose="020B0604020202020204" pitchFamily="34" charset="0"/>
+              <a:cs typeface="Arial" panose="020B0604020202020204" pitchFamily="34" charset="0"/>
+            </a:endParaRPr>
+          </a:p>
+        </p:txBody>
+      </p:sp>
+      <p:pic>
+        <p:nvPicPr>
+          <p:cNvPr id="5" name="Picture 4"/>
+          <p:cNvPicPr>
+            <a:picLocks noChangeAspect="1"/>
+          </p:cNvPicPr>
+          <p:nvPr/>
+        </p:nvPicPr>
+        <p:blipFill>
+          <a:blip r:embed="rId4"/>
+          <a:stretch>
+            <a:fillRect/>
+          </a:stretch>
+        </p:blipFill>
+        <p:spPr>
+          <a:xfrm>
+            <a:off x="6648543" y="1205863"/>
+            <a:ext cx="4241895" cy="2617195"/>
+          </a:xfrm>
+          <a:prstGeom prst="rect">
+            <a:avLst/>
+          </a:prstGeom>
+        </p:spPr>
+      </p:pic>
+      <p:sp>
+        <p:nvSpPr>
+          <p:cNvPr id="6" name="TextBox 5"/>
+          <p:cNvSpPr txBox="1"/>
+          <p:nvPr/>
+        </p:nvSpPr>
+        <p:spPr>
+          <a:xfrm>
+            <a:off x="7014985" y="3823058"/>
+            <a:ext cx="3509010" cy="584775"/>
+          </a:xfrm>
+          <a:prstGeom prst="rect">
+            <a:avLst/>
+          </a:prstGeom>
+          <a:noFill/>
+        </p:spPr>
+        <p:txBody>
+          <a:bodyPr wrap="square" rtlCol="0">
+            <a:spAutoFit/>
+          </a:bodyPr>
+          <a:lstStyle/>
+          <a:p>
+            <a:pPr algn="ctr"/>
+            <a:r>
+              <a:rPr lang="en-US" sz="1600" b="1" dirty="0" smtClean="0">
+                <a:solidFill>
+                  <a:srgbClr val="7030A0"/>
+                </a:solidFill>
+                <a:latin typeface="Arial" panose="020B0604020202020204" pitchFamily="34" charset="0"/>
+                <a:cs typeface="Arial" panose="020B0604020202020204" pitchFamily="34" charset="0"/>
+              </a:rPr>
+              <a:t>Current Cancer ~ Days of Aerobic Exercise</a:t>
+            </a:r>
+            <a:endParaRPr lang="en-US" sz="1600" b="1" dirty="0">
+              <a:solidFill>
+                <a:srgbClr val="7030A0"/>
+              </a:solidFill>
+              <a:latin typeface="Arial" panose="020B0604020202020204" pitchFamily="34" charset="0"/>
+              <a:cs typeface="Arial" panose="020B0604020202020204" pitchFamily="34" charset="0"/>
+            </a:endParaRPr>
+          </a:p>
+        </p:txBody>
+      </p:sp>
+      <p:sp>
+        <p:nvSpPr>
+          <p:cNvPr id="7" name="TextBox 6"/>
+          <p:cNvSpPr txBox="1"/>
+          <p:nvPr/>
+        </p:nvSpPr>
+        <p:spPr>
+          <a:xfrm>
+            <a:off x="3683822" y="2794635"/>
+            <a:ext cx="1132557" cy="307777"/>
+          </a:xfrm>
+          <a:prstGeom prst="rect">
+            <a:avLst/>
+          </a:prstGeom>
+          <a:noFill/>
+        </p:spPr>
+        <p:txBody>
+          <a:bodyPr wrap="square" rtlCol="0">
+            <a:spAutoFit/>
+          </a:bodyPr>
+          <a:lstStyle/>
+          <a:p>
+            <a:r>
+              <a:rPr lang="en-US" sz="1400" b="1" dirty="0" smtClean="0">
+                <a:solidFill>
+                  <a:schemeClr val="accent1"/>
+                </a:solidFill>
+                <a:latin typeface="Arial" panose="020B0604020202020204" pitchFamily="34" charset="0"/>
+                <a:cs typeface="Arial" panose="020B0604020202020204" pitchFamily="34" charset="0"/>
+              </a:rPr>
+              <a:t>AUC – 0.55</a:t>
+            </a:r>
+            <a:endParaRPr lang="en-US" sz="1400" b="1" dirty="0">
+              <a:solidFill>
+                <a:schemeClr val="accent1"/>
+              </a:solidFill>
+              <a:latin typeface="Arial" panose="020B0604020202020204" pitchFamily="34" charset="0"/>
+              <a:cs typeface="Arial" panose="020B0604020202020204" pitchFamily="34" charset="0"/>
+            </a:endParaRPr>
+          </a:p>
+        </p:txBody>
+      </p:sp>
+      <p:sp>
+        <p:nvSpPr>
+          <p:cNvPr id="8" name="TextBox 7"/>
+          <p:cNvSpPr txBox="1"/>
+          <p:nvPr/>
+        </p:nvSpPr>
+        <p:spPr>
+          <a:xfrm>
+            <a:off x="9432573" y="2895600"/>
+            <a:ext cx="1132557" cy="307777"/>
+          </a:xfrm>
+          <a:prstGeom prst="rect">
+            <a:avLst/>
+          </a:prstGeom>
+          <a:noFill/>
+        </p:spPr>
+        <p:txBody>
+          <a:bodyPr wrap="square" rtlCol="0">
+            <a:spAutoFit/>
+          </a:bodyPr>
+          <a:lstStyle/>
+          <a:p>
+            <a:r>
+              <a:rPr lang="en-US" sz="1400" b="1" dirty="0" smtClean="0">
+                <a:solidFill>
+                  <a:schemeClr val="accent1"/>
+                </a:solidFill>
+                <a:latin typeface="Arial" panose="020B0604020202020204" pitchFamily="34" charset="0"/>
+                <a:cs typeface="Arial" panose="020B0604020202020204" pitchFamily="34" charset="0"/>
+              </a:rPr>
+              <a:t>AUC – 0.52</a:t>
+            </a:r>
+            <a:endParaRPr lang="en-US" sz="1400" b="1" dirty="0">
+              <a:solidFill>
+                <a:schemeClr val="accent1"/>
+              </a:solidFill>
+              <a:latin typeface="Arial" panose="020B0604020202020204" pitchFamily="34" charset="0"/>
+              <a:cs typeface="Arial" panose="020B0604020202020204" pitchFamily="34" charset="0"/>
+            </a:endParaRPr>
+          </a:p>
+        </p:txBody>
+      </p:sp>
+      <p:pic>
+        <p:nvPicPr>
+          <p:cNvPr id="9" name="Picture 8"/>
+          <p:cNvPicPr>
+            <a:picLocks noChangeAspect="1"/>
+          </p:cNvPicPr>
+          <p:nvPr/>
+        </p:nvPicPr>
+        <p:blipFill>
+          <a:blip r:embed="rId5"/>
+          <a:stretch>
+            <a:fillRect/>
+          </a:stretch>
+        </p:blipFill>
+        <p:spPr>
+          <a:xfrm>
+            <a:off x="1002123" y="4194533"/>
+            <a:ext cx="4241895" cy="2617195"/>
+          </a:xfrm>
+          <a:prstGeom prst="rect">
+            <a:avLst/>
+          </a:prstGeom>
+        </p:spPr>
+      </p:pic>
+      <p:sp>
+        <p:nvSpPr>
+          <p:cNvPr id="10" name="TextBox 9"/>
+          <p:cNvSpPr txBox="1"/>
+          <p:nvPr/>
+        </p:nvSpPr>
+        <p:spPr>
+          <a:xfrm>
+            <a:off x="1368565" y="3828839"/>
+            <a:ext cx="3509010" cy="584775"/>
+          </a:xfrm>
+          <a:prstGeom prst="rect">
+            <a:avLst/>
+          </a:prstGeom>
+          <a:noFill/>
+        </p:spPr>
+        <p:txBody>
+          <a:bodyPr wrap="square" rtlCol="0">
+            <a:spAutoFit/>
+          </a:bodyPr>
+          <a:lstStyle/>
+          <a:p>
+            <a:pPr algn="ctr"/>
+            <a:r>
+              <a:rPr lang="en-US" sz="1600" b="1" dirty="0" smtClean="0">
+                <a:solidFill>
+                  <a:srgbClr val="7030A0"/>
+                </a:solidFill>
+                <a:latin typeface="Arial" panose="020B0604020202020204" pitchFamily="34" charset="0"/>
+                <a:cs typeface="Arial" panose="020B0604020202020204" pitchFamily="34" charset="0"/>
+              </a:rPr>
+              <a:t>Current Cancer ~ Fruits and Vegetables</a:t>
+            </a:r>
+            <a:endParaRPr lang="en-US" sz="1600" b="1" dirty="0">
+              <a:solidFill>
+                <a:srgbClr val="7030A0"/>
+              </a:solidFill>
+              <a:latin typeface="Arial" panose="020B0604020202020204" pitchFamily="34" charset="0"/>
+              <a:cs typeface="Arial" panose="020B0604020202020204" pitchFamily="34" charset="0"/>
+            </a:endParaRPr>
+          </a:p>
+        </p:txBody>
+      </p:sp>
+      <p:sp>
+        <p:nvSpPr>
+          <p:cNvPr id="11" name="TextBox 10"/>
+          <p:cNvSpPr txBox="1"/>
+          <p:nvPr/>
+        </p:nvSpPr>
+        <p:spPr>
+          <a:xfrm>
+            <a:off x="7157085" y="913475"/>
+            <a:ext cx="3509010" cy="584775"/>
+          </a:xfrm>
+          <a:prstGeom prst="rect">
+            <a:avLst/>
+          </a:prstGeom>
+          <a:noFill/>
+        </p:spPr>
+        <p:txBody>
+          <a:bodyPr wrap="square" rtlCol="0">
+            <a:spAutoFit/>
+          </a:bodyPr>
+          <a:lstStyle/>
+          <a:p>
+            <a:pPr algn="ctr"/>
+            <a:r>
+              <a:rPr lang="en-US" sz="1600" b="1" dirty="0" smtClean="0">
+                <a:solidFill>
+                  <a:schemeClr val="bg2">
+                    <a:lumMod val="50000"/>
+                  </a:schemeClr>
+                </a:solidFill>
+                <a:latin typeface="Arial" panose="020B0604020202020204" pitchFamily="34" charset="0"/>
+                <a:cs typeface="Arial" panose="020B0604020202020204" pitchFamily="34" charset="0"/>
+              </a:rPr>
+              <a:t>Family History of Cancer ~ Days of Aerobic Exercise</a:t>
+            </a:r>
+            <a:endParaRPr lang="en-US" sz="1600" b="1" dirty="0">
+              <a:solidFill>
+                <a:schemeClr val="bg2">
+                  <a:lumMod val="50000"/>
+                </a:schemeClr>
+              </a:solidFill>
+              <a:latin typeface="Arial" panose="020B0604020202020204" pitchFamily="34" charset="0"/>
+              <a:cs typeface="Arial" panose="020B0604020202020204" pitchFamily="34" charset="0"/>
+            </a:endParaRPr>
+          </a:p>
+        </p:txBody>
+      </p:sp>
+      <p:sp>
+        <p:nvSpPr>
+          <p:cNvPr id="12" name="TextBox 11"/>
+          <p:cNvSpPr txBox="1"/>
+          <p:nvPr/>
+        </p:nvSpPr>
+        <p:spPr>
+          <a:xfrm>
+            <a:off x="3839282" y="5924550"/>
+            <a:ext cx="1132557" cy="307777"/>
+          </a:xfrm>
+          <a:prstGeom prst="rect">
+            <a:avLst/>
+          </a:prstGeom>
+          <a:noFill/>
+        </p:spPr>
+        <p:txBody>
+          <a:bodyPr wrap="square" rtlCol="0">
+            <a:spAutoFit/>
+          </a:bodyPr>
+          <a:lstStyle/>
+          <a:p>
+            <a:r>
+              <a:rPr lang="en-US" sz="1400" b="1" dirty="0" smtClean="0">
+                <a:solidFill>
+                  <a:schemeClr val="accent1"/>
+                </a:solidFill>
+                <a:latin typeface="Arial" panose="020B0604020202020204" pitchFamily="34" charset="0"/>
+                <a:cs typeface="Arial" panose="020B0604020202020204" pitchFamily="34" charset="0"/>
+              </a:rPr>
+              <a:t>AUC – 0.75</a:t>
+            </a:r>
+            <a:endParaRPr lang="en-US" sz="1400" b="1" dirty="0">
+              <a:solidFill>
+                <a:schemeClr val="accent1"/>
+              </a:solidFill>
+              <a:latin typeface="Arial" panose="020B0604020202020204" pitchFamily="34" charset="0"/>
+              <a:cs typeface="Arial" panose="020B0604020202020204" pitchFamily="34" charset="0"/>
+            </a:endParaRPr>
+          </a:p>
+        </p:txBody>
+      </p:sp>
+      <p:sp>
+        <p:nvSpPr>
+          <p:cNvPr id="14" name="TextBox 13"/>
+          <p:cNvSpPr txBox="1"/>
+          <p:nvPr/>
+        </p:nvSpPr>
+        <p:spPr>
+          <a:xfrm>
+            <a:off x="9432573" y="5912029"/>
+            <a:ext cx="1132557" cy="307777"/>
+          </a:xfrm>
+          <a:prstGeom prst="rect">
+            <a:avLst/>
+          </a:prstGeom>
+          <a:noFill/>
+        </p:spPr>
+        <p:txBody>
+          <a:bodyPr wrap="square" rtlCol="0">
+            <a:spAutoFit/>
+          </a:bodyPr>
+          <a:lstStyle/>
+          <a:p>
+            <a:r>
+              <a:rPr lang="en-US" sz="1400" b="1" dirty="0" smtClean="0">
+                <a:solidFill>
+                  <a:schemeClr val="accent1"/>
+                </a:solidFill>
+                <a:latin typeface="Arial" panose="020B0604020202020204" pitchFamily="34" charset="0"/>
+                <a:cs typeface="Arial" panose="020B0604020202020204" pitchFamily="34" charset="0"/>
+              </a:rPr>
+              <a:t>AUC – 0.72</a:t>
+            </a:r>
+            <a:endParaRPr lang="en-US" sz="1400" b="1" dirty="0">
+              <a:solidFill>
+                <a:schemeClr val="accent1"/>
+              </a:solidFill>
+              <a:latin typeface="Arial" panose="020B0604020202020204" pitchFamily="34" charset="0"/>
+              <a:cs typeface="Arial" panose="020B0604020202020204" pitchFamily="34" charset="0"/>
+            </a:endParaRPr>
+          </a:p>
+        </p:txBody>
+      </p:sp>
+      <p:sp>
+        <p:nvSpPr>
+          <p:cNvPr id="4" name="Title 3"/>
+          <p:cNvSpPr>
+            <a:spLocks noGrp="1"/>
+          </p:cNvSpPr>
+          <p:nvPr>
+            <p:ph type="title"/>
+          </p:nvPr>
+        </p:nvSpPr>
+        <p:spPr>
+          <a:xfrm>
+            <a:off x="4293304" y="45433"/>
+            <a:ext cx="4474846" cy="908202"/>
+          </a:xfrm>
+        </p:spPr>
+        <p:txBody>
+          <a:bodyPr>
+            <a:normAutofit/>
+          </a:bodyPr>
+          <a:lstStyle/>
+          <a:p>
+            <a:r>
+              <a:rPr lang="en-US" sz="3600" b="1" dirty="0" smtClean="0"/>
+              <a:t>ROC and AUC Results</a:t>
+            </a:r>
+            <a:endParaRPr lang="en-US" sz="3600" b="1" dirty="0"/>
+          </a:p>
+        </p:txBody>
+      </p:sp>
+    </p:spTree>
+    <p:extLst>
+      <p:ext uri="{BB962C8B-B14F-4D97-AF65-F5344CB8AC3E}">
+        <p14:creationId xmlns:p14="http://schemas.microsoft.com/office/powerpoint/2010/main" val="1949813672"/>
+      </p:ext>
+    </p:extLst>
+  </p:cSld>
+  <p:clrMapOvr>
+    <a:masterClrMapping/>
+  </p:clrMapOvr>
+  <p:timing>
+    <p:tnLst>
+      <p:par>
+        <p:cTn id="1" dur="indefinite" restart="never" nodeType="tmRoot"/>
+      </p:par>
+    </p:tnLst>
+  </p:timing>
+</p:sld>
+</file>
+
+<file path=ppt/slides/slide11.xml><?xml version="1.0" encoding="utf-8"?>
+<p:sld xmlns:a="http://schemas.openxmlformats.org/drawingml/2006/main" xmlns:r="http://schemas.openxmlformats.org/officeDocument/2006/relationships" xmlns:p="http://schemas.openxmlformats.org/presentationml/2006/main">
+  <p:cSld>
+    <p:spTree>
+      <p:nvGrpSpPr>
+        <p:cNvPr id="1" name=""/>
+        <p:cNvGrpSpPr/>
+        <p:nvPr/>
+      </p:nvGrpSpPr>
+      <p:grpSpPr>
+        <a:xfrm>
+          <a:off x="0" y="0"/>
+          <a:ext cx="0" cy="0"/>
+          <a:chOff x="0" y="0"/>
+          <a:chExt cx="0" cy="0"/>
+        </a:xfrm>
+      </p:grpSpPr>
+      <p:sp>
+        <p:nvSpPr>
+          <p:cNvPr id="4" name="Rectangle 3"/>
+          <p:cNvSpPr/>
+          <p:nvPr/>
+        </p:nvSpPr>
+        <p:spPr>
+          <a:xfrm>
+            <a:off x="1" y="0"/>
+            <a:ext cx="12192000" cy="6858000"/>
+          </a:xfrm>
+          <a:prstGeom prst="rect">
+            <a:avLst/>
+          </a:prstGeom>
+          <a:blipFill dpi="0" rotWithShape="1">
+            <a:blip r:embed="rId2">
+              <a:alphaModFix amt="31000"/>
+            </a:blip>
+            <a:srcRect/>
+            <a:stretch>
+              <a:fillRect/>
+            </a:stretch>
+          </a:blipFill>
+        </p:spPr>
+        <p:style>
+          <a:lnRef idx="2">
+            <a:schemeClr val="accent1">
+              <a:shade val="50000"/>
+            </a:schemeClr>
+          </a:lnRef>
+          <a:fillRef idx="1">
+            <a:schemeClr val="accent1"/>
+          </a:fillRef>
+          <a:effectRef idx="0">
+            <a:schemeClr val="accent1"/>
+          </a:effectRef>
+          <a:fontRef idx="minor">
+            <a:schemeClr val="lt1"/>
+          </a:fontRef>
+        </p:style>
+        <p:txBody>
+          <a:bodyPr rtlCol="0" anchor="ctr"/>
+          <a:lstStyle/>
+          <a:p>
+            <a:pPr algn="ctr"/>
+            <a:endParaRPr lang="en-US"/>
+          </a:p>
+        </p:txBody>
+      </p:sp>
+      <p:sp>
+        <p:nvSpPr>
+          <p:cNvPr id="2" name="Title 1"/>
+          <p:cNvSpPr>
+            <a:spLocks noGrp="1"/>
+          </p:cNvSpPr>
+          <p:nvPr>
+            <p:ph type="title"/>
+          </p:nvPr>
+        </p:nvSpPr>
+        <p:spPr/>
+        <p:txBody>
+          <a:bodyPr/>
+          <a:lstStyle/>
+          <a:p>
+            <a:r>
+              <a:rPr lang="en-US" b="1" dirty="0" smtClean="0"/>
+              <a:t>Conclusions</a:t>
+            </a:r>
+            <a:endParaRPr lang="en-US" b="1" dirty="0"/>
+          </a:p>
+        </p:txBody>
+      </p:sp>
+      <p:sp>
+        <p:nvSpPr>
+          <p:cNvPr id="3" name="Content Placeholder 2"/>
+          <p:cNvSpPr>
+            <a:spLocks noGrp="1"/>
+          </p:cNvSpPr>
+          <p:nvPr>
+            <p:ph idx="1"/>
+          </p:nvPr>
+        </p:nvSpPr>
+        <p:spPr/>
+        <p:txBody>
+          <a:bodyPr/>
+          <a:lstStyle/>
+          <a:p>
+            <a:pPr>
+              <a:buFont typeface="Wingdings" panose="05000000000000000000" pitchFamily="2" charset="2"/>
+              <a:buChar char="§"/>
+            </a:pPr>
+            <a:r>
+              <a:rPr lang="en-US" b="1" dirty="0" smtClean="0"/>
+              <a:t>There was not significant association between fruit and vegetable intake or days of moderate exercise and family history of cancer.</a:t>
+            </a:r>
+          </a:p>
+          <a:p>
+            <a:pPr>
+              <a:buFont typeface="Wingdings" panose="05000000000000000000" pitchFamily="2" charset="2"/>
+              <a:buChar char="§"/>
+            </a:pPr>
+            <a:r>
+              <a:rPr lang="en-US" b="1" dirty="0" smtClean="0"/>
+              <a:t>There may be a slight association between fruit and vegetable intake and days of moderate exercise and current cancer status based on ROC and AUC results.</a:t>
+            </a:r>
+          </a:p>
+          <a:p>
+            <a:pPr>
+              <a:buFont typeface="Wingdings" panose="05000000000000000000" pitchFamily="2" charset="2"/>
+              <a:buChar char="§"/>
+            </a:pPr>
+            <a:r>
+              <a:rPr lang="en-US" b="1" dirty="0" smtClean="0"/>
+              <a:t>Smoking status is the most significant covariate in either model.</a:t>
+            </a:r>
+          </a:p>
+          <a:p>
+            <a:pPr>
+              <a:buFont typeface="Wingdings" panose="05000000000000000000" pitchFamily="2" charset="2"/>
+              <a:buChar char="§"/>
+            </a:pPr>
+            <a:r>
+              <a:rPr lang="en-US" b="1" dirty="0" smtClean="0"/>
+              <a:t>Those that have had or currently have cancer may be more motivated to change lifestyle behaviors than those with just a family history.</a:t>
+            </a:r>
+            <a:endParaRPr lang="en-US" b="1" dirty="0"/>
+          </a:p>
+        </p:txBody>
+      </p:sp>
+    </p:spTree>
+    <p:extLst>
+      <p:ext uri="{BB962C8B-B14F-4D97-AF65-F5344CB8AC3E}">
+        <p14:creationId xmlns:p14="http://schemas.microsoft.com/office/powerpoint/2010/main" val="1010705333"/>
+      </p:ext>
+    </p:extLst>
+  </p:cSld>
+  <p:clrMapOvr>
+    <a:masterClrMapping/>
+  </p:clrMapOvr>
+  <p:timing>
+    <p:tnLst>
+      <p:par>
+        <p:cTn id="1" dur="indefinite" restart="never" nodeType="tmRoot"/>
+      </p:par>
+    </p:tnLst>
+  </p:timing>
+</p:sld>
+</file>
+
+<file path=ppt/slides/slide12.xml><?xml version="1.0" encoding="utf-8"?>
+<p:sld xmlns:a="http://schemas.openxmlformats.org/drawingml/2006/main" xmlns:r="http://schemas.openxmlformats.org/officeDocument/2006/relationships" xmlns:p="http://schemas.openxmlformats.org/presentationml/2006/main">
+  <p:cSld>
+    <p:spTree>
+      <p:nvGrpSpPr>
+        <p:cNvPr id="1" name=""/>
+        <p:cNvGrpSpPr/>
+        <p:nvPr/>
+      </p:nvGrpSpPr>
+      <p:grpSpPr>
+        <a:xfrm>
+          <a:off x="0" y="0"/>
+          <a:ext cx="0" cy="0"/>
+          <a:chOff x="0" y="0"/>
+          <a:chExt cx="0" cy="0"/>
+        </a:xfrm>
+      </p:grpSpPr>
+      <p:sp>
+        <p:nvSpPr>
+          <p:cNvPr id="2" name="Title 1"/>
+          <p:cNvSpPr>
+            <a:spLocks noGrp="1"/>
+          </p:cNvSpPr>
+          <p:nvPr>
+            <p:ph type="title"/>
+          </p:nvPr>
+        </p:nvSpPr>
+        <p:spPr/>
+        <p:txBody>
+          <a:bodyPr/>
+          <a:lstStyle/>
+          <a:p>
+            <a:r>
+              <a:rPr lang="en-US" dirty="0" smtClean="0"/>
+              <a:t>Lessons Learned</a:t>
+            </a:r>
+            <a:endParaRPr lang="en-US" dirty="0"/>
+          </a:p>
+        </p:txBody>
+      </p:sp>
+      <p:sp>
+        <p:nvSpPr>
+          <p:cNvPr id="3" name="Content Placeholder 2"/>
+          <p:cNvSpPr>
+            <a:spLocks noGrp="1"/>
+          </p:cNvSpPr>
+          <p:nvPr>
+            <p:ph idx="1"/>
+          </p:nvPr>
+        </p:nvSpPr>
+        <p:spPr/>
+        <p:txBody>
+          <a:bodyPr/>
+          <a:lstStyle/>
+          <a:p>
+            <a:pPr>
+              <a:buFont typeface="Wingdings" panose="05000000000000000000" pitchFamily="2" charset="2"/>
+              <a:buChar char="§"/>
+            </a:pPr>
+            <a:r>
+              <a:rPr lang="en-US" dirty="0" smtClean="0"/>
+              <a:t>SPSS does not play well with R</a:t>
+            </a:r>
+          </a:p>
+          <a:p>
+            <a:pPr>
+              <a:buFont typeface="Wingdings" panose="05000000000000000000" pitchFamily="2" charset="2"/>
+              <a:buChar char="§"/>
+            </a:pPr>
+            <a:r>
+              <a:rPr lang="en-US" dirty="0" smtClean="0"/>
+              <a:t>More comfortable with R now than before</a:t>
+            </a:r>
+          </a:p>
+          <a:p>
+            <a:pPr>
+              <a:buFont typeface="Wingdings" panose="05000000000000000000" pitchFamily="2" charset="2"/>
+              <a:buChar char="§"/>
+            </a:pPr>
+            <a:r>
+              <a:rPr lang="en-US" dirty="0" smtClean="0"/>
+              <a:t>Public datasets appear clean on the surface</a:t>
+            </a:r>
+          </a:p>
+          <a:p>
+            <a:pPr marL="0" indent="0">
+              <a:buNone/>
+            </a:pPr>
+            <a:r>
+              <a:rPr lang="en-US" dirty="0" smtClean="0"/>
+              <a:t>But often have quirky issues</a:t>
+            </a:r>
+          </a:p>
+          <a:p>
+            <a:pPr>
+              <a:buFont typeface="Wingdings" panose="05000000000000000000" pitchFamily="2" charset="2"/>
+              <a:buChar char="§"/>
+            </a:pPr>
+            <a:endParaRPr lang="en-US" dirty="0"/>
+          </a:p>
+        </p:txBody>
+      </p:sp>
+      <p:pic>
+        <p:nvPicPr>
+          <p:cNvPr id="6146" name="Picture 2" descr="Retrospective: Top Lessons Learned During First Semester at BDW"/>
+          <p:cNvPicPr>
+            <a:picLocks noChangeAspect="1" noChangeArrowheads="1"/>
+          </p:cNvPicPr>
+          <p:nvPr/>
+        </p:nvPicPr>
+        <p:blipFill>
+          <a:blip r:embed="rId2">
+            <a:extLst>
+              <a:ext uri="{28A0092B-C50C-407E-A947-70E740481C1C}">
+                <a14:useLocalDpi xmlns:a14="http://schemas.microsoft.com/office/drawing/2010/main" val="0"/>
+              </a:ext>
+            </a:extLst>
+          </a:blip>
+          <a:srcRect/>
+          <a:stretch>
+            <a:fillRect/>
+          </a:stretch>
+        </p:blipFill>
+        <p:spPr bwMode="auto">
+          <a:xfrm>
+            <a:off x="6326113" y="2882167"/>
+            <a:ext cx="5682851" cy="3791061"/>
+          </a:xfrm>
+          <a:prstGeom prst="rect">
+            <a:avLst/>
+          </a:prstGeom>
+          <a:noFill/>
+          <a:extLst>
+            <a:ext uri="{909E8E84-426E-40DD-AFC4-6F175D3DCCD1}">
+              <a14:hiddenFill xmlns:a14="http://schemas.microsoft.com/office/drawing/2010/main">
+                <a:solidFill>
+                  <a:srgbClr val="FFFFFF"/>
+                </a:solidFill>
+              </a14:hiddenFill>
+            </a:ext>
+          </a:extLst>
+        </p:spPr>
+      </p:pic>
+    </p:spTree>
+    <p:extLst>
+      <p:ext uri="{BB962C8B-B14F-4D97-AF65-F5344CB8AC3E}">
+        <p14:creationId xmlns:p14="http://schemas.microsoft.com/office/powerpoint/2010/main" val="3887760766"/>
+      </p:ext>
+    </p:extLst>
+  </p:cSld>
+  <p:clrMapOvr>
+    <a:masterClrMapping/>
+  </p:clrMapOvr>
+  <p:timing>
+    <p:tnLst>
+      <p:par>
+        <p:cTn id="1" dur="indefinite" restart="never" nodeType="tmRoot"/>
+      </p:par>
+    </p:tnLst>
+  </p:timing>
+</p:sld>
+</file>
+
 <file path=ppt/slides/slide2.xml><?xml version="1.0" encoding="utf-8"?>
 <p:sld xmlns:a="http://schemas.openxmlformats.org/drawingml/2006/main" xmlns:r="http://schemas.openxmlformats.org/officeDocument/2006/relationships" xmlns:p="http://schemas.openxmlformats.org/presentationml/2006/main">
   <p:cSld>
@@ -3517,9 +4361,16 @@
             <p:ph idx="1"/>
           </p:nvPr>
         </p:nvSpPr>
-        <p:spPr/>
-        <p:txBody>
-          <a:bodyPr/>
+        <p:spPr>
+          <a:xfrm>
+            <a:off x="505207" y="1811655"/>
+            <a:ext cx="6158484" cy="4743450"/>
+          </a:xfrm>
+        </p:spPr>
+        <p:txBody>
+          <a:bodyPr>
+            <a:normAutofit lnSpcReduction="10000"/>
+          </a:bodyPr>
           <a:lstStyle/>
           <a:p>
             <a:pPr>
@@ -3570,6 +4421,47 @@
           </a:p>
         </p:txBody>
       </p:sp>
+      <p:pic>
+        <p:nvPicPr>
+          <p:cNvPr id="3074" name="Picture 2" descr="How Physical Activity Can Help To Prevent Cancer - Fitness for ..."/>
+          <p:cNvPicPr>
+            <a:picLocks noChangeAspect="1" noChangeArrowheads="1"/>
+          </p:cNvPicPr>
+          <p:nvPr/>
+        </p:nvPicPr>
+        <p:blipFill>
+          <a:blip r:embed="rId2">
+            <a:extLst>
+              <a:ext uri="{28A0092B-C50C-407E-A947-70E740481C1C}">
+                <a14:useLocalDpi xmlns:a14="http://schemas.microsoft.com/office/drawing/2010/main" val="0"/>
+              </a:ext>
+            </a:extLst>
+          </a:blip>
+          <a:srcRect/>
+          <a:stretch>
+            <a:fillRect/>
+          </a:stretch>
+        </p:blipFill>
+        <p:spPr bwMode="auto">
+          <a:xfrm>
+            <a:off x="6532597" y="2157731"/>
+            <a:ext cx="5574948" cy="3488689"/>
+          </a:xfrm>
+          <a:prstGeom prst="rect">
+            <a:avLst/>
+          </a:prstGeom>
+          <a:noFill/>
+          <a:extLst>
+            <a:ext uri="{909E8E84-426E-40DD-AFC4-6F175D3DCCD1}">
+              <a14:hiddenFill xmlns:a14="http://schemas.microsoft.com/office/drawing/2010/main">
+                <a:solidFill>
+                  <a:srgbClr val="FFFFFF"/>
+                </a:solidFill>
+              </a14:hiddenFill>
+            </a:ext>
+          </a:extLst>
+        </p:spPr>
+      </p:pic>
     </p:spTree>
     <p:extLst>
       <p:ext uri="{BB962C8B-B14F-4D97-AF65-F5344CB8AC3E}">
@@ -3580,6 +4472,13 @@
   <p:clrMapOvr>
     <a:masterClrMapping/>
   </p:clrMapOvr>
+  <p:timing>
+    <p:tnLst>
+      <p:par>
+        <p:cTn id="1" dur="indefinite" restart="never" nodeType="tmRoot"/>
+      </p:par>
+    </p:tnLst>
+  </p:timing>
 </p:sld>
 </file>
 
@@ -3660,6 +4559,485 @@
           <a:chExt cx="0" cy="0"/>
         </a:xfrm>
       </p:grpSpPr>
+      <p:sp>
+        <p:nvSpPr>
+          <p:cNvPr id="2" name="Title 1"/>
+          <p:cNvSpPr>
+            <a:spLocks noGrp="1"/>
+          </p:cNvSpPr>
+          <p:nvPr>
+            <p:ph type="title"/>
+          </p:nvPr>
+        </p:nvSpPr>
+        <p:spPr/>
+        <p:txBody>
+          <a:bodyPr/>
+          <a:lstStyle/>
+          <a:p>
+            <a:r>
+              <a:rPr lang="en-US" dirty="0" smtClean="0"/>
+              <a:t>Methods</a:t>
+            </a:r>
+            <a:endParaRPr lang="en-US" dirty="0"/>
+          </a:p>
+        </p:txBody>
+      </p:sp>
+      <p:sp>
+        <p:nvSpPr>
+          <p:cNvPr id="3" name="Content Placeholder 2"/>
+          <p:cNvSpPr>
+            <a:spLocks noGrp="1"/>
+          </p:cNvSpPr>
+          <p:nvPr>
+            <p:ph idx="1"/>
+          </p:nvPr>
+        </p:nvSpPr>
+        <p:spPr>
+          <a:xfrm>
+            <a:off x="676657" y="2011680"/>
+            <a:ext cx="10947654" cy="4652010"/>
+          </a:xfrm>
+        </p:spPr>
+        <p:txBody>
+          <a:bodyPr>
+            <a:normAutofit fontScale="92500" lnSpcReduction="20000"/>
+          </a:bodyPr>
+          <a:lstStyle/>
+          <a:p>
+            <a:pPr>
+              <a:buFont typeface="Wingdings" panose="05000000000000000000" pitchFamily="2" charset="2"/>
+              <a:buChar char="§"/>
+            </a:pPr>
+            <a:r>
+              <a:rPr lang="en-US" dirty="0" smtClean="0"/>
+              <a:t>Data wrangling in R with a SPSS dataset</a:t>
+            </a:r>
+          </a:p>
+          <a:p>
+            <a:pPr>
+              <a:buFont typeface="Wingdings" panose="05000000000000000000" pitchFamily="2" charset="2"/>
+              <a:buChar char="§"/>
+            </a:pPr>
+            <a:endParaRPr lang="en-US" dirty="0" smtClean="0"/>
+          </a:p>
+          <a:p>
+            <a:pPr>
+              <a:buFont typeface="Wingdings" panose="05000000000000000000" pitchFamily="2" charset="2"/>
+              <a:buChar char="§"/>
+            </a:pPr>
+            <a:r>
+              <a:rPr lang="en-US" dirty="0" smtClean="0"/>
+              <a:t>HINTS specific data issues</a:t>
+            </a:r>
+          </a:p>
+          <a:p>
+            <a:pPr lvl="1">
+              <a:buFont typeface="Wingdings" panose="05000000000000000000" pitchFamily="2" charset="2"/>
+              <a:buChar char="§"/>
+            </a:pPr>
+            <a:r>
+              <a:rPr lang="en-US" dirty="0" smtClean="0">
+                <a:solidFill>
+                  <a:schemeClr val="accent1"/>
+                </a:solidFill>
+              </a:rPr>
+              <a:t>Missing coding</a:t>
+            </a:r>
+          </a:p>
+          <a:p>
+            <a:pPr lvl="1">
+              <a:buFont typeface="Wingdings" panose="05000000000000000000" pitchFamily="2" charset="2"/>
+              <a:buChar char="§"/>
+            </a:pPr>
+            <a:endParaRPr lang="en-US" dirty="0" smtClean="0">
+              <a:solidFill>
+                <a:schemeClr val="accent1"/>
+              </a:solidFill>
+            </a:endParaRPr>
+          </a:p>
+          <a:p>
+            <a:pPr>
+              <a:buFont typeface="Wingdings" panose="05000000000000000000" pitchFamily="2" charset="2"/>
+              <a:buChar char="§"/>
+            </a:pPr>
+            <a:r>
+              <a:rPr lang="en-US" dirty="0" smtClean="0"/>
+              <a:t>Physical activity variables</a:t>
+            </a:r>
+          </a:p>
+          <a:p>
+            <a:pPr>
+              <a:buFont typeface="Wingdings" panose="05000000000000000000" pitchFamily="2" charset="2"/>
+              <a:buChar char="§"/>
+            </a:pPr>
+            <a:endParaRPr lang="en-US" dirty="0" smtClean="0"/>
+          </a:p>
+          <a:p>
+            <a:pPr>
+              <a:buFont typeface="Wingdings" panose="05000000000000000000" pitchFamily="2" charset="2"/>
+              <a:buChar char="§"/>
+            </a:pPr>
+            <a:r>
+              <a:rPr lang="en-US" dirty="0" smtClean="0"/>
+              <a:t>Dataset split for modeling (80/20)</a:t>
+            </a:r>
+          </a:p>
+          <a:p>
+            <a:pPr>
+              <a:buFont typeface="Wingdings" panose="05000000000000000000" pitchFamily="2" charset="2"/>
+              <a:buChar char="§"/>
+            </a:pPr>
+            <a:endParaRPr lang="en-US" dirty="0" smtClean="0"/>
+          </a:p>
+          <a:p>
+            <a:pPr>
+              <a:buFont typeface="Wingdings" panose="05000000000000000000" pitchFamily="2" charset="2"/>
+              <a:buChar char="§"/>
+            </a:pPr>
+            <a:r>
+              <a:rPr lang="en-US" dirty="0" smtClean="0"/>
+              <a:t>Multivariate logistic regression</a:t>
+            </a:r>
+          </a:p>
+          <a:p>
+            <a:pPr lvl="1">
+              <a:buFont typeface="Wingdings" panose="05000000000000000000" pitchFamily="2" charset="2"/>
+              <a:buChar char="§"/>
+            </a:pPr>
+            <a:r>
+              <a:rPr lang="en-US" dirty="0" smtClean="0">
+                <a:solidFill>
+                  <a:schemeClr val="accent1"/>
+                </a:solidFill>
+              </a:rPr>
+              <a:t>Prediction plots</a:t>
+            </a:r>
+          </a:p>
+          <a:p>
+            <a:pPr lvl="1">
+              <a:buFont typeface="Wingdings" panose="05000000000000000000" pitchFamily="2" charset="2"/>
+              <a:buChar char="§"/>
+            </a:pPr>
+            <a:r>
+              <a:rPr lang="en-US" dirty="0" smtClean="0">
+                <a:solidFill>
+                  <a:schemeClr val="accent1"/>
+                </a:solidFill>
+              </a:rPr>
+              <a:t>Confusion matrix</a:t>
+            </a:r>
+          </a:p>
+          <a:p>
+            <a:pPr lvl="1">
+              <a:buFont typeface="Wingdings" panose="05000000000000000000" pitchFamily="2" charset="2"/>
+              <a:buChar char="§"/>
+            </a:pPr>
+            <a:r>
+              <a:rPr lang="en-US" dirty="0" smtClean="0">
+                <a:solidFill>
+                  <a:schemeClr val="accent1"/>
+                </a:solidFill>
+              </a:rPr>
+              <a:t>ROC and AUC</a:t>
+            </a:r>
+            <a:endParaRPr lang="en-US" dirty="0">
+              <a:solidFill>
+                <a:schemeClr val="accent1"/>
+              </a:solidFill>
+            </a:endParaRPr>
+          </a:p>
+        </p:txBody>
+      </p:sp>
+      <p:pic>
+        <p:nvPicPr>
+          <p:cNvPr id="1026" name="Picture 2" descr="What's the Difference Between Fruits and Vegetables? | Better ..."/>
+          <p:cNvPicPr>
+            <a:picLocks noChangeAspect="1" noChangeArrowheads="1"/>
+          </p:cNvPicPr>
+          <p:nvPr/>
+        </p:nvPicPr>
+        <p:blipFill>
+          <a:blip r:embed="rId2" cstate="print">
+            <a:extLst>
+              <a:ext uri="{28A0092B-C50C-407E-A947-70E740481C1C}">
+                <a14:useLocalDpi xmlns:a14="http://schemas.microsoft.com/office/drawing/2010/main" val="0"/>
+              </a:ext>
+            </a:extLst>
+          </a:blip>
+          <a:srcRect/>
+          <a:stretch>
+            <a:fillRect/>
+          </a:stretch>
+        </p:blipFill>
+        <p:spPr bwMode="auto">
+          <a:xfrm>
+            <a:off x="5511263" y="2466300"/>
+            <a:ext cx="6327286" cy="3313299"/>
+          </a:xfrm>
+          <a:prstGeom prst="rect">
+            <a:avLst/>
+          </a:prstGeom>
+          <a:noFill/>
+          <a:extLst>
+            <a:ext uri="{909E8E84-426E-40DD-AFC4-6F175D3DCCD1}">
+              <a14:hiddenFill xmlns:a14="http://schemas.microsoft.com/office/drawing/2010/main">
+                <a:solidFill>
+                  <a:srgbClr val="FFFFFF"/>
+                </a:solidFill>
+              </a14:hiddenFill>
+            </a:ext>
+          </a:extLst>
+        </p:spPr>
+      </p:pic>
+    </p:spTree>
+    <p:extLst>
+      <p:ext uri="{BB962C8B-B14F-4D97-AF65-F5344CB8AC3E}">
+        <p14:creationId xmlns:p14="http://schemas.microsoft.com/office/powerpoint/2010/main" val="2725180142"/>
+      </p:ext>
+    </p:extLst>
+  </p:cSld>
+  <p:clrMapOvr>
+    <a:masterClrMapping/>
+  </p:clrMapOvr>
+</p:sld>
+</file>
+
+<file path=ppt/slides/slide5.xml><?xml version="1.0" encoding="utf-8"?>
+<p:sld xmlns:a="http://schemas.openxmlformats.org/drawingml/2006/main" xmlns:r="http://schemas.openxmlformats.org/officeDocument/2006/relationships" xmlns:p="http://schemas.openxmlformats.org/presentationml/2006/main">
+  <p:cSld>
+    <p:spTree>
+      <p:nvGrpSpPr>
+        <p:cNvPr id="1" name=""/>
+        <p:cNvGrpSpPr/>
+        <p:nvPr/>
+      </p:nvGrpSpPr>
+      <p:grpSpPr>
+        <a:xfrm>
+          <a:off x="0" y="0"/>
+          <a:ext cx="0" cy="0"/>
+          <a:chOff x="0" y="0"/>
+          <a:chExt cx="0" cy="0"/>
+        </a:xfrm>
+      </p:grpSpPr>
+      <p:sp>
+        <p:nvSpPr>
+          <p:cNvPr id="2" name="Title 1"/>
+          <p:cNvSpPr>
+            <a:spLocks noGrp="1"/>
+          </p:cNvSpPr>
+          <p:nvPr>
+            <p:ph type="title"/>
+          </p:nvPr>
+        </p:nvSpPr>
+        <p:spPr/>
+        <p:txBody>
+          <a:bodyPr/>
+          <a:lstStyle/>
+          <a:p>
+            <a:r>
+              <a:rPr lang="en-US" dirty="0" smtClean="0"/>
+              <a:t>Results</a:t>
+            </a:r>
+            <a:endParaRPr lang="en-US" dirty="0"/>
+          </a:p>
+        </p:txBody>
+      </p:sp>
+      <p:sp>
+        <p:nvSpPr>
+          <p:cNvPr id="3" name="Content Placeholder 2"/>
+          <p:cNvSpPr>
+            <a:spLocks noGrp="1"/>
+          </p:cNvSpPr>
+          <p:nvPr>
+            <p:ph idx="1"/>
+          </p:nvPr>
+        </p:nvSpPr>
+        <p:spPr>
+          <a:xfrm>
+            <a:off x="676657" y="2011680"/>
+            <a:ext cx="5964174" cy="3766185"/>
+          </a:xfrm>
+        </p:spPr>
+        <p:txBody>
+          <a:bodyPr>
+            <a:normAutofit lnSpcReduction="10000"/>
+          </a:bodyPr>
+          <a:lstStyle/>
+          <a:p>
+            <a:pPr>
+              <a:buFont typeface="Wingdings" panose="05000000000000000000" pitchFamily="2" charset="2"/>
+              <a:buChar char="§"/>
+            </a:pPr>
+            <a:r>
+              <a:rPr lang="en-US" dirty="0" smtClean="0"/>
+              <a:t>3630 total survey participants in this cycle</a:t>
+            </a:r>
+          </a:p>
+          <a:p>
+            <a:pPr>
+              <a:buFont typeface="Wingdings" panose="05000000000000000000" pitchFamily="2" charset="2"/>
+              <a:buChar char="§"/>
+            </a:pPr>
+            <a:r>
+              <a:rPr lang="en-US" dirty="0" smtClean="0"/>
+              <a:t>464 that ever had cancer (or currently have cancer)</a:t>
+            </a:r>
+          </a:p>
+          <a:p>
+            <a:pPr>
+              <a:buFont typeface="Wingdings" panose="05000000000000000000" pitchFamily="2" charset="2"/>
+              <a:buChar char="§"/>
+            </a:pPr>
+            <a:r>
+              <a:rPr lang="en-US" dirty="0" smtClean="0"/>
+              <a:t>2412 with a family history of cancer</a:t>
+            </a:r>
+          </a:p>
+          <a:p>
+            <a:pPr>
+              <a:buFont typeface="Wingdings" panose="05000000000000000000" pitchFamily="2" charset="2"/>
+              <a:buChar char="§"/>
+            </a:pPr>
+            <a:r>
+              <a:rPr lang="en-US" dirty="0" smtClean="0"/>
+              <a:t>Significant differences between cancer and no cancer: age, </a:t>
+            </a:r>
+            <a:r>
+              <a:rPr lang="en-US" dirty="0" smtClean="0">
+                <a:solidFill>
+                  <a:schemeClr val="accent1"/>
+                </a:solidFill>
+              </a:rPr>
+              <a:t>race/ethnicity</a:t>
+            </a:r>
+            <a:r>
+              <a:rPr lang="en-US" dirty="0" smtClean="0"/>
+              <a:t>, marital status, education, income, </a:t>
+            </a:r>
+            <a:r>
+              <a:rPr lang="en-US" dirty="0" smtClean="0">
+                <a:solidFill>
+                  <a:schemeClr val="accent1"/>
+                </a:solidFill>
+              </a:rPr>
+              <a:t>smoking status</a:t>
+            </a:r>
+          </a:p>
+          <a:p>
+            <a:pPr>
+              <a:buFont typeface="Wingdings" panose="05000000000000000000" pitchFamily="2" charset="2"/>
+              <a:buChar char="§"/>
+            </a:pPr>
+            <a:r>
+              <a:rPr lang="en-US" dirty="0" smtClean="0"/>
+              <a:t>Significant differences between family history and no history: sex, </a:t>
+            </a:r>
+            <a:r>
+              <a:rPr lang="en-US" dirty="0" smtClean="0">
+                <a:solidFill>
+                  <a:schemeClr val="accent1"/>
+                </a:solidFill>
+              </a:rPr>
+              <a:t>race/ethnicity</a:t>
+            </a:r>
+            <a:r>
+              <a:rPr lang="en-US" dirty="0" smtClean="0"/>
+              <a:t>, </a:t>
+            </a:r>
+            <a:r>
+              <a:rPr lang="en-US" dirty="0" smtClean="0">
+                <a:solidFill>
+                  <a:schemeClr val="accent1"/>
+                </a:solidFill>
+              </a:rPr>
+              <a:t>smoking status</a:t>
+            </a:r>
+            <a:endParaRPr lang="en-US" dirty="0">
+              <a:solidFill>
+                <a:schemeClr val="accent1"/>
+              </a:solidFill>
+            </a:endParaRPr>
+          </a:p>
+        </p:txBody>
+      </p:sp>
+      <p:pic>
+        <p:nvPicPr>
+          <p:cNvPr id="4098" name="Picture 2" descr="Physical Activity Program | UMD School of Public Health"/>
+          <p:cNvPicPr>
+            <a:picLocks noChangeAspect="1" noChangeArrowheads="1"/>
+          </p:cNvPicPr>
+          <p:nvPr/>
+        </p:nvPicPr>
+        <p:blipFill>
+          <a:blip r:embed="rId2">
+            <a:extLst>
+              <a:ext uri="{28A0092B-C50C-407E-A947-70E740481C1C}">
+                <a14:useLocalDpi xmlns:a14="http://schemas.microsoft.com/office/drawing/2010/main" val="0"/>
+              </a:ext>
+            </a:extLst>
+          </a:blip>
+          <a:srcRect/>
+          <a:stretch>
+            <a:fillRect/>
+          </a:stretch>
+        </p:blipFill>
+        <p:spPr bwMode="auto">
+          <a:xfrm>
+            <a:off x="6870700" y="2157731"/>
+            <a:ext cx="5191125" cy="3114676"/>
+          </a:xfrm>
+          <a:prstGeom prst="rect">
+            <a:avLst/>
+          </a:prstGeom>
+          <a:noFill/>
+          <a:extLst>
+            <a:ext uri="{909E8E84-426E-40DD-AFC4-6F175D3DCCD1}">
+              <a14:hiddenFill xmlns:a14="http://schemas.microsoft.com/office/drawing/2010/main">
+                <a:solidFill>
+                  <a:srgbClr val="FFFFFF"/>
+                </a:solidFill>
+              </a14:hiddenFill>
+            </a:ext>
+          </a:extLst>
+        </p:spPr>
+      </p:pic>
+    </p:spTree>
+    <p:extLst>
+      <p:ext uri="{BB962C8B-B14F-4D97-AF65-F5344CB8AC3E}">
+        <p14:creationId xmlns:p14="http://schemas.microsoft.com/office/powerpoint/2010/main" val="3451590062"/>
+      </p:ext>
+    </p:extLst>
+  </p:cSld>
+  <p:clrMapOvr>
+    <a:masterClrMapping/>
+  </p:clrMapOvr>
+  <p:timing>
+    <p:tnLst>
+      <p:par>
+        <p:cTn id="1" dur="indefinite" restart="never" nodeType="tmRoot"/>
+      </p:par>
+    </p:tnLst>
+  </p:timing>
+</p:sld>
+</file>
+
+<file path=ppt/slides/slide6.xml><?xml version="1.0" encoding="utf-8"?>
+<p:sld xmlns:a="http://schemas.openxmlformats.org/drawingml/2006/main" xmlns:r="http://schemas.openxmlformats.org/officeDocument/2006/relationships" xmlns:p="http://schemas.openxmlformats.org/presentationml/2006/main">
+  <p:cSld>
+    <p:spTree>
+      <p:nvGrpSpPr>
+        <p:cNvPr id="1" name=""/>
+        <p:cNvGrpSpPr/>
+        <p:nvPr/>
+      </p:nvGrpSpPr>
+      <p:grpSpPr>
+        <a:xfrm>
+          <a:off x="0" y="0"/>
+          <a:ext cx="0" cy="0"/>
+          <a:chOff x="0" y="0"/>
+          <a:chExt cx="0" cy="0"/>
+        </a:xfrm>
+      </p:grpSpPr>
       <p:pic>
         <p:nvPicPr>
           <p:cNvPr id="4" name="Picture 3"/>
@@ -3682,7 +5060,7 @@
         </p:blipFill>
         <p:spPr>
           <a:xfrm>
-            <a:off x="6058852" y="1371313"/>
+            <a:off x="5990272" y="2625745"/>
             <a:ext cx="5834528" cy="3600737"/>
           </a:xfrm>
           <a:prstGeom prst="rect">
@@ -3712,7 +5090,7 @@
         </p:blipFill>
         <p:spPr>
           <a:xfrm>
-            <a:off x="171450" y="1366808"/>
+            <a:off x="154305" y="2657188"/>
             <a:ext cx="5783580" cy="3569294"/>
           </a:xfrm>
           <a:prstGeom prst="rect">
@@ -3720,6 +5098,268 @@
           </a:prstGeom>
         </p:spPr>
       </p:pic>
+      <p:sp>
+        <p:nvSpPr>
+          <p:cNvPr id="2" name="Title 1"/>
+          <p:cNvSpPr>
+            <a:spLocks noGrp="1"/>
+          </p:cNvSpPr>
+          <p:nvPr>
+            <p:ph type="title"/>
+          </p:nvPr>
+        </p:nvSpPr>
+        <p:spPr/>
+        <p:txBody>
+          <a:bodyPr/>
+          <a:lstStyle/>
+          <a:p>
+            <a:r>
+              <a:rPr lang="en-US" dirty="0" smtClean="0"/>
+              <a:t>Prevalence of Cancer and Family History</a:t>
+            </a:r>
+            <a:endParaRPr lang="en-US" dirty="0"/>
+          </a:p>
+        </p:txBody>
+      </p:sp>
+      <p:sp>
+        <p:nvSpPr>
+          <p:cNvPr id="3" name="TextBox 2"/>
+          <p:cNvSpPr txBox="1"/>
+          <p:nvPr/>
+        </p:nvSpPr>
+        <p:spPr>
+          <a:xfrm>
+            <a:off x="1085850" y="5303520"/>
+            <a:ext cx="1080135" cy="369332"/>
+          </a:xfrm>
+          <a:prstGeom prst="rect">
+            <a:avLst/>
+          </a:prstGeom>
+          <a:noFill/>
+        </p:spPr>
+        <p:txBody>
+          <a:bodyPr wrap="square" rtlCol="0">
+            <a:spAutoFit/>
+          </a:bodyPr>
+          <a:lstStyle/>
+          <a:p>
+            <a:pPr algn="ctr"/>
+            <a:r>
+              <a:rPr lang="en-US" b="1" dirty="0" smtClean="0">
+                <a:solidFill>
+                  <a:schemeClr val="accent1"/>
+                </a:solidFill>
+              </a:rPr>
+              <a:t>464</a:t>
+            </a:r>
+            <a:endParaRPr lang="en-US" b="1" dirty="0">
+              <a:solidFill>
+                <a:schemeClr val="accent1"/>
+              </a:solidFill>
+            </a:endParaRPr>
+          </a:p>
+        </p:txBody>
+      </p:sp>
+      <p:sp>
+        <p:nvSpPr>
+          <p:cNvPr id="7" name="TextBox 6"/>
+          <p:cNvSpPr txBox="1"/>
+          <p:nvPr/>
+        </p:nvSpPr>
+        <p:spPr>
+          <a:xfrm>
+            <a:off x="2718435" y="2998470"/>
+            <a:ext cx="1080135" cy="369332"/>
+          </a:xfrm>
+          <a:prstGeom prst="rect">
+            <a:avLst/>
+          </a:prstGeom>
+          <a:noFill/>
+        </p:spPr>
+        <p:txBody>
+          <a:bodyPr wrap="square" rtlCol="0">
+            <a:spAutoFit/>
+          </a:bodyPr>
+          <a:lstStyle/>
+          <a:p>
+            <a:pPr algn="ctr"/>
+            <a:r>
+              <a:rPr lang="en-US" b="1" dirty="0" smtClean="0">
+                <a:solidFill>
+                  <a:schemeClr val="accent1"/>
+                </a:solidFill>
+              </a:rPr>
+              <a:t>3135</a:t>
+            </a:r>
+            <a:endParaRPr lang="en-US" b="1" dirty="0">
+              <a:solidFill>
+                <a:schemeClr val="accent1"/>
+              </a:solidFill>
+            </a:endParaRPr>
+          </a:p>
+        </p:txBody>
+      </p:sp>
+      <p:sp>
+        <p:nvSpPr>
+          <p:cNvPr id="8" name="TextBox 7"/>
+          <p:cNvSpPr txBox="1"/>
+          <p:nvPr/>
+        </p:nvSpPr>
+        <p:spPr>
+          <a:xfrm>
+            <a:off x="6968490" y="2998470"/>
+            <a:ext cx="1080135" cy="369332"/>
+          </a:xfrm>
+          <a:prstGeom prst="rect">
+            <a:avLst/>
+          </a:prstGeom>
+          <a:noFill/>
+        </p:spPr>
+        <p:txBody>
+          <a:bodyPr wrap="square" rtlCol="0">
+            <a:spAutoFit/>
+          </a:bodyPr>
+          <a:lstStyle/>
+          <a:p>
+            <a:pPr algn="ctr"/>
+            <a:r>
+              <a:rPr lang="en-US" b="1" dirty="0" smtClean="0">
+                <a:solidFill>
+                  <a:schemeClr val="accent1"/>
+                </a:solidFill>
+              </a:rPr>
+              <a:t>2412</a:t>
+            </a:r>
+            <a:endParaRPr lang="en-US" b="1" dirty="0">
+              <a:solidFill>
+                <a:schemeClr val="accent1"/>
+              </a:solidFill>
+            </a:endParaRPr>
+          </a:p>
+        </p:txBody>
+      </p:sp>
+      <p:sp>
+        <p:nvSpPr>
+          <p:cNvPr id="9" name="TextBox 8"/>
+          <p:cNvSpPr txBox="1"/>
+          <p:nvPr/>
+        </p:nvSpPr>
+        <p:spPr>
+          <a:xfrm>
+            <a:off x="4343876" y="5303520"/>
+            <a:ext cx="1080135" cy="369332"/>
+          </a:xfrm>
+          <a:prstGeom prst="rect">
+            <a:avLst/>
+          </a:prstGeom>
+          <a:noFill/>
+          <a:ln>
+            <a:solidFill>
+              <a:schemeClr val="accent1"/>
+            </a:solidFill>
+          </a:ln>
+        </p:spPr>
+        <p:txBody>
+          <a:bodyPr wrap="square" rtlCol="0">
+            <a:spAutoFit/>
+          </a:bodyPr>
+          <a:lstStyle/>
+          <a:p>
+            <a:pPr algn="ctr"/>
+            <a:r>
+              <a:rPr lang="en-US" b="1" dirty="0" smtClean="0">
+                <a:solidFill>
+                  <a:schemeClr val="accent1"/>
+                </a:solidFill>
+              </a:rPr>
+              <a:t>31</a:t>
+            </a:r>
+            <a:endParaRPr lang="en-US" b="1" dirty="0">
+              <a:solidFill>
+                <a:schemeClr val="accent1"/>
+              </a:solidFill>
+            </a:endParaRPr>
+          </a:p>
+        </p:txBody>
+      </p:sp>
+      <p:sp>
+        <p:nvSpPr>
+          <p:cNvPr id="10" name="TextBox 9"/>
+          <p:cNvSpPr txBox="1"/>
+          <p:nvPr/>
+        </p:nvSpPr>
+        <p:spPr>
+          <a:xfrm>
+            <a:off x="8551545" y="4756785"/>
+            <a:ext cx="1080135" cy="369332"/>
+          </a:xfrm>
+          <a:prstGeom prst="rect">
+            <a:avLst/>
+          </a:prstGeom>
+          <a:noFill/>
+        </p:spPr>
+        <p:txBody>
+          <a:bodyPr wrap="square" rtlCol="0">
+            <a:spAutoFit/>
+          </a:bodyPr>
+          <a:lstStyle/>
+          <a:p>
+            <a:pPr algn="ctr"/>
+            <a:r>
+              <a:rPr lang="en-US" b="1" dirty="0" smtClean="0">
+                <a:solidFill>
+                  <a:schemeClr val="accent1"/>
+                </a:solidFill>
+              </a:rPr>
+              <a:t>870</a:t>
+            </a:r>
+            <a:endParaRPr lang="en-US" b="1" dirty="0">
+              <a:solidFill>
+                <a:schemeClr val="accent1"/>
+              </a:solidFill>
+            </a:endParaRPr>
+          </a:p>
+        </p:txBody>
+      </p:sp>
+      <p:sp>
+        <p:nvSpPr>
+          <p:cNvPr id="11" name="TextBox 10"/>
+          <p:cNvSpPr txBox="1"/>
+          <p:nvPr/>
+        </p:nvSpPr>
+        <p:spPr>
+          <a:xfrm>
+            <a:off x="10197465" y="5303520"/>
+            <a:ext cx="1080135" cy="369332"/>
+          </a:xfrm>
+          <a:prstGeom prst="rect">
+            <a:avLst/>
+          </a:prstGeom>
+          <a:noFill/>
+        </p:spPr>
+        <p:txBody>
+          <a:bodyPr wrap="square" rtlCol="0">
+            <a:spAutoFit/>
+          </a:bodyPr>
+          <a:lstStyle/>
+          <a:p>
+            <a:pPr algn="ctr"/>
+            <a:r>
+              <a:rPr lang="en-US" b="1" dirty="0" smtClean="0">
+                <a:solidFill>
+                  <a:schemeClr val="accent1"/>
+                </a:solidFill>
+              </a:rPr>
+              <a:t>348</a:t>
+            </a:r>
+            <a:endParaRPr lang="en-US" b="1" dirty="0">
+              <a:solidFill>
+                <a:schemeClr val="accent1"/>
+              </a:solidFill>
+            </a:endParaRPr>
+          </a:p>
+        </p:txBody>
+      </p:sp>
     </p:spTree>
     <p:extLst>
       <p:ext uri="{BB962C8B-B14F-4D97-AF65-F5344CB8AC3E}">
@@ -3730,10 +5370,17 @@
   <p:clrMapOvr>
     <a:masterClrMapping/>
   </p:clrMapOvr>
+  <p:timing>
+    <p:tnLst>
+      <p:par>
+        <p:cTn id="1" dur="indefinite" restart="never" nodeType="tmRoot"/>
+      </p:par>
+    </p:tnLst>
+  </p:timing>
 </p:sld>
 </file>
 
-<file path=ppt/slides/slide5.xml><?xml version="1.0" encoding="utf-8"?>
+<file path=ppt/slides/slide7.xml><?xml version="1.0" encoding="utf-8"?>
 <p:sld xmlns:a="http://schemas.openxmlformats.org/drawingml/2006/main" xmlns:r="http://schemas.openxmlformats.org/officeDocument/2006/relationships" xmlns:p="http://schemas.openxmlformats.org/presentationml/2006/main">
   <p:cSld>
     <p:spTree>
@@ -3766,7 +5413,7 @@
         </p:blipFill>
         <p:spPr>
           <a:xfrm>
-            <a:off x="2096000" y="960428"/>
+            <a:off x="2227445" y="1880543"/>
             <a:ext cx="8000000" cy="4937143"/>
           </a:xfrm>
           <a:prstGeom prst="rect">
@@ -3774,6 +5421,29 @@
           </a:prstGeom>
         </p:spPr>
       </p:pic>
+      <p:sp>
+        <p:nvSpPr>
+          <p:cNvPr id="3" name="Title 2"/>
+          <p:cNvSpPr>
+            <a:spLocks noGrp="1"/>
+          </p:cNvSpPr>
+          <p:nvPr>
+            <p:ph type="title"/>
+          </p:nvPr>
+        </p:nvSpPr>
+        <p:spPr/>
+        <p:txBody>
+          <a:bodyPr/>
+          <a:lstStyle/>
+          <a:p>
+            <a:r>
+              <a:rPr lang="en-US" dirty="0" smtClean="0"/>
+              <a:t>Correlation Matrix for Covariates</a:t>
+            </a:r>
+            <a:endParaRPr lang="en-US" dirty="0"/>
+          </a:p>
+        </p:txBody>
+      </p:sp>
     </p:spTree>
     <p:extLst>
       <p:ext uri="{BB962C8B-B14F-4D97-AF65-F5344CB8AC3E}">
@@ -3784,478 +5454,13 @@
   <p:clrMapOvr>
     <a:masterClrMapping/>
   </p:clrMapOvr>
-</p:sld>
-</file>
-
-<file path=ppt/slides/slide6.xml><?xml version="1.0" encoding="utf-8"?>
-<p:sld xmlns:a="http://schemas.openxmlformats.org/drawingml/2006/main" xmlns:r="http://schemas.openxmlformats.org/officeDocument/2006/relationships" xmlns:p="http://schemas.openxmlformats.org/presentationml/2006/main">
-  <p:cSld>
-    <p:spTree>
-      <p:nvGrpSpPr>
-        <p:cNvPr id="1" name=""/>
-        <p:cNvGrpSpPr/>
-        <p:nvPr/>
-      </p:nvGrpSpPr>
-      <p:grpSpPr>
-        <a:xfrm>
-          <a:off x="0" y="0"/>
-          <a:ext cx="0" cy="0"/>
-          <a:chOff x="0" y="0"/>
-          <a:chExt cx="0" cy="0"/>
-        </a:xfrm>
-      </p:grpSpPr>
-      <p:pic>
-        <p:nvPicPr>
-          <p:cNvPr id="3" name="Picture 2"/>
-          <p:cNvPicPr>
-            <a:picLocks noChangeAspect="1"/>
-          </p:cNvPicPr>
-          <p:nvPr/>
-        </p:nvPicPr>
-        <p:blipFill>
-          <a:blip r:embed="rId2"/>
-          <a:stretch>
-            <a:fillRect/>
-          </a:stretch>
-        </p:blipFill>
-        <p:spPr>
-          <a:xfrm>
-            <a:off x="1889395" y="767865"/>
-            <a:ext cx="8413209" cy="5322269"/>
-          </a:xfrm>
-          <a:prstGeom prst="rect">
-            <a:avLst/>
-          </a:prstGeom>
-        </p:spPr>
-      </p:pic>
-    </p:spTree>
-    <p:extLst>
-      <p:ext uri="{BB962C8B-B14F-4D97-AF65-F5344CB8AC3E}">
-        <p14:creationId xmlns:p14="http://schemas.microsoft.com/office/powerpoint/2010/main" val="780084252"/>
-      </p:ext>
-    </p:extLst>
-  </p:cSld>
-  <p:clrMapOvr>
-    <a:masterClrMapping/>
-  </p:clrMapOvr>
-</p:sld>
-</file>
-
-<file path=ppt/slides/slide7.xml><?xml version="1.0" encoding="utf-8"?>
-<p:sld xmlns:a="http://schemas.openxmlformats.org/drawingml/2006/main" xmlns:r="http://schemas.openxmlformats.org/officeDocument/2006/relationships" xmlns:p="http://schemas.openxmlformats.org/presentationml/2006/main">
-  <p:cSld>
-    <p:spTree>
-      <p:nvGrpSpPr>
-        <p:cNvPr id="1" name=""/>
-        <p:cNvGrpSpPr/>
-        <p:nvPr/>
-      </p:nvGrpSpPr>
-      <p:grpSpPr>
-        <a:xfrm>
-          <a:off x="0" y="0"/>
-          <a:ext cx="0" cy="0"/>
-          <a:chOff x="0" y="0"/>
-          <a:chExt cx="0" cy="0"/>
-        </a:xfrm>
-      </p:grpSpPr>
-      <p:pic>
-        <p:nvPicPr>
-          <p:cNvPr id="13" name="Picture 12"/>
-          <p:cNvPicPr>
-            <a:picLocks noChangeAspect="1"/>
-          </p:cNvPicPr>
-          <p:nvPr/>
-        </p:nvPicPr>
-        <p:blipFill>
-          <a:blip r:embed="rId2"/>
-          <a:stretch>
-            <a:fillRect/>
-          </a:stretch>
-        </p:blipFill>
-        <p:spPr>
-          <a:xfrm>
-            <a:off x="6645863" y="3912844"/>
-            <a:ext cx="4244575" cy="2618849"/>
-          </a:xfrm>
-          <a:prstGeom prst="rect">
-            <a:avLst/>
-          </a:prstGeom>
-        </p:spPr>
-      </p:pic>
-      <p:pic>
-        <p:nvPicPr>
-          <p:cNvPr id="2" name="Picture 1"/>
-          <p:cNvPicPr>
-            <a:picLocks noChangeAspect="1"/>
-          </p:cNvPicPr>
-          <p:nvPr/>
-        </p:nvPicPr>
-        <p:blipFill>
-          <a:blip r:embed="rId3"/>
-          <a:stretch>
-            <a:fillRect/>
-          </a:stretch>
-        </p:blipFill>
-        <p:spPr>
-          <a:xfrm>
-            <a:off x="1002123" y="925829"/>
-            <a:ext cx="4241895" cy="2617195"/>
-          </a:xfrm>
-          <a:prstGeom prst="rect">
-            <a:avLst/>
-          </a:prstGeom>
-        </p:spPr>
-      </p:pic>
-      <p:sp>
-        <p:nvSpPr>
-          <p:cNvPr id="3" name="TextBox 2"/>
-          <p:cNvSpPr txBox="1"/>
-          <p:nvPr/>
-        </p:nvSpPr>
-        <p:spPr>
-          <a:xfrm>
-            <a:off x="1463040" y="542925"/>
-            <a:ext cx="3509010" cy="584775"/>
-          </a:xfrm>
-          <a:prstGeom prst="rect">
-            <a:avLst/>
-          </a:prstGeom>
-          <a:noFill/>
-        </p:spPr>
-        <p:txBody>
-          <a:bodyPr wrap="square" rtlCol="0">
-            <a:spAutoFit/>
-          </a:bodyPr>
-          <a:lstStyle/>
-          <a:p>
-            <a:pPr algn="ctr"/>
-            <a:r>
-              <a:rPr lang="en-US" sz="1600" dirty="0" smtClean="0">
-                <a:latin typeface="Arial" panose="020B0604020202020204" pitchFamily="34" charset="0"/>
-                <a:cs typeface="Arial" panose="020B0604020202020204" pitchFamily="34" charset="0"/>
-              </a:rPr>
-              <a:t>Family History of Cancer ~ Fruits and Vegetables</a:t>
-            </a:r>
-            <a:endParaRPr lang="en-US" sz="1600" dirty="0">
-              <a:latin typeface="Arial" panose="020B0604020202020204" pitchFamily="34" charset="0"/>
-              <a:cs typeface="Arial" panose="020B0604020202020204" pitchFamily="34" charset="0"/>
-            </a:endParaRPr>
-          </a:p>
-        </p:txBody>
-      </p:sp>
-      <p:pic>
-        <p:nvPicPr>
-          <p:cNvPr id="5" name="Picture 4"/>
-          <p:cNvPicPr>
-            <a:picLocks noChangeAspect="1"/>
-          </p:cNvPicPr>
-          <p:nvPr/>
-        </p:nvPicPr>
-        <p:blipFill>
-          <a:blip r:embed="rId4"/>
-          <a:stretch>
-            <a:fillRect/>
-          </a:stretch>
-        </p:blipFill>
-        <p:spPr>
-          <a:xfrm>
-            <a:off x="6648543" y="925828"/>
-            <a:ext cx="4241895" cy="2617195"/>
-          </a:xfrm>
-          <a:prstGeom prst="rect">
-            <a:avLst/>
-          </a:prstGeom>
-        </p:spPr>
-      </p:pic>
-      <p:sp>
-        <p:nvSpPr>
-          <p:cNvPr id="6" name="TextBox 5"/>
-          <p:cNvSpPr txBox="1"/>
-          <p:nvPr/>
-        </p:nvSpPr>
-        <p:spPr>
-          <a:xfrm>
-            <a:off x="7014985" y="3543023"/>
-            <a:ext cx="3509010" cy="584775"/>
-          </a:xfrm>
-          <a:prstGeom prst="rect">
-            <a:avLst/>
-          </a:prstGeom>
-          <a:noFill/>
-        </p:spPr>
-        <p:txBody>
-          <a:bodyPr wrap="square" rtlCol="0">
-            <a:spAutoFit/>
-          </a:bodyPr>
-          <a:lstStyle/>
-          <a:p>
-            <a:pPr algn="ctr"/>
-            <a:r>
-              <a:rPr lang="en-US" sz="1600" dirty="0" smtClean="0">
-                <a:latin typeface="Arial" panose="020B0604020202020204" pitchFamily="34" charset="0"/>
-                <a:cs typeface="Arial" panose="020B0604020202020204" pitchFamily="34" charset="0"/>
-              </a:rPr>
-              <a:t>Current Cancer ~ Days of Aerobic Exercise</a:t>
-            </a:r>
-            <a:endParaRPr lang="en-US" sz="1600" dirty="0">
-              <a:latin typeface="Arial" panose="020B0604020202020204" pitchFamily="34" charset="0"/>
-              <a:cs typeface="Arial" panose="020B0604020202020204" pitchFamily="34" charset="0"/>
-            </a:endParaRPr>
-          </a:p>
-        </p:txBody>
-      </p:sp>
-      <p:sp>
-        <p:nvSpPr>
-          <p:cNvPr id="7" name="TextBox 6"/>
-          <p:cNvSpPr txBox="1"/>
-          <p:nvPr/>
-        </p:nvSpPr>
-        <p:spPr>
-          <a:xfrm>
-            <a:off x="3683822" y="2514600"/>
-            <a:ext cx="1132557" cy="307777"/>
-          </a:xfrm>
-          <a:prstGeom prst="rect">
-            <a:avLst/>
-          </a:prstGeom>
-          <a:noFill/>
-        </p:spPr>
-        <p:txBody>
-          <a:bodyPr wrap="square" rtlCol="0">
-            <a:spAutoFit/>
-          </a:bodyPr>
-          <a:lstStyle/>
-          <a:p>
-            <a:r>
-              <a:rPr lang="en-US" sz="1400" dirty="0" smtClean="0">
-                <a:latin typeface="Arial" panose="020B0604020202020204" pitchFamily="34" charset="0"/>
-                <a:cs typeface="Arial" panose="020B0604020202020204" pitchFamily="34" charset="0"/>
-              </a:rPr>
-              <a:t>AUC – 0.55</a:t>
-            </a:r>
-            <a:endParaRPr lang="en-US" sz="1400" dirty="0">
-              <a:latin typeface="Arial" panose="020B0604020202020204" pitchFamily="34" charset="0"/>
-              <a:cs typeface="Arial" panose="020B0604020202020204" pitchFamily="34" charset="0"/>
-            </a:endParaRPr>
-          </a:p>
-        </p:txBody>
-      </p:sp>
-      <p:sp>
-        <p:nvSpPr>
-          <p:cNvPr id="8" name="TextBox 7"/>
-          <p:cNvSpPr txBox="1"/>
-          <p:nvPr/>
-        </p:nvSpPr>
-        <p:spPr>
-          <a:xfrm>
-            <a:off x="9432573" y="2615565"/>
-            <a:ext cx="1132557" cy="307777"/>
-          </a:xfrm>
-          <a:prstGeom prst="rect">
-            <a:avLst/>
-          </a:prstGeom>
-          <a:noFill/>
-        </p:spPr>
-        <p:txBody>
-          <a:bodyPr wrap="square" rtlCol="0">
-            <a:spAutoFit/>
-          </a:bodyPr>
-          <a:lstStyle/>
-          <a:p>
-            <a:r>
-              <a:rPr lang="en-US" sz="1400" dirty="0" smtClean="0">
-                <a:latin typeface="Arial" panose="020B0604020202020204" pitchFamily="34" charset="0"/>
-                <a:cs typeface="Arial" panose="020B0604020202020204" pitchFamily="34" charset="0"/>
-              </a:rPr>
-              <a:t>AUC – 0.52</a:t>
-            </a:r>
-            <a:endParaRPr lang="en-US" sz="1400" dirty="0">
-              <a:latin typeface="Arial" panose="020B0604020202020204" pitchFamily="34" charset="0"/>
-              <a:cs typeface="Arial" panose="020B0604020202020204" pitchFamily="34" charset="0"/>
-            </a:endParaRPr>
-          </a:p>
-        </p:txBody>
-      </p:sp>
-      <p:pic>
-        <p:nvPicPr>
-          <p:cNvPr id="9" name="Picture 8"/>
-          <p:cNvPicPr>
-            <a:picLocks noChangeAspect="1"/>
-          </p:cNvPicPr>
-          <p:nvPr/>
-        </p:nvPicPr>
-        <p:blipFill>
-          <a:blip r:embed="rId5"/>
-          <a:stretch>
-            <a:fillRect/>
-          </a:stretch>
-        </p:blipFill>
-        <p:spPr>
-          <a:xfrm>
-            <a:off x="1002123" y="3914498"/>
-            <a:ext cx="4241895" cy="2617195"/>
-          </a:xfrm>
-          <a:prstGeom prst="rect">
-            <a:avLst/>
-          </a:prstGeom>
-        </p:spPr>
-      </p:pic>
-      <p:sp>
-        <p:nvSpPr>
-          <p:cNvPr id="10" name="TextBox 9"/>
-          <p:cNvSpPr txBox="1"/>
-          <p:nvPr/>
-        </p:nvSpPr>
-        <p:spPr>
-          <a:xfrm>
-            <a:off x="1368565" y="3543023"/>
-            <a:ext cx="3509010" cy="584775"/>
-          </a:xfrm>
-          <a:prstGeom prst="rect">
-            <a:avLst/>
-          </a:prstGeom>
-          <a:noFill/>
-        </p:spPr>
-        <p:txBody>
-          <a:bodyPr wrap="square" rtlCol="0">
-            <a:spAutoFit/>
-          </a:bodyPr>
-          <a:lstStyle/>
-          <a:p>
-            <a:pPr algn="ctr"/>
-            <a:r>
-              <a:rPr lang="en-US" sz="1600" dirty="0" smtClean="0">
-                <a:latin typeface="Arial" panose="020B0604020202020204" pitchFamily="34" charset="0"/>
-                <a:cs typeface="Arial" panose="020B0604020202020204" pitchFamily="34" charset="0"/>
-              </a:rPr>
-              <a:t>Current Cancer ~ Fruits and Vegetables</a:t>
-            </a:r>
-            <a:endParaRPr lang="en-US" sz="1600" dirty="0">
-              <a:latin typeface="Arial" panose="020B0604020202020204" pitchFamily="34" charset="0"/>
-              <a:cs typeface="Arial" panose="020B0604020202020204" pitchFamily="34" charset="0"/>
-            </a:endParaRPr>
-          </a:p>
-        </p:txBody>
-      </p:sp>
-      <p:sp>
-        <p:nvSpPr>
-          <p:cNvPr id="11" name="TextBox 10"/>
-          <p:cNvSpPr txBox="1"/>
-          <p:nvPr/>
-        </p:nvSpPr>
-        <p:spPr>
-          <a:xfrm>
-            <a:off x="7157085" y="633440"/>
-            <a:ext cx="3509010" cy="584775"/>
-          </a:xfrm>
-          <a:prstGeom prst="rect">
-            <a:avLst/>
-          </a:prstGeom>
-          <a:noFill/>
-        </p:spPr>
-        <p:txBody>
-          <a:bodyPr wrap="square" rtlCol="0">
-            <a:spAutoFit/>
-          </a:bodyPr>
-          <a:lstStyle/>
-          <a:p>
-            <a:pPr algn="ctr"/>
-            <a:r>
-              <a:rPr lang="en-US" sz="1600" dirty="0" smtClean="0">
-                <a:latin typeface="Arial" panose="020B0604020202020204" pitchFamily="34" charset="0"/>
-                <a:cs typeface="Arial" panose="020B0604020202020204" pitchFamily="34" charset="0"/>
-              </a:rPr>
-              <a:t>Family History of Cancer ~ Days of Aerobic Exercise</a:t>
-            </a:r>
-            <a:endParaRPr lang="en-US" sz="1600" dirty="0">
-              <a:latin typeface="Arial" panose="020B0604020202020204" pitchFamily="34" charset="0"/>
-              <a:cs typeface="Arial" panose="020B0604020202020204" pitchFamily="34" charset="0"/>
-            </a:endParaRPr>
-          </a:p>
-        </p:txBody>
-      </p:sp>
-      <p:sp>
-        <p:nvSpPr>
-          <p:cNvPr id="12" name="TextBox 11"/>
-          <p:cNvSpPr txBox="1"/>
-          <p:nvPr/>
-        </p:nvSpPr>
-        <p:spPr>
-          <a:xfrm>
-            <a:off x="3839282" y="5644515"/>
-            <a:ext cx="1132557" cy="307777"/>
-          </a:xfrm>
-          <a:prstGeom prst="rect">
-            <a:avLst/>
-          </a:prstGeom>
-          <a:noFill/>
-        </p:spPr>
-        <p:txBody>
-          <a:bodyPr wrap="square" rtlCol="0">
-            <a:spAutoFit/>
-          </a:bodyPr>
-          <a:lstStyle/>
-          <a:p>
-            <a:r>
-              <a:rPr lang="en-US" sz="1400" dirty="0" smtClean="0">
-                <a:latin typeface="Arial" panose="020B0604020202020204" pitchFamily="34" charset="0"/>
-                <a:cs typeface="Arial" panose="020B0604020202020204" pitchFamily="34" charset="0"/>
-              </a:rPr>
-              <a:t>AUC – 0.75</a:t>
-            </a:r>
-            <a:endParaRPr lang="en-US" sz="1400" dirty="0">
-              <a:latin typeface="Arial" panose="020B0604020202020204" pitchFamily="34" charset="0"/>
-              <a:cs typeface="Arial" panose="020B0604020202020204" pitchFamily="34" charset="0"/>
-            </a:endParaRPr>
-          </a:p>
-        </p:txBody>
-      </p:sp>
-      <p:sp>
-        <p:nvSpPr>
-          <p:cNvPr id="14" name="TextBox 13"/>
-          <p:cNvSpPr txBox="1"/>
-          <p:nvPr/>
-        </p:nvSpPr>
-        <p:spPr>
-          <a:xfrm>
-            <a:off x="9432573" y="5631994"/>
-            <a:ext cx="1132557" cy="307777"/>
-          </a:xfrm>
-          <a:prstGeom prst="rect">
-            <a:avLst/>
-          </a:prstGeom>
-          <a:noFill/>
-        </p:spPr>
-        <p:txBody>
-          <a:bodyPr wrap="square" rtlCol="0">
-            <a:spAutoFit/>
-          </a:bodyPr>
-          <a:lstStyle/>
-          <a:p>
-            <a:r>
-              <a:rPr lang="en-US" sz="1400" dirty="0" smtClean="0">
-                <a:latin typeface="Arial" panose="020B0604020202020204" pitchFamily="34" charset="0"/>
-                <a:cs typeface="Arial" panose="020B0604020202020204" pitchFamily="34" charset="0"/>
-              </a:rPr>
-              <a:t>AUC – 0.72</a:t>
-            </a:r>
-            <a:endParaRPr lang="en-US" sz="1400" dirty="0">
-              <a:latin typeface="Arial" panose="020B0604020202020204" pitchFamily="34" charset="0"/>
-              <a:cs typeface="Arial" panose="020B0604020202020204" pitchFamily="34" charset="0"/>
-            </a:endParaRPr>
-          </a:p>
-        </p:txBody>
-      </p:sp>
-    </p:spTree>
-    <p:extLst>
-      <p:ext uri="{BB962C8B-B14F-4D97-AF65-F5344CB8AC3E}">
-        <p14:creationId xmlns:p14="http://schemas.microsoft.com/office/powerpoint/2010/main" val="1949813672"/>
-      </p:ext>
-    </p:extLst>
-  </p:cSld>
-  <p:clrMapOvr>
-    <a:masterClrMapping/>
-  </p:clrMapOvr>
+  <p:timing>
+    <p:tnLst>
+      <p:par>
+        <p:cTn id="1" dur="indefinite" restart="never" nodeType="tmRoot"/>
+      </p:par>
+    </p:tnLst>
+  </p:timing>
 </p:sld>
 </file>
 
@@ -4276,9 +5481,2603 @@
           <a:chExt cx="0" cy="0"/>
         </a:xfrm>
       </p:grpSpPr>
+      <p:sp>
+        <p:nvSpPr>
+          <p:cNvPr id="2" name="Title 1"/>
+          <p:cNvSpPr>
+            <a:spLocks noGrp="1"/>
+          </p:cNvSpPr>
+          <p:nvPr>
+            <p:ph type="title"/>
+          </p:nvPr>
+        </p:nvSpPr>
+        <p:spPr/>
+        <p:txBody>
+          <a:bodyPr/>
+          <a:lstStyle/>
+          <a:p>
+            <a:r>
+              <a:rPr lang="en-US" dirty="0" smtClean="0"/>
+              <a:t>Odds Ratio for </a:t>
+            </a:r>
+            <a:r>
+              <a:rPr lang="en-US" dirty="0"/>
+              <a:t>E</a:t>
+            </a:r>
+            <a:r>
+              <a:rPr lang="en-US" dirty="0" smtClean="0"/>
+              <a:t>ach Model</a:t>
+            </a:r>
+            <a:endParaRPr lang="en-US" dirty="0"/>
+          </a:p>
+        </p:txBody>
+      </p:sp>
+      <p:graphicFrame>
+        <p:nvGraphicFramePr>
+          <p:cNvPr id="3" name="Table 2"/>
+          <p:cNvGraphicFramePr>
+            <a:graphicFrameLocks noGrp="1"/>
+          </p:cNvGraphicFramePr>
+          <p:nvPr>
+            <p:extLst>
+              <p:ext uri="{D42A27DB-BD31-4B8C-83A1-F6EECF244321}">
+                <p14:modId xmlns:p14="http://schemas.microsoft.com/office/powerpoint/2010/main" val="1011786369"/>
+              </p:ext>
+            </p:extLst>
+          </p:nvPr>
+        </p:nvGraphicFramePr>
+        <p:xfrm>
+          <a:off x="1234442" y="2234560"/>
+          <a:ext cx="8755377" cy="4269109"/>
+        </p:xfrm>
+        <a:graphic>
+          <a:graphicData uri="http://schemas.openxmlformats.org/drawingml/2006/table">
+            <a:tbl>
+              <a:tblPr firstRow="1" firstCol="1" bandRow="1">
+                <a:tableStyleId>{5C22544A-7EE6-4342-B048-85BDC9FD1C3A}</a:tableStyleId>
+              </a:tblPr>
+              <a:tblGrid>
+                <a:gridCol w="2885010">
+                  <a:extLst>
+                    <a:ext uri="{9D8B030D-6E8A-4147-A177-3AD203B41FA5}">
+                      <a16:colId xmlns:a16="http://schemas.microsoft.com/office/drawing/2014/main" val="2105610706"/>
+                    </a:ext>
+                  </a:extLst>
+                </a:gridCol>
+                <a:gridCol w="1354700">
+                  <a:extLst>
+                    <a:ext uri="{9D8B030D-6E8A-4147-A177-3AD203B41FA5}">
+                      <a16:colId xmlns:a16="http://schemas.microsoft.com/office/drawing/2014/main" val="2093282921"/>
+                    </a:ext>
+                  </a:extLst>
+                </a:gridCol>
+                <a:gridCol w="1354700">
+                  <a:extLst>
+                    <a:ext uri="{9D8B030D-6E8A-4147-A177-3AD203B41FA5}">
+                      <a16:colId xmlns:a16="http://schemas.microsoft.com/office/drawing/2014/main" val="4289285940"/>
+                    </a:ext>
+                  </a:extLst>
+                </a:gridCol>
+                <a:gridCol w="1354700">
+                  <a:extLst>
+                    <a:ext uri="{9D8B030D-6E8A-4147-A177-3AD203B41FA5}">
+                      <a16:colId xmlns:a16="http://schemas.microsoft.com/office/drawing/2014/main" val="3743265237"/>
+                    </a:ext>
+                  </a:extLst>
+                </a:gridCol>
+                <a:gridCol w="1806267">
+                  <a:extLst>
+                    <a:ext uri="{9D8B030D-6E8A-4147-A177-3AD203B41FA5}">
+                      <a16:colId xmlns:a16="http://schemas.microsoft.com/office/drawing/2014/main" val="64960099"/>
+                    </a:ext>
+                  </a:extLst>
+                </a:gridCol>
+              </a:tblGrid>
+              <a:tr h="328393">
+                <a:tc>
+                  <a:txBody>
+                    <a:bodyPr/>
+                    <a:lstStyle/>
+                    <a:p>
+                      <a:pPr marL="0" marR="0">
+                        <a:spcBef>
+                          <a:spcPts val="0"/>
+                        </a:spcBef>
+                        <a:spcAft>
+                          <a:spcPts val="0"/>
+                        </a:spcAft>
+                      </a:pPr>
+                      <a:r>
+                        <a:rPr lang="en-US" sz="1800">
+                          <a:effectLst/>
+                        </a:rPr>
+                        <a:t> </a:t>
+                      </a:r>
+                      <a:endParaRPr lang="en-US" sz="1800">
+                        <a:effectLst/>
+                        <a:latin typeface="Calibri" panose="020F0502020204030204" pitchFamily="34" charset="0"/>
+                        <a:ea typeface="Calibri" panose="020F0502020204030204" pitchFamily="34" charset="0"/>
+                        <a:cs typeface="Times New Roman" panose="02020603050405020304" pitchFamily="18" charset="0"/>
+                      </a:endParaRPr>
+                    </a:p>
+                  </a:txBody>
+                  <a:tcPr marL="68580" marR="68580" marT="0" marB="0"/>
+                </a:tc>
+                <a:tc gridSpan="2">
+                  <a:txBody>
+                    <a:bodyPr/>
+                    <a:lstStyle/>
+                    <a:p>
+                      <a:pPr marL="0" marR="0" algn="ctr">
+                        <a:spcBef>
+                          <a:spcPts val="0"/>
+                        </a:spcBef>
+                        <a:spcAft>
+                          <a:spcPts val="0"/>
+                        </a:spcAft>
+                      </a:pPr>
+                      <a:r>
+                        <a:rPr lang="en-US" sz="1800">
+                          <a:effectLst/>
+                        </a:rPr>
+                        <a:t>Family History of Cancer</a:t>
+                      </a:r>
+                      <a:endParaRPr lang="en-US" sz="1800">
+                        <a:effectLst/>
+                        <a:latin typeface="Calibri" panose="020F0502020204030204" pitchFamily="34" charset="0"/>
+                        <a:ea typeface="Calibri" panose="020F0502020204030204" pitchFamily="34" charset="0"/>
+                        <a:cs typeface="Times New Roman" panose="02020603050405020304" pitchFamily="18" charset="0"/>
+                      </a:endParaRPr>
+                    </a:p>
+                  </a:txBody>
+                  <a:tcPr marL="68580" marR="68580" marT="0" marB="0" anchor="ctr"/>
+                </a:tc>
+                <a:tc hMerge="1">
+                  <a:txBody>
+                    <a:bodyPr/>
+                    <a:lstStyle/>
+                    <a:p>
+                      <a:endParaRPr lang="en-US"/>
+                    </a:p>
+                  </a:txBody>
+                  <a:tcPr/>
+                </a:tc>
+                <a:tc gridSpan="2">
+                  <a:txBody>
+                    <a:bodyPr/>
+                    <a:lstStyle/>
+                    <a:p>
+                      <a:pPr marL="0" marR="0" algn="ctr">
+                        <a:spcBef>
+                          <a:spcPts val="0"/>
+                        </a:spcBef>
+                        <a:spcAft>
+                          <a:spcPts val="0"/>
+                        </a:spcAft>
+                      </a:pPr>
+                      <a:r>
+                        <a:rPr lang="en-US" sz="1800" dirty="0">
+                          <a:effectLst/>
+                        </a:rPr>
+                        <a:t>Current Cancer</a:t>
+                      </a:r>
+                      <a:endParaRPr lang="en-US" sz="1800" dirty="0">
+                        <a:effectLst/>
+                        <a:latin typeface="Calibri" panose="020F0502020204030204" pitchFamily="34" charset="0"/>
+                        <a:ea typeface="Calibri" panose="020F0502020204030204" pitchFamily="34" charset="0"/>
+                        <a:cs typeface="Times New Roman" panose="02020603050405020304" pitchFamily="18" charset="0"/>
+                      </a:endParaRPr>
+                    </a:p>
+                  </a:txBody>
+                  <a:tcPr marL="68580" marR="68580" marT="0" marB="0" anchor="ctr">
+                    <a:solidFill>
+                      <a:srgbClr val="CC99FF"/>
+                    </a:solidFill>
+                  </a:tcPr>
+                </a:tc>
+                <a:tc hMerge="1">
+                  <a:txBody>
+                    <a:bodyPr/>
+                    <a:lstStyle/>
+                    <a:p>
+                      <a:endParaRPr lang="en-US"/>
+                    </a:p>
+                  </a:txBody>
+                  <a:tcPr/>
+                </a:tc>
+                <a:extLst>
+                  <a:ext uri="{0D108BD9-81ED-4DB2-BD59-A6C34878D82A}">
+                    <a16:rowId xmlns:a16="http://schemas.microsoft.com/office/drawing/2014/main" val="2847836693"/>
+                  </a:ext>
+                </a:extLst>
+              </a:tr>
+              <a:tr h="328393">
+                <a:tc>
+                  <a:txBody>
+                    <a:bodyPr/>
+                    <a:lstStyle/>
+                    <a:p>
+                      <a:pPr marL="0" marR="0">
+                        <a:spcBef>
+                          <a:spcPts val="0"/>
+                        </a:spcBef>
+                        <a:spcAft>
+                          <a:spcPts val="0"/>
+                        </a:spcAft>
+                      </a:pPr>
+                      <a:r>
+                        <a:rPr lang="en-US" sz="1800">
+                          <a:effectLst/>
+                        </a:rPr>
+                        <a:t>Fruit and Veg Model</a:t>
+                      </a:r>
+                      <a:endParaRPr lang="en-US" sz="1800">
+                        <a:effectLst/>
+                        <a:latin typeface="Calibri" panose="020F0502020204030204" pitchFamily="34" charset="0"/>
+                        <a:ea typeface="Calibri" panose="020F0502020204030204" pitchFamily="34" charset="0"/>
+                        <a:cs typeface="Times New Roman" panose="02020603050405020304" pitchFamily="18" charset="0"/>
+                      </a:endParaRPr>
+                    </a:p>
+                  </a:txBody>
+                  <a:tcPr marL="68580" marR="68580" marT="0" marB="0">
+                    <a:solidFill>
+                      <a:schemeClr val="accent6"/>
+                    </a:solidFill>
+                  </a:tcPr>
+                </a:tc>
+                <a:tc>
+                  <a:txBody>
+                    <a:bodyPr/>
+                    <a:lstStyle/>
+                    <a:p>
+                      <a:pPr marL="0" marR="0" algn="ctr">
+                        <a:spcBef>
+                          <a:spcPts val="0"/>
+                        </a:spcBef>
+                        <a:spcAft>
+                          <a:spcPts val="0"/>
+                        </a:spcAft>
+                      </a:pPr>
+                      <a:r>
+                        <a:rPr lang="en-US" sz="1800">
+                          <a:effectLst/>
+                        </a:rPr>
+                        <a:t>Odds Ratio</a:t>
+                      </a:r>
+                      <a:endParaRPr lang="en-US" sz="1800">
+                        <a:effectLst/>
+                        <a:latin typeface="Calibri" panose="020F0502020204030204" pitchFamily="34" charset="0"/>
+                        <a:ea typeface="Calibri" panose="020F0502020204030204" pitchFamily="34" charset="0"/>
+                        <a:cs typeface="Times New Roman" panose="02020603050405020304" pitchFamily="18" charset="0"/>
+                      </a:endParaRPr>
+                    </a:p>
+                  </a:txBody>
+                  <a:tcPr marL="68580" marR="68580" marT="0" marB="0" anchor="ctr">
+                    <a:solidFill>
+                      <a:schemeClr val="accent6"/>
+                    </a:solidFill>
+                  </a:tcPr>
+                </a:tc>
+                <a:tc>
+                  <a:txBody>
+                    <a:bodyPr/>
+                    <a:lstStyle/>
+                    <a:p>
+                      <a:pPr marL="0" marR="0" algn="ctr">
+                        <a:spcBef>
+                          <a:spcPts val="0"/>
+                        </a:spcBef>
+                        <a:spcAft>
+                          <a:spcPts val="0"/>
+                        </a:spcAft>
+                      </a:pPr>
+                      <a:r>
+                        <a:rPr lang="en-US" sz="1800">
+                          <a:effectLst/>
+                        </a:rPr>
+                        <a:t>95% CI</a:t>
+                      </a:r>
+                      <a:endParaRPr lang="en-US" sz="1800">
+                        <a:effectLst/>
+                        <a:latin typeface="Calibri" panose="020F0502020204030204" pitchFamily="34" charset="0"/>
+                        <a:ea typeface="Calibri" panose="020F0502020204030204" pitchFamily="34" charset="0"/>
+                        <a:cs typeface="Times New Roman" panose="02020603050405020304" pitchFamily="18" charset="0"/>
+                      </a:endParaRPr>
+                    </a:p>
+                  </a:txBody>
+                  <a:tcPr marL="68580" marR="68580" marT="0" marB="0" anchor="ctr">
+                    <a:solidFill>
+                      <a:schemeClr val="accent6"/>
+                    </a:solidFill>
+                  </a:tcPr>
+                </a:tc>
+                <a:tc>
+                  <a:txBody>
+                    <a:bodyPr/>
+                    <a:lstStyle/>
+                    <a:p>
+                      <a:pPr marL="0" marR="0" algn="ctr">
+                        <a:spcBef>
+                          <a:spcPts val="0"/>
+                        </a:spcBef>
+                        <a:spcAft>
+                          <a:spcPts val="0"/>
+                        </a:spcAft>
+                      </a:pPr>
+                      <a:r>
+                        <a:rPr lang="en-US" sz="1800" dirty="0">
+                          <a:effectLst/>
+                        </a:rPr>
+                        <a:t>Odds Ratio</a:t>
+                      </a:r>
+                      <a:endParaRPr lang="en-US" sz="1800" dirty="0">
+                        <a:effectLst/>
+                        <a:latin typeface="Calibri" panose="020F0502020204030204" pitchFamily="34" charset="0"/>
+                        <a:ea typeface="Calibri" panose="020F0502020204030204" pitchFamily="34" charset="0"/>
+                        <a:cs typeface="Times New Roman" panose="02020603050405020304" pitchFamily="18" charset="0"/>
+                      </a:endParaRPr>
+                    </a:p>
+                  </a:txBody>
+                  <a:tcPr marL="68580" marR="68580" marT="0" marB="0" anchor="ctr">
+                    <a:solidFill>
+                      <a:schemeClr val="accent6"/>
+                    </a:solidFill>
+                  </a:tcPr>
+                </a:tc>
+                <a:tc>
+                  <a:txBody>
+                    <a:bodyPr/>
+                    <a:lstStyle/>
+                    <a:p>
+                      <a:pPr marL="0" marR="0" algn="ctr">
+                        <a:spcBef>
+                          <a:spcPts val="0"/>
+                        </a:spcBef>
+                        <a:spcAft>
+                          <a:spcPts val="0"/>
+                        </a:spcAft>
+                      </a:pPr>
+                      <a:r>
+                        <a:rPr lang="en-US" sz="1800" dirty="0">
+                          <a:effectLst/>
+                        </a:rPr>
+                        <a:t>95% CI</a:t>
+                      </a:r>
+                      <a:endParaRPr lang="en-US" sz="1800" dirty="0">
+                        <a:effectLst/>
+                        <a:latin typeface="Calibri" panose="020F0502020204030204" pitchFamily="34" charset="0"/>
+                        <a:ea typeface="Calibri" panose="020F0502020204030204" pitchFamily="34" charset="0"/>
+                        <a:cs typeface="Times New Roman" panose="02020603050405020304" pitchFamily="18" charset="0"/>
+                      </a:endParaRPr>
+                    </a:p>
+                  </a:txBody>
+                  <a:tcPr marL="68580" marR="68580" marT="0" marB="0" anchor="ctr">
+                    <a:solidFill>
+                      <a:schemeClr val="accent6"/>
+                    </a:solidFill>
+                  </a:tcPr>
+                </a:tc>
+                <a:extLst>
+                  <a:ext uri="{0D108BD9-81ED-4DB2-BD59-A6C34878D82A}">
+                    <a16:rowId xmlns:a16="http://schemas.microsoft.com/office/drawing/2014/main" val="288885598"/>
+                  </a:ext>
+                </a:extLst>
+              </a:tr>
+              <a:tr h="328393">
+                <a:tc>
+                  <a:txBody>
+                    <a:bodyPr/>
+                    <a:lstStyle/>
+                    <a:p>
+                      <a:pPr marL="0" marR="0">
+                        <a:spcBef>
+                          <a:spcPts val="0"/>
+                        </a:spcBef>
+                        <a:spcAft>
+                          <a:spcPts val="0"/>
+                        </a:spcAft>
+                      </a:pPr>
+                      <a:r>
+                        <a:rPr lang="en-US" sz="1800">
+                          <a:effectLst/>
+                        </a:rPr>
+                        <a:t>Intercept</a:t>
+                      </a:r>
+                      <a:endParaRPr lang="en-US" sz="1800">
+                        <a:effectLst/>
+                        <a:latin typeface="Calibri" panose="020F0502020204030204" pitchFamily="34" charset="0"/>
+                        <a:ea typeface="Calibri" panose="020F0502020204030204" pitchFamily="34" charset="0"/>
+                        <a:cs typeface="Times New Roman" panose="02020603050405020304" pitchFamily="18" charset="0"/>
+                      </a:endParaRPr>
+                    </a:p>
+                  </a:txBody>
+                  <a:tcPr marL="68580" marR="68580" marT="0" marB="0"/>
+                </a:tc>
+                <a:tc>
+                  <a:txBody>
+                    <a:bodyPr/>
+                    <a:lstStyle/>
+                    <a:p>
+                      <a:pPr marL="0" marR="0" algn="ctr">
+                        <a:spcBef>
+                          <a:spcPts val="0"/>
+                        </a:spcBef>
+                        <a:spcAft>
+                          <a:spcPts val="0"/>
+                        </a:spcAft>
+                      </a:pPr>
+                      <a:r>
+                        <a:rPr lang="en-US" sz="1800">
+                          <a:effectLst/>
+                        </a:rPr>
+                        <a:t>0.21</a:t>
+                      </a:r>
+                      <a:endParaRPr lang="en-US" sz="1800">
+                        <a:effectLst/>
+                        <a:latin typeface="Calibri" panose="020F0502020204030204" pitchFamily="34" charset="0"/>
+                        <a:ea typeface="Calibri" panose="020F0502020204030204" pitchFamily="34" charset="0"/>
+                        <a:cs typeface="Times New Roman" panose="02020603050405020304" pitchFamily="18" charset="0"/>
+                      </a:endParaRPr>
+                    </a:p>
+                  </a:txBody>
+                  <a:tcPr marL="68580" marR="68580" marT="0" marB="0" anchor="ctr"/>
+                </a:tc>
+                <a:tc>
+                  <a:txBody>
+                    <a:bodyPr/>
+                    <a:lstStyle/>
+                    <a:p>
+                      <a:pPr marL="0" marR="0" algn="ctr">
+                        <a:spcBef>
+                          <a:spcPts val="0"/>
+                        </a:spcBef>
+                        <a:spcAft>
+                          <a:spcPts val="0"/>
+                        </a:spcAft>
+                      </a:pPr>
+                      <a:r>
+                        <a:rPr lang="en-US" sz="1800">
+                          <a:effectLst/>
+                        </a:rPr>
+                        <a:t>0.12, 0.36</a:t>
+                      </a:r>
+                      <a:endParaRPr lang="en-US" sz="1800">
+                        <a:effectLst/>
+                        <a:latin typeface="Calibri" panose="020F0502020204030204" pitchFamily="34" charset="0"/>
+                        <a:ea typeface="Calibri" panose="020F0502020204030204" pitchFamily="34" charset="0"/>
+                        <a:cs typeface="Times New Roman" panose="02020603050405020304" pitchFamily="18" charset="0"/>
+                      </a:endParaRPr>
+                    </a:p>
+                  </a:txBody>
+                  <a:tcPr marL="68580" marR="68580" marT="0" marB="0" anchor="ctr"/>
+                </a:tc>
+                <a:tc>
+                  <a:txBody>
+                    <a:bodyPr/>
+                    <a:lstStyle/>
+                    <a:p>
+                      <a:pPr marL="0" marR="0" algn="ctr">
+                        <a:spcBef>
+                          <a:spcPts val="0"/>
+                        </a:spcBef>
+                        <a:spcAft>
+                          <a:spcPts val="0"/>
+                        </a:spcAft>
+                      </a:pPr>
+                      <a:r>
+                        <a:rPr lang="en-US" sz="1800">
+                          <a:effectLst/>
+                        </a:rPr>
+                        <a:t>251.72</a:t>
+                      </a:r>
+                      <a:endParaRPr lang="en-US" sz="1800">
+                        <a:effectLst/>
+                        <a:latin typeface="Calibri" panose="020F0502020204030204" pitchFamily="34" charset="0"/>
+                        <a:ea typeface="Calibri" panose="020F0502020204030204" pitchFamily="34" charset="0"/>
+                        <a:cs typeface="Times New Roman" panose="02020603050405020304" pitchFamily="18" charset="0"/>
+                      </a:endParaRPr>
+                    </a:p>
+                  </a:txBody>
+                  <a:tcPr marL="68580" marR="68580" marT="0" marB="0" anchor="ctr">
+                    <a:solidFill>
+                      <a:srgbClr val="EEDDFF"/>
+                    </a:solidFill>
+                  </a:tcPr>
+                </a:tc>
+                <a:tc>
+                  <a:txBody>
+                    <a:bodyPr/>
+                    <a:lstStyle/>
+                    <a:p>
+                      <a:pPr marL="0" marR="0" algn="ctr">
+                        <a:spcBef>
+                          <a:spcPts val="0"/>
+                        </a:spcBef>
+                        <a:spcAft>
+                          <a:spcPts val="0"/>
+                        </a:spcAft>
+                      </a:pPr>
+                      <a:r>
+                        <a:rPr lang="en-US" sz="1800" dirty="0">
+                          <a:effectLst/>
+                        </a:rPr>
+                        <a:t>118.53, 548.89</a:t>
+                      </a:r>
+                      <a:endParaRPr lang="en-US" sz="1800" dirty="0">
+                        <a:effectLst/>
+                        <a:latin typeface="Calibri" panose="020F0502020204030204" pitchFamily="34" charset="0"/>
+                        <a:ea typeface="Calibri" panose="020F0502020204030204" pitchFamily="34" charset="0"/>
+                        <a:cs typeface="Times New Roman" panose="02020603050405020304" pitchFamily="18" charset="0"/>
+                      </a:endParaRPr>
+                    </a:p>
+                  </a:txBody>
+                  <a:tcPr marL="68580" marR="68580" marT="0" marB="0" anchor="ctr">
+                    <a:solidFill>
+                      <a:srgbClr val="EEDDFF"/>
+                    </a:solidFill>
+                  </a:tcPr>
+                </a:tc>
+                <a:extLst>
+                  <a:ext uri="{0D108BD9-81ED-4DB2-BD59-A6C34878D82A}">
+                    <a16:rowId xmlns:a16="http://schemas.microsoft.com/office/drawing/2014/main" val="1182863916"/>
+                  </a:ext>
+                </a:extLst>
+              </a:tr>
+              <a:tr h="328393">
+                <a:tc>
+                  <a:txBody>
+                    <a:bodyPr/>
+                    <a:lstStyle/>
+                    <a:p>
+                      <a:pPr marL="0" marR="0">
+                        <a:spcBef>
+                          <a:spcPts val="0"/>
+                        </a:spcBef>
+                        <a:spcAft>
+                          <a:spcPts val="0"/>
+                        </a:spcAft>
+                      </a:pPr>
+                      <a:r>
+                        <a:rPr lang="en-US" sz="1800">
+                          <a:effectLst/>
+                        </a:rPr>
+                        <a:t>Fruit and Vegetable intake</a:t>
+                      </a:r>
+                      <a:endParaRPr lang="en-US" sz="1800">
+                        <a:effectLst/>
+                        <a:latin typeface="Calibri" panose="020F0502020204030204" pitchFamily="34" charset="0"/>
+                        <a:ea typeface="Calibri" panose="020F0502020204030204" pitchFamily="34" charset="0"/>
+                        <a:cs typeface="Times New Roman" panose="02020603050405020304" pitchFamily="18" charset="0"/>
+                      </a:endParaRPr>
+                    </a:p>
+                  </a:txBody>
+                  <a:tcPr marL="68580" marR="68580" marT="0" marB="0"/>
+                </a:tc>
+                <a:tc>
+                  <a:txBody>
+                    <a:bodyPr/>
+                    <a:lstStyle/>
+                    <a:p>
+                      <a:pPr marL="0" marR="0" algn="ctr">
+                        <a:spcBef>
+                          <a:spcPts val="0"/>
+                        </a:spcBef>
+                        <a:spcAft>
+                          <a:spcPts val="0"/>
+                        </a:spcAft>
+                      </a:pPr>
+                      <a:r>
+                        <a:rPr lang="en-US" sz="1800">
+                          <a:effectLst/>
+                        </a:rPr>
+                        <a:t>1.01</a:t>
+                      </a:r>
+                      <a:endParaRPr lang="en-US" sz="1800">
+                        <a:effectLst/>
+                        <a:latin typeface="Calibri" panose="020F0502020204030204" pitchFamily="34" charset="0"/>
+                        <a:ea typeface="Calibri" panose="020F0502020204030204" pitchFamily="34" charset="0"/>
+                        <a:cs typeface="Times New Roman" panose="02020603050405020304" pitchFamily="18" charset="0"/>
+                      </a:endParaRPr>
+                    </a:p>
+                  </a:txBody>
+                  <a:tcPr marL="68580" marR="68580" marT="0" marB="0" anchor="ctr"/>
+                </a:tc>
+                <a:tc>
+                  <a:txBody>
+                    <a:bodyPr/>
+                    <a:lstStyle/>
+                    <a:p>
+                      <a:pPr marL="0" marR="0" algn="ctr">
+                        <a:spcBef>
+                          <a:spcPts val="0"/>
+                        </a:spcBef>
+                        <a:spcAft>
+                          <a:spcPts val="0"/>
+                        </a:spcAft>
+                      </a:pPr>
+                      <a:r>
+                        <a:rPr lang="en-US" sz="1800">
+                          <a:effectLst/>
+                        </a:rPr>
+                        <a:t>0.97, 1.05</a:t>
+                      </a:r>
+                      <a:endParaRPr lang="en-US" sz="1800">
+                        <a:effectLst/>
+                        <a:latin typeface="Calibri" panose="020F0502020204030204" pitchFamily="34" charset="0"/>
+                        <a:ea typeface="Calibri" panose="020F0502020204030204" pitchFamily="34" charset="0"/>
+                        <a:cs typeface="Times New Roman" panose="02020603050405020304" pitchFamily="18" charset="0"/>
+                      </a:endParaRPr>
+                    </a:p>
+                  </a:txBody>
+                  <a:tcPr marL="68580" marR="68580" marT="0" marB="0" anchor="ctr"/>
+                </a:tc>
+                <a:tc>
+                  <a:txBody>
+                    <a:bodyPr/>
+                    <a:lstStyle/>
+                    <a:p>
+                      <a:pPr marL="0" marR="0" algn="ctr">
+                        <a:spcBef>
+                          <a:spcPts val="0"/>
+                        </a:spcBef>
+                        <a:spcAft>
+                          <a:spcPts val="0"/>
+                        </a:spcAft>
+                      </a:pPr>
+                      <a:r>
+                        <a:rPr lang="en-US" sz="1800">
+                          <a:effectLst/>
+                        </a:rPr>
+                        <a:t>0.97</a:t>
+                      </a:r>
+                      <a:endParaRPr lang="en-US" sz="1800">
+                        <a:effectLst/>
+                        <a:latin typeface="Calibri" panose="020F0502020204030204" pitchFamily="34" charset="0"/>
+                        <a:ea typeface="Calibri" panose="020F0502020204030204" pitchFamily="34" charset="0"/>
+                        <a:cs typeface="Times New Roman" panose="02020603050405020304" pitchFamily="18" charset="0"/>
+                      </a:endParaRPr>
+                    </a:p>
+                  </a:txBody>
+                  <a:tcPr marL="68580" marR="68580" marT="0" marB="0" anchor="ctr">
+                    <a:solidFill>
+                      <a:srgbClr val="CC99FF"/>
+                    </a:solidFill>
+                  </a:tcPr>
+                </a:tc>
+                <a:tc>
+                  <a:txBody>
+                    <a:bodyPr/>
+                    <a:lstStyle/>
+                    <a:p>
+                      <a:pPr marL="0" marR="0" algn="ctr">
+                        <a:spcBef>
+                          <a:spcPts val="0"/>
+                        </a:spcBef>
+                        <a:spcAft>
+                          <a:spcPts val="0"/>
+                        </a:spcAft>
+                      </a:pPr>
+                      <a:r>
+                        <a:rPr lang="en-US" sz="1800" dirty="0">
+                          <a:effectLst/>
+                        </a:rPr>
+                        <a:t>0.93, 1.03</a:t>
+                      </a:r>
+                      <a:endParaRPr lang="en-US" sz="1800" dirty="0">
+                        <a:effectLst/>
+                        <a:latin typeface="Calibri" panose="020F0502020204030204" pitchFamily="34" charset="0"/>
+                        <a:ea typeface="Calibri" panose="020F0502020204030204" pitchFamily="34" charset="0"/>
+                        <a:cs typeface="Times New Roman" panose="02020603050405020304" pitchFamily="18" charset="0"/>
+                      </a:endParaRPr>
+                    </a:p>
+                  </a:txBody>
+                  <a:tcPr marL="68580" marR="68580" marT="0" marB="0" anchor="ctr">
+                    <a:solidFill>
+                      <a:srgbClr val="CC99FF"/>
+                    </a:solidFill>
+                  </a:tcPr>
+                </a:tc>
+                <a:extLst>
+                  <a:ext uri="{0D108BD9-81ED-4DB2-BD59-A6C34878D82A}">
+                    <a16:rowId xmlns:a16="http://schemas.microsoft.com/office/drawing/2014/main" val="1383176920"/>
+                  </a:ext>
+                </a:extLst>
+              </a:tr>
+              <a:tr h="328393">
+                <a:tc>
+                  <a:txBody>
+                    <a:bodyPr/>
+                    <a:lstStyle/>
+                    <a:p>
+                      <a:pPr marL="0" marR="0">
+                        <a:spcBef>
+                          <a:spcPts val="0"/>
+                        </a:spcBef>
+                        <a:spcAft>
+                          <a:spcPts val="0"/>
+                        </a:spcAft>
+                      </a:pPr>
+                      <a:r>
+                        <a:rPr lang="en-US" sz="1800">
+                          <a:effectLst/>
+                        </a:rPr>
+                        <a:t>Education</a:t>
+                      </a:r>
+                      <a:endParaRPr lang="en-US" sz="1800">
+                        <a:effectLst/>
+                        <a:latin typeface="Calibri" panose="020F0502020204030204" pitchFamily="34" charset="0"/>
+                        <a:ea typeface="Calibri" panose="020F0502020204030204" pitchFamily="34" charset="0"/>
+                        <a:cs typeface="Times New Roman" panose="02020603050405020304" pitchFamily="18" charset="0"/>
+                      </a:endParaRPr>
+                    </a:p>
+                  </a:txBody>
+                  <a:tcPr marL="68580" marR="68580" marT="0" marB="0"/>
+                </a:tc>
+                <a:tc>
+                  <a:txBody>
+                    <a:bodyPr/>
+                    <a:lstStyle/>
+                    <a:p>
+                      <a:pPr marL="0" marR="0" algn="ctr">
+                        <a:spcBef>
+                          <a:spcPts val="0"/>
+                        </a:spcBef>
+                        <a:spcAft>
+                          <a:spcPts val="0"/>
+                        </a:spcAft>
+                      </a:pPr>
+                      <a:r>
+                        <a:rPr lang="en-US" sz="1800">
+                          <a:effectLst/>
+                        </a:rPr>
+                        <a:t>0.98</a:t>
+                      </a:r>
+                      <a:endParaRPr lang="en-US" sz="1800">
+                        <a:effectLst/>
+                        <a:latin typeface="Calibri" panose="020F0502020204030204" pitchFamily="34" charset="0"/>
+                        <a:ea typeface="Calibri" panose="020F0502020204030204" pitchFamily="34" charset="0"/>
+                        <a:cs typeface="Times New Roman" panose="02020603050405020304" pitchFamily="18" charset="0"/>
+                      </a:endParaRPr>
+                    </a:p>
+                  </a:txBody>
+                  <a:tcPr marL="68580" marR="68580" marT="0" marB="0" anchor="ctr"/>
+                </a:tc>
+                <a:tc>
+                  <a:txBody>
+                    <a:bodyPr/>
+                    <a:lstStyle/>
+                    <a:p>
+                      <a:pPr marL="0" marR="0" algn="ctr">
+                        <a:spcBef>
+                          <a:spcPts val="0"/>
+                        </a:spcBef>
+                        <a:spcAft>
+                          <a:spcPts val="0"/>
+                        </a:spcAft>
+                      </a:pPr>
+                      <a:r>
+                        <a:rPr lang="en-US" sz="1800">
+                          <a:effectLst/>
+                        </a:rPr>
+                        <a:t>0.93, 1.04</a:t>
+                      </a:r>
+                      <a:endParaRPr lang="en-US" sz="1800">
+                        <a:effectLst/>
+                        <a:latin typeface="Calibri" panose="020F0502020204030204" pitchFamily="34" charset="0"/>
+                        <a:ea typeface="Calibri" panose="020F0502020204030204" pitchFamily="34" charset="0"/>
+                        <a:cs typeface="Times New Roman" panose="02020603050405020304" pitchFamily="18" charset="0"/>
+                      </a:endParaRPr>
+                    </a:p>
+                  </a:txBody>
+                  <a:tcPr marL="68580" marR="68580" marT="0" marB="0" anchor="ctr"/>
+                </a:tc>
+                <a:tc>
+                  <a:txBody>
+                    <a:bodyPr/>
+                    <a:lstStyle/>
+                    <a:p>
+                      <a:pPr marL="0" marR="0" algn="ctr">
+                        <a:spcBef>
+                          <a:spcPts val="0"/>
+                        </a:spcBef>
+                        <a:spcAft>
+                          <a:spcPts val="0"/>
+                        </a:spcAft>
+                      </a:pPr>
+                      <a:r>
+                        <a:rPr lang="en-US" sz="1800">
+                          <a:effectLst/>
+                        </a:rPr>
+                        <a:t>0.91</a:t>
+                      </a:r>
+                      <a:endParaRPr lang="en-US" sz="1800">
+                        <a:effectLst/>
+                        <a:latin typeface="Calibri" panose="020F0502020204030204" pitchFamily="34" charset="0"/>
+                        <a:ea typeface="Calibri" panose="020F0502020204030204" pitchFamily="34" charset="0"/>
+                        <a:cs typeface="Times New Roman" panose="02020603050405020304" pitchFamily="18" charset="0"/>
+                      </a:endParaRPr>
+                    </a:p>
+                  </a:txBody>
+                  <a:tcPr marL="68580" marR="68580" marT="0" marB="0" anchor="ctr">
+                    <a:solidFill>
+                      <a:srgbClr val="EEDDFF"/>
+                    </a:solidFill>
+                  </a:tcPr>
+                </a:tc>
+                <a:tc>
+                  <a:txBody>
+                    <a:bodyPr/>
+                    <a:lstStyle/>
+                    <a:p>
+                      <a:pPr marL="0" marR="0" algn="ctr">
+                        <a:spcBef>
+                          <a:spcPts val="0"/>
+                        </a:spcBef>
+                        <a:spcAft>
+                          <a:spcPts val="0"/>
+                        </a:spcAft>
+                      </a:pPr>
+                      <a:r>
+                        <a:rPr lang="en-US" sz="1800" dirty="0">
+                          <a:effectLst/>
+                        </a:rPr>
+                        <a:t>0.85, 0.98</a:t>
+                      </a:r>
+                      <a:endParaRPr lang="en-US" sz="1800" dirty="0">
+                        <a:effectLst/>
+                        <a:latin typeface="Calibri" panose="020F0502020204030204" pitchFamily="34" charset="0"/>
+                        <a:ea typeface="Calibri" panose="020F0502020204030204" pitchFamily="34" charset="0"/>
+                        <a:cs typeface="Times New Roman" panose="02020603050405020304" pitchFamily="18" charset="0"/>
+                      </a:endParaRPr>
+                    </a:p>
+                  </a:txBody>
+                  <a:tcPr marL="68580" marR="68580" marT="0" marB="0" anchor="ctr">
+                    <a:solidFill>
+                      <a:srgbClr val="EEDDFF"/>
+                    </a:solidFill>
+                  </a:tcPr>
+                </a:tc>
+                <a:extLst>
+                  <a:ext uri="{0D108BD9-81ED-4DB2-BD59-A6C34878D82A}">
+                    <a16:rowId xmlns:a16="http://schemas.microsoft.com/office/drawing/2014/main" val="1259672130"/>
+                  </a:ext>
+                </a:extLst>
+              </a:tr>
+              <a:tr h="328393">
+                <a:tc>
+                  <a:txBody>
+                    <a:bodyPr/>
+                    <a:lstStyle/>
+                    <a:p>
+                      <a:pPr marL="0" marR="0">
+                        <a:spcBef>
+                          <a:spcPts val="0"/>
+                        </a:spcBef>
+                        <a:spcAft>
+                          <a:spcPts val="0"/>
+                        </a:spcAft>
+                      </a:pPr>
+                      <a:r>
+                        <a:rPr lang="en-US" sz="1800">
+                          <a:effectLst/>
+                        </a:rPr>
+                        <a:t>Age</a:t>
+                      </a:r>
+                      <a:endParaRPr lang="en-US" sz="1800">
+                        <a:effectLst/>
+                        <a:latin typeface="Calibri" panose="020F0502020204030204" pitchFamily="34" charset="0"/>
+                        <a:ea typeface="Calibri" panose="020F0502020204030204" pitchFamily="34" charset="0"/>
+                        <a:cs typeface="Times New Roman" panose="02020603050405020304" pitchFamily="18" charset="0"/>
+                      </a:endParaRPr>
+                    </a:p>
+                  </a:txBody>
+                  <a:tcPr marL="68580" marR="68580" marT="0" marB="0"/>
+                </a:tc>
+                <a:tc>
+                  <a:txBody>
+                    <a:bodyPr/>
+                    <a:lstStyle/>
+                    <a:p>
+                      <a:pPr marL="0" marR="0" algn="ctr">
+                        <a:spcBef>
+                          <a:spcPts val="0"/>
+                        </a:spcBef>
+                        <a:spcAft>
+                          <a:spcPts val="0"/>
+                        </a:spcAft>
+                      </a:pPr>
+                      <a:r>
+                        <a:rPr lang="en-US" sz="1800">
+                          <a:effectLst/>
+                        </a:rPr>
+                        <a:t>1.00</a:t>
+                      </a:r>
+                      <a:endParaRPr lang="en-US" sz="1800">
+                        <a:effectLst/>
+                        <a:latin typeface="Calibri" panose="020F0502020204030204" pitchFamily="34" charset="0"/>
+                        <a:ea typeface="Calibri" panose="020F0502020204030204" pitchFamily="34" charset="0"/>
+                        <a:cs typeface="Times New Roman" panose="02020603050405020304" pitchFamily="18" charset="0"/>
+                      </a:endParaRPr>
+                    </a:p>
+                  </a:txBody>
+                  <a:tcPr marL="68580" marR="68580" marT="0" marB="0" anchor="ctr"/>
+                </a:tc>
+                <a:tc>
+                  <a:txBody>
+                    <a:bodyPr/>
+                    <a:lstStyle/>
+                    <a:p>
+                      <a:pPr marL="0" marR="0" algn="ctr">
+                        <a:spcBef>
+                          <a:spcPts val="0"/>
+                        </a:spcBef>
+                        <a:spcAft>
+                          <a:spcPts val="0"/>
+                        </a:spcAft>
+                      </a:pPr>
+                      <a:r>
+                        <a:rPr lang="en-US" sz="1800">
+                          <a:effectLst/>
+                        </a:rPr>
+                        <a:t>0.99, 1.00</a:t>
+                      </a:r>
+                      <a:endParaRPr lang="en-US" sz="1800">
+                        <a:effectLst/>
+                        <a:latin typeface="Calibri" panose="020F0502020204030204" pitchFamily="34" charset="0"/>
+                        <a:ea typeface="Calibri" panose="020F0502020204030204" pitchFamily="34" charset="0"/>
+                        <a:cs typeface="Times New Roman" panose="02020603050405020304" pitchFamily="18" charset="0"/>
+                      </a:endParaRPr>
+                    </a:p>
+                  </a:txBody>
+                  <a:tcPr marL="68580" marR="68580" marT="0" marB="0" anchor="ctr"/>
+                </a:tc>
+                <a:tc>
+                  <a:txBody>
+                    <a:bodyPr/>
+                    <a:lstStyle/>
+                    <a:p>
+                      <a:pPr marL="0" marR="0" algn="ctr">
+                        <a:spcBef>
+                          <a:spcPts val="0"/>
+                        </a:spcBef>
+                        <a:spcAft>
+                          <a:spcPts val="0"/>
+                        </a:spcAft>
+                      </a:pPr>
+                      <a:r>
+                        <a:rPr lang="en-US" sz="1800">
+                          <a:effectLst/>
+                        </a:rPr>
+                        <a:t>0.94</a:t>
+                      </a:r>
+                      <a:endParaRPr lang="en-US" sz="1800">
+                        <a:effectLst/>
+                        <a:latin typeface="Calibri" panose="020F0502020204030204" pitchFamily="34" charset="0"/>
+                        <a:ea typeface="Calibri" panose="020F0502020204030204" pitchFamily="34" charset="0"/>
+                        <a:cs typeface="Times New Roman" panose="02020603050405020304" pitchFamily="18" charset="0"/>
+                      </a:endParaRPr>
+                    </a:p>
+                  </a:txBody>
+                  <a:tcPr marL="68580" marR="68580" marT="0" marB="0" anchor="ctr">
+                    <a:solidFill>
+                      <a:srgbClr val="CC99FF"/>
+                    </a:solidFill>
+                  </a:tcPr>
+                </a:tc>
+                <a:tc>
+                  <a:txBody>
+                    <a:bodyPr/>
+                    <a:lstStyle/>
+                    <a:p>
+                      <a:pPr marL="0" marR="0" algn="ctr">
+                        <a:spcBef>
+                          <a:spcPts val="0"/>
+                        </a:spcBef>
+                        <a:spcAft>
+                          <a:spcPts val="0"/>
+                        </a:spcAft>
+                      </a:pPr>
+                      <a:r>
+                        <a:rPr lang="en-US" sz="1800" dirty="0">
+                          <a:effectLst/>
+                        </a:rPr>
+                        <a:t>0.93, 0.95</a:t>
+                      </a:r>
+                      <a:endParaRPr lang="en-US" sz="1800" dirty="0">
+                        <a:effectLst/>
+                        <a:latin typeface="Calibri" panose="020F0502020204030204" pitchFamily="34" charset="0"/>
+                        <a:ea typeface="Calibri" panose="020F0502020204030204" pitchFamily="34" charset="0"/>
+                        <a:cs typeface="Times New Roman" panose="02020603050405020304" pitchFamily="18" charset="0"/>
+                      </a:endParaRPr>
+                    </a:p>
+                  </a:txBody>
+                  <a:tcPr marL="68580" marR="68580" marT="0" marB="0" anchor="ctr">
+                    <a:solidFill>
+                      <a:srgbClr val="CC99FF"/>
+                    </a:solidFill>
+                  </a:tcPr>
+                </a:tc>
+                <a:extLst>
+                  <a:ext uri="{0D108BD9-81ED-4DB2-BD59-A6C34878D82A}">
+                    <a16:rowId xmlns:a16="http://schemas.microsoft.com/office/drawing/2014/main" val="761131043"/>
+                  </a:ext>
+                </a:extLst>
+              </a:tr>
+              <a:tr h="328393">
+                <a:tc>
+                  <a:txBody>
+                    <a:bodyPr/>
+                    <a:lstStyle/>
+                    <a:p>
+                      <a:pPr marL="0" marR="0">
+                        <a:spcBef>
+                          <a:spcPts val="0"/>
+                        </a:spcBef>
+                        <a:spcAft>
+                          <a:spcPts val="0"/>
+                        </a:spcAft>
+                      </a:pPr>
+                      <a:r>
+                        <a:rPr lang="en-US" sz="1800">
+                          <a:effectLst/>
+                        </a:rPr>
+                        <a:t>Smoking Status</a:t>
+                      </a:r>
+                      <a:endParaRPr lang="en-US" sz="1800">
+                        <a:effectLst/>
+                        <a:latin typeface="Calibri" panose="020F0502020204030204" pitchFamily="34" charset="0"/>
+                        <a:ea typeface="Calibri" panose="020F0502020204030204" pitchFamily="34" charset="0"/>
+                        <a:cs typeface="Times New Roman" panose="02020603050405020304" pitchFamily="18" charset="0"/>
+                      </a:endParaRPr>
+                    </a:p>
+                  </a:txBody>
+                  <a:tcPr marL="68580" marR="68580" marT="0" marB="0"/>
+                </a:tc>
+                <a:tc>
+                  <a:txBody>
+                    <a:bodyPr/>
+                    <a:lstStyle/>
+                    <a:p>
+                      <a:pPr marL="0" marR="0" algn="ctr">
+                        <a:spcBef>
+                          <a:spcPts val="0"/>
+                        </a:spcBef>
+                        <a:spcAft>
+                          <a:spcPts val="0"/>
+                        </a:spcAft>
+                      </a:pPr>
+                      <a:r>
+                        <a:rPr lang="en-US" sz="1800">
+                          <a:effectLst/>
+                        </a:rPr>
+                        <a:t>1.28</a:t>
+                      </a:r>
+                      <a:endParaRPr lang="en-US" sz="1800">
+                        <a:effectLst/>
+                        <a:latin typeface="Calibri" panose="020F0502020204030204" pitchFamily="34" charset="0"/>
+                        <a:ea typeface="Calibri" panose="020F0502020204030204" pitchFamily="34" charset="0"/>
+                        <a:cs typeface="Times New Roman" panose="02020603050405020304" pitchFamily="18" charset="0"/>
+                      </a:endParaRPr>
+                    </a:p>
+                  </a:txBody>
+                  <a:tcPr marL="68580" marR="68580" marT="0" marB="0" anchor="ctr"/>
+                </a:tc>
+                <a:tc>
+                  <a:txBody>
+                    <a:bodyPr/>
+                    <a:lstStyle/>
+                    <a:p>
+                      <a:pPr marL="0" marR="0" algn="ctr">
+                        <a:spcBef>
+                          <a:spcPts val="0"/>
+                        </a:spcBef>
+                        <a:spcAft>
+                          <a:spcPts val="0"/>
+                        </a:spcAft>
+                      </a:pPr>
+                      <a:r>
+                        <a:rPr lang="en-US" sz="1800">
+                          <a:effectLst/>
+                        </a:rPr>
+                        <a:t>1.13, 1.46</a:t>
+                      </a:r>
+                      <a:endParaRPr lang="en-US" sz="1800">
+                        <a:effectLst/>
+                        <a:latin typeface="Calibri" panose="020F0502020204030204" pitchFamily="34" charset="0"/>
+                        <a:ea typeface="Calibri" panose="020F0502020204030204" pitchFamily="34" charset="0"/>
+                        <a:cs typeface="Times New Roman" panose="02020603050405020304" pitchFamily="18" charset="0"/>
+                      </a:endParaRPr>
+                    </a:p>
+                  </a:txBody>
+                  <a:tcPr marL="68580" marR="68580" marT="0" marB="0" anchor="ctr"/>
+                </a:tc>
+                <a:tc>
+                  <a:txBody>
+                    <a:bodyPr/>
+                    <a:lstStyle/>
+                    <a:p>
+                      <a:pPr marL="0" marR="0" algn="ctr">
+                        <a:spcBef>
+                          <a:spcPts val="0"/>
+                        </a:spcBef>
+                        <a:spcAft>
+                          <a:spcPts val="0"/>
+                        </a:spcAft>
+                      </a:pPr>
+                      <a:r>
+                        <a:rPr lang="en-US" sz="1800">
+                          <a:effectLst/>
+                        </a:rPr>
+                        <a:t>1.17</a:t>
+                      </a:r>
+                      <a:endParaRPr lang="en-US" sz="1800">
+                        <a:effectLst/>
+                        <a:latin typeface="Calibri" panose="020F0502020204030204" pitchFamily="34" charset="0"/>
+                        <a:ea typeface="Calibri" panose="020F0502020204030204" pitchFamily="34" charset="0"/>
+                        <a:cs typeface="Times New Roman" panose="02020603050405020304" pitchFamily="18" charset="0"/>
+                      </a:endParaRPr>
+                    </a:p>
+                  </a:txBody>
+                  <a:tcPr marL="68580" marR="68580" marT="0" marB="0" anchor="ctr">
+                    <a:solidFill>
+                      <a:srgbClr val="EEDDFF"/>
+                    </a:solidFill>
+                  </a:tcPr>
+                </a:tc>
+                <a:tc>
+                  <a:txBody>
+                    <a:bodyPr/>
+                    <a:lstStyle/>
+                    <a:p>
+                      <a:pPr marL="0" marR="0" algn="ctr">
+                        <a:spcBef>
+                          <a:spcPts val="0"/>
+                        </a:spcBef>
+                        <a:spcAft>
+                          <a:spcPts val="0"/>
+                        </a:spcAft>
+                      </a:pPr>
+                      <a:r>
+                        <a:rPr lang="en-US" sz="1800" dirty="0">
+                          <a:effectLst/>
+                        </a:rPr>
+                        <a:t>0.99, 1.37</a:t>
+                      </a:r>
+                      <a:endParaRPr lang="en-US" sz="1800" dirty="0">
+                        <a:effectLst/>
+                        <a:latin typeface="Calibri" panose="020F0502020204030204" pitchFamily="34" charset="0"/>
+                        <a:ea typeface="Calibri" panose="020F0502020204030204" pitchFamily="34" charset="0"/>
+                        <a:cs typeface="Times New Roman" panose="02020603050405020304" pitchFamily="18" charset="0"/>
+                      </a:endParaRPr>
+                    </a:p>
+                  </a:txBody>
+                  <a:tcPr marL="68580" marR="68580" marT="0" marB="0" anchor="ctr">
+                    <a:solidFill>
+                      <a:srgbClr val="EEDDFF"/>
+                    </a:solidFill>
+                  </a:tcPr>
+                </a:tc>
+                <a:extLst>
+                  <a:ext uri="{0D108BD9-81ED-4DB2-BD59-A6C34878D82A}">
+                    <a16:rowId xmlns:a16="http://schemas.microsoft.com/office/drawing/2014/main" val="3642814852"/>
+                  </a:ext>
+                </a:extLst>
+              </a:tr>
+              <a:tr h="328393">
+                <a:tc>
+                  <a:txBody>
+                    <a:bodyPr/>
+                    <a:lstStyle/>
+                    <a:p>
+                      <a:pPr marL="0" marR="0">
+                        <a:spcBef>
+                          <a:spcPts val="0"/>
+                        </a:spcBef>
+                        <a:spcAft>
+                          <a:spcPts val="0"/>
+                        </a:spcAft>
+                      </a:pPr>
+                      <a:r>
+                        <a:rPr lang="en-US" sz="1800">
+                          <a:effectLst/>
+                        </a:rPr>
+                        <a:t>Exercise Model</a:t>
+                      </a:r>
+                      <a:endParaRPr lang="en-US" sz="1800">
+                        <a:effectLst/>
+                        <a:latin typeface="Calibri" panose="020F0502020204030204" pitchFamily="34" charset="0"/>
+                        <a:ea typeface="Calibri" panose="020F0502020204030204" pitchFamily="34" charset="0"/>
+                        <a:cs typeface="Times New Roman" panose="02020603050405020304" pitchFamily="18" charset="0"/>
+                      </a:endParaRPr>
+                    </a:p>
+                  </a:txBody>
+                  <a:tcPr marL="68580" marR="68580" marT="0" marB="0">
+                    <a:solidFill>
+                      <a:schemeClr val="accent6"/>
+                    </a:solidFill>
+                  </a:tcPr>
+                </a:tc>
+                <a:tc>
+                  <a:txBody>
+                    <a:bodyPr/>
+                    <a:lstStyle/>
+                    <a:p>
+                      <a:pPr marL="0" marR="0" algn="ctr">
+                        <a:spcBef>
+                          <a:spcPts val="0"/>
+                        </a:spcBef>
+                        <a:spcAft>
+                          <a:spcPts val="0"/>
+                        </a:spcAft>
+                      </a:pPr>
+                      <a:r>
+                        <a:rPr lang="en-US" sz="1800">
+                          <a:effectLst/>
+                        </a:rPr>
+                        <a:t>Odds Ratio</a:t>
+                      </a:r>
+                      <a:endParaRPr lang="en-US" sz="1800">
+                        <a:effectLst/>
+                        <a:latin typeface="Calibri" panose="020F0502020204030204" pitchFamily="34" charset="0"/>
+                        <a:ea typeface="Calibri" panose="020F0502020204030204" pitchFamily="34" charset="0"/>
+                        <a:cs typeface="Times New Roman" panose="02020603050405020304" pitchFamily="18" charset="0"/>
+                      </a:endParaRPr>
+                    </a:p>
+                  </a:txBody>
+                  <a:tcPr marL="68580" marR="68580" marT="0" marB="0" anchor="ctr">
+                    <a:solidFill>
+                      <a:schemeClr val="accent6"/>
+                    </a:solidFill>
+                  </a:tcPr>
+                </a:tc>
+                <a:tc>
+                  <a:txBody>
+                    <a:bodyPr/>
+                    <a:lstStyle/>
+                    <a:p>
+                      <a:pPr marL="0" marR="0" algn="ctr">
+                        <a:spcBef>
+                          <a:spcPts val="0"/>
+                        </a:spcBef>
+                        <a:spcAft>
+                          <a:spcPts val="0"/>
+                        </a:spcAft>
+                      </a:pPr>
+                      <a:r>
+                        <a:rPr lang="en-US" sz="1800">
+                          <a:effectLst/>
+                        </a:rPr>
+                        <a:t>95% CI</a:t>
+                      </a:r>
+                      <a:endParaRPr lang="en-US" sz="1800">
+                        <a:effectLst/>
+                        <a:latin typeface="Calibri" panose="020F0502020204030204" pitchFamily="34" charset="0"/>
+                        <a:ea typeface="Calibri" panose="020F0502020204030204" pitchFamily="34" charset="0"/>
+                        <a:cs typeface="Times New Roman" panose="02020603050405020304" pitchFamily="18" charset="0"/>
+                      </a:endParaRPr>
+                    </a:p>
+                  </a:txBody>
+                  <a:tcPr marL="68580" marR="68580" marT="0" marB="0" anchor="ctr">
+                    <a:solidFill>
+                      <a:schemeClr val="accent6"/>
+                    </a:solidFill>
+                  </a:tcPr>
+                </a:tc>
+                <a:tc>
+                  <a:txBody>
+                    <a:bodyPr/>
+                    <a:lstStyle/>
+                    <a:p>
+                      <a:pPr marL="0" marR="0" algn="ctr">
+                        <a:spcBef>
+                          <a:spcPts val="0"/>
+                        </a:spcBef>
+                        <a:spcAft>
+                          <a:spcPts val="0"/>
+                        </a:spcAft>
+                      </a:pPr>
+                      <a:r>
+                        <a:rPr lang="en-US" sz="1800">
+                          <a:effectLst/>
+                        </a:rPr>
+                        <a:t>Odds Ratio</a:t>
+                      </a:r>
+                      <a:endParaRPr lang="en-US" sz="1800">
+                        <a:effectLst/>
+                        <a:latin typeface="Calibri" panose="020F0502020204030204" pitchFamily="34" charset="0"/>
+                        <a:ea typeface="Calibri" panose="020F0502020204030204" pitchFamily="34" charset="0"/>
+                        <a:cs typeface="Times New Roman" panose="02020603050405020304" pitchFamily="18" charset="0"/>
+                      </a:endParaRPr>
+                    </a:p>
+                  </a:txBody>
+                  <a:tcPr marL="68580" marR="68580" marT="0" marB="0" anchor="ctr">
+                    <a:solidFill>
+                      <a:schemeClr val="accent6"/>
+                    </a:solidFill>
+                  </a:tcPr>
+                </a:tc>
+                <a:tc>
+                  <a:txBody>
+                    <a:bodyPr/>
+                    <a:lstStyle/>
+                    <a:p>
+                      <a:pPr marL="0" marR="0" algn="ctr">
+                        <a:spcBef>
+                          <a:spcPts val="0"/>
+                        </a:spcBef>
+                        <a:spcAft>
+                          <a:spcPts val="0"/>
+                        </a:spcAft>
+                      </a:pPr>
+                      <a:r>
+                        <a:rPr lang="en-US" sz="1800" dirty="0">
+                          <a:effectLst/>
+                        </a:rPr>
+                        <a:t>95% CI</a:t>
+                      </a:r>
+                      <a:endParaRPr lang="en-US" sz="1800" dirty="0">
+                        <a:effectLst/>
+                        <a:latin typeface="Calibri" panose="020F0502020204030204" pitchFamily="34" charset="0"/>
+                        <a:ea typeface="Calibri" panose="020F0502020204030204" pitchFamily="34" charset="0"/>
+                        <a:cs typeface="Times New Roman" panose="02020603050405020304" pitchFamily="18" charset="0"/>
+                      </a:endParaRPr>
+                    </a:p>
+                  </a:txBody>
+                  <a:tcPr marL="68580" marR="68580" marT="0" marB="0" anchor="ctr">
+                    <a:solidFill>
+                      <a:schemeClr val="accent6"/>
+                    </a:solidFill>
+                  </a:tcPr>
+                </a:tc>
+                <a:extLst>
+                  <a:ext uri="{0D108BD9-81ED-4DB2-BD59-A6C34878D82A}">
+                    <a16:rowId xmlns:a16="http://schemas.microsoft.com/office/drawing/2014/main" val="2859367097"/>
+                  </a:ext>
+                </a:extLst>
+              </a:tr>
+              <a:tr h="328393">
+                <a:tc>
+                  <a:txBody>
+                    <a:bodyPr/>
+                    <a:lstStyle/>
+                    <a:p>
+                      <a:pPr marL="0" marR="0">
+                        <a:spcBef>
+                          <a:spcPts val="0"/>
+                        </a:spcBef>
+                        <a:spcAft>
+                          <a:spcPts val="0"/>
+                        </a:spcAft>
+                      </a:pPr>
+                      <a:r>
+                        <a:rPr lang="en-US" sz="1800">
+                          <a:effectLst/>
+                        </a:rPr>
+                        <a:t>Intercept</a:t>
+                      </a:r>
+                      <a:endParaRPr lang="en-US" sz="1800">
+                        <a:effectLst/>
+                        <a:latin typeface="Calibri" panose="020F0502020204030204" pitchFamily="34" charset="0"/>
+                        <a:ea typeface="Calibri" panose="020F0502020204030204" pitchFamily="34" charset="0"/>
+                        <a:cs typeface="Times New Roman" panose="02020603050405020304" pitchFamily="18" charset="0"/>
+                      </a:endParaRPr>
+                    </a:p>
+                  </a:txBody>
+                  <a:tcPr marL="68580" marR="68580" marT="0" marB="0"/>
+                </a:tc>
+                <a:tc>
+                  <a:txBody>
+                    <a:bodyPr/>
+                    <a:lstStyle/>
+                    <a:p>
+                      <a:pPr marL="0" marR="0" algn="ctr">
+                        <a:spcBef>
+                          <a:spcPts val="0"/>
+                        </a:spcBef>
+                        <a:spcAft>
+                          <a:spcPts val="0"/>
+                        </a:spcAft>
+                      </a:pPr>
+                      <a:r>
+                        <a:rPr lang="en-US" sz="1800">
+                          <a:effectLst/>
+                        </a:rPr>
+                        <a:t>0.26</a:t>
+                      </a:r>
+                      <a:endParaRPr lang="en-US" sz="1800">
+                        <a:effectLst/>
+                        <a:latin typeface="Calibri" panose="020F0502020204030204" pitchFamily="34" charset="0"/>
+                        <a:ea typeface="Calibri" panose="020F0502020204030204" pitchFamily="34" charset="0"/>
+                        <a:cs typeface="Times New Roman" panose="02020603050405020304" pitchFamily="18" charset="0"/>
+                      </a:endParaRPr>
+                    </a:p>
+                  </a:txBody>
+                  <a:tcPr marL="68580" marR="68580" marT="0" marB="0" anchor="ctr"/>
+                </a:tc>
+                <a:tc>
+                  <a:txBody>
+                    <a:bodyPr/>
+                    <a:lstStyle/>
+                    <a:p>
+                      <a:pPr marL="0" marR="0" algn="ctr">
+                        <a:spcBef>
+                          <a:spcPts val="0"/>
+                        </a:spcBef>
+                        <a:spcAft>
+                          <a:spcPts val="0"/>
+                        </a:spcAft>
+                      </a:pPr>
+                      <a:r>
+                        <a:rPr lang="en-US" sz="1800">
+                          <a:effectLst/>
+                        </a:rPr>
+                        <a:t>0.14, 0.50</a:t>
+                      </a:r>
+                      <a:endParaRPr lang="en-US" sz="1800">
+                        <a:effectLst/>
+                        <a:latin typeface="Calibri" panose="020F0502020204030204" pitchFamily="34" charset="0"/>
+                        <a:ea typeface="Calibri" panose="020F0502020204030204" pitchFamily="34" charset="0"/>
+                        <a:cs typeface="Times New Roman" panose="02020603050405020304" pitchFamily="18" charset="0"/>
+                      </a:endParaRPr>
+                    </a:p>
+                  </a:txBody>
+                  <a:tcPr marL="68580" marR="68580" marT="0" marB="0" anchor="ctr"/>
+                </a:tc>
+                <a:tc>
+                  <a:txBody>
+                    <a:bodyPr/>
+                    <a:lstStyle/>
+                    <a:p>
+                      <a:pPr marL="0" marR="0" algn="ctr">
+                        <a:spcBef>
+                          <a:spcPts val="0"/>
+                        </a:spcBef>
+                        <a:spcAft>
+                          <a:spcPts val="0"/>
+                        </a:spcAft>
+                      </a:pPr>
+                      <a:r>
+                        <a:rPr lang="en-US" sz="1800">
+                          <a:effectLst/>
+                        </a:rPr>
+                        <a:t>445.83</a:t>
+                      </a:r>
+                      <a:endParaRPr lang="en-US" sz="1800">
+                        <a:effectLst/>
+                        <a:latin typeface="Calibri" panose="020F0502020204030204" pitchFamily="34" charset="0"/>
+                        <a:ea typeface="Calibri" panose="020F0502020204030204" pitchFamily="34" charset="0"/>
+                        <a:cs typeface="Times New Roman" panose="02020603050405020304" pitchFamily="18" charset="0"/>
+                      </a:endParaRPr>
+                    </a:p>
+                  </a:txBody>
+                  <a:tcPr marL="68580" marR="68580" marT="0" marB="0" anchor="ctr">
+                    <a:solidFill>
+                      <a:srgbClr val="EEDDFF"/>
+                    </a:solidFill>
+                  </a:tcPr>
+                </a:tc>
+                <a:tc>
+                  <a:txBody>
+                    <a:bodyPr/>
+                    <a:lstStyle/>
+                    <a:p>
+                      <a:pPr marL="0" marR="0" algn="ctr">
+                        <a:spcBef>
+                          <a:spcPts val="0"/>
+                        </a:spcBef>
+                        <a:spcAft>
+                          <a:spcPts val="0"/>
+                        </a:spcAft>
+                      </a:pPr>
+                      <a:r>
+                        <a:rPr lang="en-US" sz="1800" dirty="0">
+                          <a:effectLst/>
+                        </a:rPr>
+                        <a:t>172.51, 1202.54</a:t>
+                      </a:r>
+                      <a:endParaRPr lang="en-US" sz="1800" dirty="0">
+                        <a:effectLst/>
+                        <a:latin typeface="Calibri" panose="020F0502020204030204" pitchFamily="34" charset="0"/>
+                        <a:ea typeface="Calibri" panose="020F0502020204030204" pitchFamily="34" charset="0"/>
+                        <a:cs typeface="Times New Roman" panose="02020603050405020304" pitchFamily="18" charset="0"/>
+                      </a:endParaRPr>
+                    </a:p>
+                  </a:txBody>
+                  <a:tcPr marL="68580" marR="68580" marT="0" marB="0" anchor="ctr">
+                    <a:solidFill>
+                      <a:srgbClr val="EEDDFF"/>
+                    </a:solidFill>
+                  </a:tcPr>
+                </a:tc>
+                <a:extLst>
+                  <a:ext uri="{0D108BD9-81ED-4DB2-BD59-A6C34878D82A}">
+                    <a16:rowId xmlns:a16="http://schemas.microsoft.com/office/drawing/2014/main" val="2505750798"/>
+                  </a:ext>
+                </a:extLst>
+              </a:tr>
+              <a:tr h="328393">
+                <a:tc>
+                  <a:txBody>
+                    <a:bodyPr/>
+                    <a:lstStyle/>
+                    <a:p>
+                      <a:pPr marL="0" marR="0">
+                        <a:spcBef>
+                          <a:spcPts val="0"/>
+                        </a:spcBef>
+                        <a:spcAft>
+                          <a:spcPts val="0"/>
+                        </a:spcAft>
+                      </a:pPr>
+                      <a:r>
+                        <a:rPr lang="en-US" sz="1800">
+                          <a:effectLst/>
+                        </a:rPr>
+                        <a:t>Aerobic Exercise Days</a:t>
+                      </a:r>
+                      <a:endParaRPr lang="en-US" sz="1800">
+                        <a:effectLst/>
+                        <a:latin typeface="Calibri" panose="020F0502020204030204" pitchFamily="34" charset="0"/>
+                        <a:ea typeface="Calibri" panose="020F0502020204030204" pitchFamily="34" charset="0"/>
+                        <a:cs typeface="Times New Roman" panose="02020603050405020304" pitchFamily="18" charset="0"/>
+                      </a:endParaRPr>
+                    </a:p>
+                  </a:txBody>
+                  <a:tcPr marL="68580" marR="68580" marT="0" marB="0"/>
+                </a:tc>
+                <a:tc>
+                  <a:txBody>
+                    <a:bodyPr/>
+                    <a:lstStyle/>
+                    <a:p>
+                      <a:pPr marL="0" marR="0" algn="ctr">
+                        <a:spcBef>
+                          <a:spcPts val="0"/>
+                        </a:spcBef>
+                        <a:spcAft>
+                          <a:spcPts val="0"/>
+                        </a:spcAft>
+                      </a:pPr>
+                      <a:r>
+                        <a:rPr lang="en-US" sz="1800">
+                          <a:effectLst/>
+                        </a:rPr>
+                        <a:t>0.97</a:t>
+                      </a:r>
+                      <a:endParaRPr lang="en-US" sz="1800">
+                        <a:effectLst/>
+                        <a:latin typeface="Calibri" panose="020F0502020204030204" pitchFamily="34" charset="0"/>
+                        <a:ea typeface="Calibri" panose="020F0502020204030204" pitchFamily="34" charset="0"/>
+                        <a:cs typeface="Times New Roman" panose="02020603050405020304" pitchFamily="18" charset="0"/>
+                      </a:endParaRPr>
+                    </a:p>
+                  </a:txBody>
+                  <a:tcPr marL="68580" marR="68580" marT="0" marB="0" anchor="ctr"/>
+                </a:tc>
+                <a:tc>
+                  <a:txBody>
+                    <a:bodyPr/>
+                    <a:lstStyle/>
+                    <a:p>
+                      <a:pPr marL="0" marR="0" algn="ctr">
+                        <a:spcBef>
+                          <a:spcPts val="0"/>
+                        </a:spcBef>
+                        <a:spcAft>
+                          <a:spcPts val="0"/>
+                        </a:spcAft>
+                      </a:pPr>
+                      <a:r>
+                        <a:rPr lang="en-US" sz="1800">
+                          <a:effectLst/>
+                        </a:rPr>
+                        <a:t>0.92, 1.03</a:t>
+                      </a:r>
+                      <a:endParaRPr lang="en-US" sz="1800">
+                        <a:effectLst/>
+                        <a:latin typeface="Calibri" panose="020F0502020204030204" pitchFamily="34" charset="0"/>
+                        <a:ea typeface="Calibri" panose="020F0502020204030204" pitchFamily="34" charset="0"/>
+                        <a:cs typeface="Times New Roman" panose="02020603050405020304" pitchFamily="18" charset="0"/>
+                      </a:endParaRPr>
+                    </a:p>
+                  </a:txBody>
+                  <a:tcPr marL="68580" marR="68580" marT="0" marB="0" anchor="ctr"/>
+                </a:tc>
+                <a:tc>
+                  <a:txBody>
+                    <a:bodyPr/>
+                    <a:lstStyle/>
+                    <a:p>
+                      <a:pPr marL="0" marR="0" algn="ctr">
+                        <a:spcBef>
+                          <a:spcPts val="0"/>
+                        </a:spcBef>
+                        <a:spcAft>
+                          <a:spcPts val="0"/>
+                        </a:spcAft>
+                      </a:pPr>
+                      <a:r>
+                        <a:rPr lang="en-US" sz="1800">
+                          <a:effectLst/>
+                        </a:rPr>
+                        <a:t>1.00</a:t>
+                      </a:r>
+                      <a:endParaRPr lang="en-US" sz="1800">
+                        <a:effectLst/>
+                        <a:latin typeface="Calibri" panose="020F0502020204030204" pitchFamily="34" charset="0"/>
+                        <a:ea typeface="Calibri" panose="020F0502020204030204" pitchFamily="34" charset="0"/>
+                        <a:cs typeface="Times New Roman" panose="02020603050405020304" pitchFamily="18" charset="0"/>
+                      </a:endParaRPr>
+                    </a:p>
+                  </a:txBody>
+                  <a:tcPr marL="68580" marR="68580" marT="0" marB="0" anchor="ctr">
+                    <a:solidFill>
+                      <a:srgbClr val="CC99FF"/>
+                    </a:solidFill>
+                  </a:tcPr>
+                </a:tc>
+                <a:tc>
+                  <a:txBody>
+                    <a:bodyPr/>
+                    <a:lstStyle/>
+                    <a:p>
+                      <a:pPr marL="0" marR="0" algn="ctr">
+                        <a:spcBef>
+                          <a:spcPts val="0"/>
+                        </a:spcBef>
+                        <a:spcAft>
+                          <a:spcPts val="0"/>
+                        </a:spcAft>
+                      </a:pPr>
+                      <a:r>
+                        <a:rPr lang="en-US" sz="1800" dirty="0">
+                          <a:effectLst/>
+                        </a:rPr>
+                        <a:t>0.93, 1.08</a:t>
+                      </a:r>
+                      <a:endParaRPr lang="en-US" sz="1800" dirty="0">
+                        <a:effectLst/>
+                        <a:latin typeface="Calibri" panose="020F0502020204030204" pitchFamily="34" charset="0"/>
+                        <a:ea typeface="Calibri" panose="020F0502020204030204" pitchFamily="34" charset="0"/>
+                        <a:cs typeface="Times New Roman" panose="02020603050405020304" pitchFamily="18" charset="0"/>
+                      </a:endParaRPr>
+                    </a:p>
+                  </a:txBody>
+                  <a:tcPr marL="68580" marR="68580" marT="0" marB="0" anchor="ctr">
+                    <a:solidFill>
+                      <a:srgbClr val="CC99FF"/>
+                    </a:solidFill>
+                  </a:tcPr>
+                </a:tc>
+                <a:extLst>
+                  <a:ext uri="{0D108BD9-81ED-4DB2-BD59-A6C34878D82A}">
+                    <a16:rowId xmlns:a16="http://schemas.microsoft.com/office/drawing/2014/main" val="2697324962"/>
+                  </a:ext>
+                </a:extLst>
+              </a:tr>
+              <a:tr h="328393">
+                <a:tc>
+                  <a:txBody>
+                    <a:bodyPr/>
+                    <a:lstStyle/>
+                    <a:p>
+                      <a:pPr marL="0" marR="0">
+                        <a:spcBef>
+                          <a:spcPts val="0"/>
+                        </a:spcBef>
+                        <a:spcAft>
+                          <a:spcPts val="0"/>
+                        </a:spcAft>
+                      </a:pPr>
+                      <a:r>
+                        <a:rPr lang="en-US" sz="1800">
+                          <a:effectLst/>
+                        </a:rPr>
+                        <a:t>Education</a:t>
+                      </a:r>
+                      <a:endParaRPr lang="en-US" sz="1800">
+                        <a:effectLst/>
+                        <a:latin typeface="Calibri" panose="020F0502020204030204" pitchFamily="34" charset="0"/>
+                        <a:ea typeface="Calibri" panose="020F0502020204030204" pitchFamily="34" charset="0"/>
+                        <a:cs typeface="Times New Roman" panose="02020603050405020304" pitchFamily="18" charset="0"/>
+                      </a:endParaRPr>
+                    </a:p>
+                  </a:txBody>
+                  <a:tcPr marL="68580" marR="68580" marT="0" marB="0"/>
+                </a:tc>
+                <a:tc>
+                  <a:txBody>
+                    <a:bodyPr/>
+                    <a:lstStyle/>
+                    <a:p>
+                      <a:pPr marL="0" marR="0" algn="ctr">
+                        <a:spcBef>
+                          <a:spcPts val="0"/>
+                        </a:spcBef>
+                        <a:spcAft>
+                          <a:spcPts val="0"/>
+                        </a:spcAft>
+                      </a:pPr>
+                      <a:r>
+                        <a:rPr lang="en-US" sz="1800">
+                          <a:effectLst/>
+                        </a:rPr>
+                        <a:t>0.98</a:t>
+                      </a:r>
+                      <a:endParaRPr lang="en-US" sz="1800">
+                        <a:effectLst/>
+                        <a:latin typeface="Calibri" panose="020F0502020204030204" pitchFamily="34" charset="0"/>
+                        <a:ea typeface="Calibri" panose="020F0502020204030204" pitchFamily="34" charset="0"/>
+                        <a:cs typeface="Times New Roman" panose="02020603050405020304" pitchFamily="18" charset="0"/>
+                      </a:endParaRPr>
+                    </a:p>
+                  </a:txBody>
+                  <a:tcPr marL="68580" marR="68580" marT="0" marB="0" anchor="ctr"/>
+                </a:tc>
+                <a:tc>
+                  <a:txBody>
+                    <a:bodyPr/>
+                    <a:lstStyle/>
+                    <a:p>
+                      <a:pPr marL="0" marR="0" algn="ctr">
+                        <a:spcBef>
+                          <a:spcPts val="0"/>
+                        </a:spcBef>
+                        <a:spcAft>
+                          <a:spcPts val="0"/>
+                        </a:spcAft>
+                      </a:pPr>
+                      <a:r>
+                        <a:rPr lang="en-US" sz="1800">
+                          <a:effectLst/>
+                        </a:rPr>
+                        <a:t>0.92, 1.05</a:t>
+                      </a:r>
+                      <a:endParaRPr lang="en-US" sz="1800">
+                        <a:effectLst/>
+                        <a:latin typeface="Calibri" panose="020F0502020204030204" pitchFamily="34" charset="0"/>
+                        <a:ea typeface="Calibri" panose="020F0502020204030204" pitchFamily="34" charset="0"/>
+                        <a:cs typeface="Times New Roman" panose="02020603050405020304" pitchFamily="18" charset="0"/>
+                      </a:endParaRPr>
+                    </a:p>
+                  </a:txBody>
+                  <a:tcPr marL="68580" marR="68580" marT="0" marB="0" anchor="ctr"/>
+                </a:tc>
+                <a:tc>
+                  <a:txBody>
+                    <a:bodyPr/>
+                    <a:lstStyle/>
+                    <a:p>
+                      <a:pPr marL="0" marR="0" algn="ctr">
+                        <a:spcBef>
+                          <a:spcPts val="0"/>
+                        </a:spcBef>
+                        <a:spcAft>
+                          <a:spcPts val="0"/>
+                        </a:spcAft>
+                      </a:pPr>
+                      <a:r>
+                        <a:rPr lang="en-US" sz="1800">
+                          <a:effectLst/>
+                        </a:rPr>
+                        <a:t>0.86</a:t>
+                      </a:r>
+                      <a:endParaRPr lang="en-US" sz="1800">
+                        <a:effectLst/>
+                        <a:latin typeface="Calibri" panose="020F0502020204030204" pitchFamily="34" charset="0"/>
+                        <a:ea typeface="Calibri" panose="020F0502020204030204" pitchFamily="34" charset="0"/>
+                        <a:cs typeface="Times New Roman" panose="02020603050405020304" pitchFamily="18" charset="0"/>
+                      </a:endParaRPr>
+                    </a:p>
+                  </a:txBody>
+                  <a:tcPr marL="68580" marR="68580" marT="0" marB="0" anchor="ctr">
+                    <a:solidFill>
+                      <a:srgbClr val="EEDDFF"/>
+                    </a:solidFill>
+                  </a:tcPr>
+                </a:tc>
+                <a:tc>
+                  <a:txBody>
+                    <a:bodyPr/>
+                    <a:lstStyle/>
+                    <a:p>
+                      <a:pPr marL="0" marR="0" algn="ctr">
+                        <a:spcBef>
+                          <a:spcPts val="0"/>
+                        </a:spcBef>
+                        <a:spcAft>
+                          <a:spcPts val="0"/>
+                        </a:spcAft>
+                      </a:pPr>
+                      <a:r>
+                        <a:rPr lang="en-US" sz="1800" dirty="0">
+                          <a:effectLst/>
+                        </a:rPr>
+                        <a:t>0.79, 0.94</a:t>
+                      </a:r>
+                      <a:endParaRPr lang="en-US" sz="1800" dirty="0">
+                        <a:effectLst/>
+                        <a:latin typeface="Calibri" panose="020F0502020204030204" pitchFamily="34" charset="0"/>
+                        <a:ea typeface="Calibri" panose="020F0502020204030204" pitchFamily="34" charset="0"/>
+                        <a:cs typeface="Times New Roman" panose="02020603050405020304" pitchFamily="18" charset="0"/>
+                      </a:endParaRPr>
+                    </a:p>
+                  </a:txBody>
+                  <a:tcPr marL="68580" marR="68580" marT="0" marB="0" anchor="ctr">
+                    <a:solidFill>
+                      <a:srgbClr val="EEDDFF"/>
+                    </a:solidFill>
+                  </a:tcPr>
+                </a:tc>
+                <a:extLst>
+                  <a:ext uri="{0D108BD9-81ED-4DB2-BD59-A6C34878D82A}">
+                    <a16:rowId xmlns:a16="http://schemas.microsoft.com/office/drawing/2014/main" val="2408364814"/>
+                  </a:ext>
+                </a:extLst>
+              </a:tr>
+              <a:tr h="328393">
+                <a:tc>
+                  <a:txBody>
+                    <a:bodyPr/>
+                    <a:lstStyle/>
+                    <a:p>
+                      <a:pPr marL="0" marR="0">
+                        <a:spcBef>
+                          <a:spcPts val="0"/>
+                        </a:spcBef>
+                        <a:spcAft>
+                          <a:spcPts val="0"/>
+                        </a:spcAft>
+                      </a:pPr>
+                      <a:r>
+                        <a:rPr lang="en-US" sz="1800">
+                          <a:effectLst/>
+                        </a:rPr>
+                        <a:t>Age</a:t>
+                      </a:r>
+                      <a:endParaRPr lang="en-US" sz="1800">
+                        <a:effectLst/>
+                        <a:latin typeface="Calibri" panose="020F0502020204030204" pitchFamily="34" charset="0"/>
+                        <a:ea typeface="Calibri" panose="020F0502020204030204" pitchFamily="34" charset="0"/>
+                        <a:cs typeface="Times New Roman" panose="02020603050405020304" pitchFamily="18" charset="0"/>
+                      </a:endParaRPr>
+                    </a:p>
+                  </a:txBody>
+                  <a:tcPr marL="68580" marR="68580" marT="0" marB="0"/>
+                </a:tc>
+                <a:tc>
+                  <a:txBody>
+                    <a:bodyPr/>
+                    <a:lstStyle/>
+                    <a:p>
+                      <a:pPr marL="0" marR="0" algn="ctr">
+                        <a:spcBef>
+                          <a:spcPts val="0"/>
+                        </a:spcBef>
+                        <a:spcAft>
+                          <a:spcPts val="0"/>
+                        </a:spcAft>
+                      </a:pPr>
+                      <a:r>
+                        <a:rPr lang="en-US" sz="1800">
+                          <a:effectLst/>
+                        </a:rPr>
+                        <a:t>1.00</a:t>
+                      </a:r>
+                      <a:endParaRPr lang="en-US" sz="1800">
+                        <a:effectLst/>
+                        <a:latin typeface="Calibri" panose="020F0502020204030204" pitchFamily="34" charset="0"/>
+                        <a:ea typeface="Calibri" panose="020F0502020204030204" pitchFamily="34" charset="0"/>
+                        <a:cs typeface="Times New Roman" panose="02020603050405020304" pitchFamily="18" charset="0"/>
+                      </a:endParaRPr>
+                    </a:p>
+                  </a:txBody>
+                  <a:tcPr marL="68580" marR="68580" marT="0" marB="0" anchor="ctr"/>
+                </a:tc>
+                <a:tc>
+                  <a:txBody>
+                    <a:bodyPr/>
+                    <a:lstStyle/>
+                    <a:p>
+                      <a:pPr marL="0" marR="0" algn="ctr">
+                        <a:spcBef>
+                          <a:spcPts val="0"/>
+                        </a:spcBef>
+                        <a:spcAft>
+                          <a:spcPts val="0"/>
+                        </a:spcAft>
+                      </a:pPr>
+                      <a:r>
+                        <a:rPr lang="en-US" sz="1800">
+                          <a:effectLst/>
+                        </a:rPr>
+                        <a:t>0.99, 1.01</a:t>
+                      </a:r>
+                      <a:endParaRPr lang="en-US" sz="1800">
+                        <a:effectLst/>
+                        <a:latin typeface="Calibri" panose="020F0502020204030204" pitchFamily="34" charset="0"/>
+                        <a:ea typeface="Calibri" panose="020F0502020204030204" pitchFamily="34" charset="0"/>
+                        <a:cs typeface="Times New Roman" panose="02020603050405020304" pitchFamily="18" charset="0"/>
+                      </a:endParaRPr>
+                    </a:p>
+                  </a:txBody>
+                  <a:tcPr marL="68580" marR="68580" marT="0" marB="0" anchor="ctr"/>
+                </a:tc>
+                <a:tc>
+                  <a:txBody>
+                    <a:bodyPr/>
+                    <a:lstStyle/>
+                    <a:p>
+                      <a:pPr marL="0" marR="0" algn="ctr">
+                        <a:spcBef>
+                          <a:spcPts val="0"/>
+                        </a:spcBef>
+                        <a:spcAft>
+                          <a:spcPts val="0"/>
+                        </a:spcAft>
+                      </a:pPr>
+                      <a:r>
+                        <a:rPr lang="en-US" sz="1800">
+                          <a:effectLst/>
+                        </a:rPr>
+                        <a:t>0.93</a:t>
+                      </a:r>
+                      <a:endParaRPr lang="en-US" sz="1800">
+                        <a:effectLst/>
+                        <a:latin typeface="Calibri" panose="020F0502020204030204" pitchFamily="34" charset="0"/>
+                        <a:ea typeface="Calibri" panose="020F0502020204030204" pitchFamily="34" charset="0"/>
+                        <a:cs typeface="Times New Roman" panose="02020603050405020304" pitchFamily="18" charset="0"/>
+                      </a:endParaRPr>
+                    </a:p>
+                  </a:txBody>
+                  <a:tcPr marL="68580" marR="68580" marT="0" marB="0" anchor="ctr">
+                    <a:solidFill>
+                      <a:srgbClr val="CC99FF"/>
+                    </a:solidFill>
+                  </a:tcPr>
+                </a:tc>
+                <a:tc>
+                  <a:txBody>
+                    <a:bodyPr/>
+                    <a:lstStyle/>
+                    <a:p>
+                      <a:pPr marL="0" marR="0" algn="ctr">
+                        <a:spcBef>
+                          <a:spcPts val="0"/>
+                        </a:spcBef>
+                        <a:spcAft>
+                          <a:spcPts val="0"/>
+                        </a:spcAft>
+                      </a:pPr>
+                      <a:r>
+                        <a:rPr lang="en-US" sz="1800" dirty="0">
+                          <a:effectLst/>
+                        </a:rPr>
+                        <a:t>0.92, 0.94</a:t>
+                      </a:r>
+                      <a:endParaRPr lang="en-US" sz="1800" dirty="0">
+                        <a:effectLst/>
+                        <a:latin typeface="Calibri" panose="020F0502020204030204" pitchFamily="34" charset="0"/>
+                        <a:ea typeface="Calibri" panose="020F0502020204030204" pitchFamily="34" charset="0"/>
+                        <a:cs typeface="Times New Roman" panose="02020603050405020304" pitchFamily="18" charset="0"/>
+                      </a:endParaRPr>
+                    </a:p>
+                  </a:txBody>
+                  <a:tcPr marL="68580" marR="68580" marT="0" marB="0" anchor="ctr">
+                    <a:solidFill>
+                      <a:srgbClr val="CC99FF"/>
+                    </a:solidFill>
+                  </a:tcPr>
+                </a:tc>
+                <a:extLst>
+                  <a:ext uri="{0D108BD9-81ED-4DB2-BD59-A6C34878D82A}">
+                    <a16:rowId xmlns:a16="http://schemas.microsoft.com/office/drawing/2014/main" val="185900190"/>
+                  </a:ext>
+                </a:extLst>
+              </a:tr>
+              <a:tr h="328393">
+                <a:tc>
+                  <a:txBody>
+                    <a:bodyPr/>
+                    <a:lstStyle/>
+                    <a:p>
+                      <a:pPr marL="0" marR="0">
+                        <a:spcBef>
+                          <a:spcPts val="0"/>
+                        </a:spcBef>
+                        <a:spcAft>
+                          <a:spcPts val="0"/>
+                        </a:spcAft>
+                      </a:pPr>
+                      <a:r>
+                        <a:rPr lang="en-US" sz="1800">
+                          <a:effectLst/>
+                        </a:rPr>
+                        <a:t>Smoking Status</a:t>
+                      </a:r>
+                      <a:endParaRPr lang="en-US" sz="1800">
+                        <a:effectLst/>
+                        <a:latin typeface="Calibri" panose="020F0502020204030204" pitchFamily="34" charset="0"/>
+                        <a:ea typeface="Calibri" panose="020F0502020204030204" pitchFamily="34" charset="0"/>
+                        <a:cs typeface="Times New Roman" panose="02020603050405020304" pitchFamily="18" charset="0"/>
+                      </a:endParaRPr>
+                    </a:p>
+                  </a:txBody>
+                  <a:tcPr marL="68580" marR="68580" marT="0" marB="0"/>
+                </a:tc>
+                <a:tc>
+                  <a:txBody>
+                    <a:bodyPr/>
+                    <a:lstStyle/>
+                    <a:p>
+                      <a:pPr marL="0" marR="0" algn="ctr">
+                        <a:spcBef>
+                          <a:spcPts val="0"/>
+                        </a:spcBef>
+                        <a:spcAft>
+                          <a:spcPts val="0"/>
+                        </a:spcAft>
+                      </a:pPr>
+                      <a:r>
+                        <a:rPr lang="en-US" sz="1800">
+                          <a:effectLst/>
+                        </a:rPr>
+                        <a:t>1.28</a:t>
+                      </a:r>
+                      <a:endParaRPr lang="en-US" sz="1800">
+                        <a:effectLst/>
+                        <a:latin typeface="Calibri" panose="020F0502020204030204" pitchFamily="34" charset="0"/>
+                        <a:ea typeface="Calibri" panose="020F0502020204030204" pitchFamily="34" charset="0"/>
+                        <a:cs typeface="Times New Roman" panose="02020603050405020304" pitchFamily="18" charset="0"/>
+                      </a:endParaRPr>
+                    </a:p>
+                  </a:txBody>
+                  <a:tcPr marL="68580" marR="68580" marT="0" marB="0" anchor="ctr"/>
+                </a:tc>
+                <a:tc>
+                  <a:txBody>
+                    <a:bodyPr/>
+                    <a:lstStyle/>
+                    <a:p>
+                      <a:pPr marL="0" marR="0" algn="ctr">
+                        <a:spcBef>
+                          <a:spcPts val="0"/>
+                        </a:spcBef>
+                        <a:spcAft>
+                          <a:spcPts val="0"/>
+                        </a:spcAft>
+                      </a:pPr>
+                      <a:r>
+                        <a:rPr lang="en-US" sz="1800">
+                          <a:effectLst/>
+                        </a:rPr>
+                        <a:t>1.1, 1.49</a:t>
+                      </a:r>
+                      <a:endParaRPr lang="en-US" sz="1800">
+                        <a:effectLst/>
+                        <a:latin typeface="Calibri" panose="020F0502020204030204" pitchFamily="34" charset="0"/>
+                        <a:ea typeface="Calibri" panose="020F0502020204030204" pitchFamily="34" charset="0"/>
+                        <a:cs typeface="Times New Roman" panose="02020603050405020304" pitchFamily="18" charset="0"/>
+                      </a:endParaRPr>
+                    </a:p>
+                  </a:txBody>
+                  <a:tcPr marL="68580" marR="68580" marT="0" marB="0" anchor="ctr"/>
+                </a:tc>
+                <a:tc>
+                  <a:txBody>
+                    <a:bodyPr/>
+                    <a:lstStyle/>
+                    <a:p>
+                      <a:pPr marL="0" marR="0" algn="ctr">
+                        <a:spcBef>
+                          <a:spcPts val="0"/>
+                        </a:spcBef>
+                        <a:spcAft>
+                          <a:spcPts val="0"/>
+                        </a:spcAft>
+                      </a:pPr>
+                      <a:r>
+                        <a:rPr lang="en-US" sz="1800">
+                          <a:effectLst/>
+                        </a:rPr>
+                        <a:t>1.21</a:t>
+                      </a:r>
+                      <a:endParaRPr lang="en-US" sz="1800">
+                        <a:effectLst/>
+                        <a:latin typeface="Calibri" panose="020F0502020204030204" pitchFamily="34" charset="0"/>
+                        <a:ea typeface="Calibri" panose="020F0502020204030204" pitchFamily="34" charset="0"/>
+                        <a:cs typeface="Times New Roman" panose="02020603050405020304" pitchFamily="18" charset="0"/>
+                      </a:endParaRPr>
+                    </a:p>
+                  </a:txBody>
+                  <a:tcPr marL="68580" marR="68580" marT="0" marB="0" anchor="ctr">
+                    <a:solidFill>
+                      <a:srgbClr val="EEDDFF"/>
+                    </a:solidFill>
+                  </a:tcPr>
+                </a:tc>
+                <a:tc>
+                  <a:txBody>
+                    <a:bodyPr/>
+                    <a:lstStyle/>
+                    <a:p>
+                      <a:pPr marL="0" marR="0" algn="ctr">
+                        <a:spcBef>
+                          <a:spcPts val="0"/>
+                        </a:spcBef>
+                        <a:spcAft>
+                          <a:spcPts val="0"/>
+                        </a:spcAft>
+                      </a:pPr>
+                      <a:r>
+                        <a:rPr lang="en-US" sz="1800" dirty="0">
+                          <a:effectLst/>
+                        </a:rPr>
+                        <a:t>0.97, 1.48</a:t>
+                      </a:r>
+                      <a:endParaRPr lang="en-US" sz="1800" dirty="0">
+                        <a:effectLst/>
+                        <a:latin typeface="Calibri" panose="020F0502020204030204" pitchFamily="34" charset="0"/>
+                        <a:ea typeface="Calibri" panose="020F0502020204030204" pitchFamily="34" charset="0"/>
+                        <a:cs typeface="Times New Roman" panose="02020603050405020304" pitchFamily="18" charset="0"/>
+                      </a:endParaRPr>
+                    </a:p>
+                  </a:txBody>
+                  <a:tcPr marL="68580" marR="68580" marT="0" marB="0" anchor="ctr">
+                    <a:solidFill>
+                      <a:srgbClr val="EEDDFF"/>
+                    </a:solidFill>
+                  </a:tcPr>
+                </a:tc>
+                <a:extLst>
+                  <a:ext uri="{0D108BD9-81ED-4DB2-BD59-A6C34878D82A}">
+                    <a16:rowId xmlns:a16="http://schemas.microsoft.com/office/drawing/2014/main" val="753761271"/>
+                  </a:ext>
+                </a:extLst>
+              </a:tr>
+            </a:tbl>
+          </a:graphicData>
+        </a:graphic>
+      </p:graphicFrame>
+      <p:sp>
+        <p:nvSpPr>
+          <p:cNvPr id="4" name="Rectangle 3"/>
+          <p:cNvSpPr/>
+          <p:nvPr/>
+        </p:nvSpPr>
+        <p:spPr>
+          <a:xfrm>
+            <a:off x="6835140" y="3560445"/>
+            <a:ext cx="3160395" cy="622935"/>
+          </a:xfrm>
+          <a:prstGeom prst="rect">
+            <a:avLst/>
+          </a:prstGeom>
+          <a:noFill/>
+          <a:ln w="38100">
+            <a:solidFill>
+              <a:srgbClr val="FF0000"/>
+            </a:solidFill>
+          </a:ln>
+        </p:spPr>
+        <p:style>
+          <a:lnRef idx="2">
+            <a:schemeClr val="accent1">
+              <a:shade val="50000"/>
+            </a:schemeClr>
+          </a:lnRef>
+          <a:fillRef idx="1">
+            <a:schemeClr val="accent1"/>
+          </a:fillRef>
+          <a:effectRef idx="0">
+            <a:schemeClr val="accent1"/>
+          </a:effectRef>
+          <a:fontRef idx="minor">
+            <a:schemeClr val="lt1"/>
+          </a:fontRef>
+        </p:style>
+        <p:txBody>
+          <a:bodyPr rtlCol="0" anchor="ctr"/>
+          <a:lstStyle/>
+          <a:p>
+            <a:pPr algn="ctr"/>
+            <a:endParaRPr lang="en-US"/>
+          </a:p>
+        </p:txBody>
+      </p:sp>
+      <p:sp>
+        <p:nvSpPr>
+          <p:cNvPr id="5" name="Rectangle 4"/>
+          <p:cNvSpPr/>
+          <p:nvPr/>
+        </p:nvSpPr>
+        <p:spPr>
+          <a:xfrm>
+            <a:off x="4131945" y="4201474"/>
+            <a:ext cx="5860732" cy="324806"/>
+          </a:xfrm>
+          <a:prstGeom prst="rect">
+            <a:avLst/>
+          </a:prstGeom>
+          <a:noFill/>
+          <a:ln w="38100">
+            <a:solidFill>
+              <a:srgbClr val="FF0000"/>
+            </a:solidFill>
+          </a:ln>
+        </p:spPr>
+        <p:style>
+          <a:lnRef idx="2">
+            <a:schemeClr val="accent1">
+              <a:shade val="50000"/>
+            </a:schemeClr>
+          </a:lnRef>
+          <a:fillRef idx="1">
+            <a:schemeClr val="accent1"/>
+          </a:fillRef>
+          <a:effectRef idx="0">
+            <a:schemeClr val="accent1"/>
+          </a:effectRef>
+          <a:fontRef idx="minor">
+            <a:schemeClr val="lt1"/>
+          </a:fontRef>
+        </p:style>
+        <p:txBody>
+          <a:bodyPr rtlCol="0" anchor="ctr"/>
+          <a:lstStyle/>
+          <a:p>
+            <a:pPr algn="ctr"/>
+            <a:endParaRPr lang="en-US"/>
+          </a:p>
+        </p:txBody>
+      </p:sp>
+      <p:sp>
+        <p:nvSpPr>
+          <p:cNvPr id="6" name="Rectangle 5"/>
+          <p:cNvSpPr/>
+          <p:nvPr/>
+        </p:nvSpPr>
+        <p:spPr>
+          <a:xfrm>
+            <a:off x="4131945" y="6150294"/>
+            <a:ext cx="2703195" cy="342900"/>
+          </a:xfrm>
+          <a:prstGeom prst="rect">
+            <a:avLst/>
+          </a:prstGeom>
+          <a:noFill/>
+          <a:ln w="38100">
+            <a:solidFill>
+              <a:srgbClr val="FF0000"/>
+            </a:solidFill>
+          </a:ln>
+        </p:spPr>
+        <p:style>
+          <a:lnRef idx="2">
+            <a:schemeClr val="accent1">
+              <a:shade val="50000"/>
+            </a:schemeClr>
+          </a:lnRef>
+          <a:fillRef idx="1">
+            <a:schemeClr val="accent1"/>
+          </a:fillRef>
+          <a:effectRef idx="0">
+            <a:schemeClr val="accent1"/>
+          </a:effectRef>
+          <a:fontRef idx="minor">
+            <a:schemeClr val="lt1"/>
+          </a:fontRef>
+        </p:style>
+        <p:txBody>
+          <a:bodyPr rtlCol="0" anchor="ctr"/>
+          <a:lstStyle/>
+          <a:p>
+            <a:pPr algn="ctr"/>
+            <a:endParaRPr lang="en-US"/>
+          </a:p>
+        </p:txBody>
+      </p:sp>
+      <p:sp>
+        <p:nvSpPr>
+          <p:cNvPr id="7" name="Rectangle 6"/>
+          <p:cNvSpPr/>
+          <p:nvPr/>
+        </p:nvSpPr>
+        <p:spPr>
+          <a:xfrm>
+            <a:off x="6835140" y="5527359"/>
+            <a:ext cx="3160395" cy="622935"/>
+          </a:xfrm>
+          <a:prstGeom prst="rect">
+            <a:avLst/>
+          </a:prstGeom>
+          <a:noFill/>
+          <a:ln w="38100">
+            <a:solidFill>
+              <a:srgbClr val="FF0000"/>
+            </a:solidFill>
+          </a:ln>
+        </p:spPr>
+        <p:style>
+          <a:lnRef idx="2">
+            <a:schemeClr val="accent1">
+              <a:shade val="50000"/>
+            </a:schemeClr>
+          </a:lnRef>
+          <a:fillRef idx="1">
+            <a:schemeClr val="accent1"/>
+          </a:fillRef>
+          <a:effectRef idx="0">
+            <a:schemeClr val="accent1"/>
+          </a:effectRef>
+          <a:fontRef idx="minor">
+            <a:schemeClr val="lt1"/>
+          </a:fontRef>
+        </p:style>
+        <p:txBody>
+          <a:bodyPr rtlCol="0" anchor="ctr"/>
+          <a:lstStyle/>
+          <a:p>
+            <a:pPr algn="ctr"/>
+            <a:endParaRPr lang="en-US"/>
+          </a:p>
+        </p:txBody>
+      </p:sp>
+    </p:spTree>
+    <p:extLst>
+      <p:ext uri="{BB962C8B-B14F-4D97-AF65-F5344CB8AC3E}">
+        <p14:creationId xmlns:p14="http://schemas.microsoft.com/office/powerpoint/2010/main" val="4011963883"/>
+      </p:ext>
+    </p:extLst>
+  </p:cSld>
+  <p:clrMapOvr>
+    <a:masterClrMapping/>
+  </p:clrMapOvr>
+  <p:timing>
+    <p:tnLst>
+      <p:par>
+        <p:cTn id="1" dur="indefinite" restart="never" nodeType="tmRoot">
+          <p:childTnLst>
+            <p:seq concurrent="1" nextAc="seek">
+              <p:cTn id="2" dur="indefinite" nodeType="mainSeq">
+                <p:childTnLst>
+                  <p:par>
+                    <p:cTn id="3" fill="hold">
+                      <p:stCondLst>
+                        <p:cond delay="indefinite"/>
+                      </p:stCondLst>
+                      <p:childTnLst>
+                        <p:par>
+                          <p:cTn id="4" fill="hold">
+                            <p:stCondLst>
+                              <p:cond delay="0"/>
+                            </p:stCondLst>
+                            <p:childTnLst>
+                              <p:par>
+                                <p:cTn id="5" presetID="10" presetClass="entr" presetSubtype="0" fill="hold" grpId="0" nodeType="clickEffect">
+                                  <p:stCondLst>
+                                    <p:cond delay="0"/>
+                                  </p:stCondLst>
+                                  <p:childTnLst>
+                                    <p:set>
+                                      <p:cBhvr>
+                                        <p:cTn id="6" dur="1" fill="hold">
+                                          <p:stCondLst>
+                                            <p:cond delay="0"/>
+                                          </p:stCondLst>
+                                        </p:cTn>
+                                        <p:tgtEl>
+                                          <p:spTgt spid="4"/>
+                                        </p:tgtEl>
+                                        <p:attrNameLst>
+                                          <p:attrName>style.visibility</p:attrName>
+                                        </p:attrNameLst>
+                                      </p:cBhvr>
+                                      <p:to>
+                                        <p:strVal val="visible"/>
+                                      </p:to>
+                                    </p:set>
+                                    <p:animEffect transition="in" filter="fade">
+                                      <p:cBhvr>
+                                        <p:cTn id="7" dur="500"/>
+                                        <p:tgtEl>
+                                          <p:spTgt spid="4"/>
+                                        </p:tgtEl>
+                                      </p:cBhvr>
+                                    </p:animEffect>
+                                  </p:childTnLst>
+                                </p:cTn>
+                              </p:par>
+                              <p:par>
+                                <p:cTn id="8" presetID="10" presetClass="entr" presetSubtype="0" fill="hold" grpId="0" nodeType="withEffect">
+                                  <p:stCondLst>
+                                    <p:cond delay="0"/>
+                                  </p:stCondLst>
+                                  <p:childTnLst>
+                                    <p:set>
+                                      <p:cBhvr>
+                                        <p:cTn id="9" dur="1" fill="hold">
+                                          <p:stCondLst>
+                                            <p:cond delay="0"/>
+                                          </p:stCondLst>
+                                        </p:cTn>
+                                        <p:tgtEl>
+                                          <p:spTgt spid="5"/>
+                                        </p:tgtEl>
+                                        <p:attrNameLst>
+                                          <p:attrName>style.visibility</p:attrName>
+                                        </p:attrNameLst>
+                                      </p:cBhvr>
+                                      <p:to>
+                                        <p:strVal val="visible"/>
+                                      </p:to>
+                                    </p:set>
+                                    <p:animEffect transition="in" filter="fade">
+                                      <p:cBhvr>
+                                        <p:cTn id="10" dur="500"/>
+                                        <p:tgtEl>
+                                          <p:spTgt spid="5"/>
+                                        </p:tgtEl>
+                                      </p:cBhvr>
+                                    </p:animEffect>
+                                  </p:childTnLst>
+                                </p:cTn>
+                              </p:par>
+                              <p:par>
+                                <p:cTn id="11" presetID="10" presetClass="entr" presetSubtype="0" fill="hold" grpId="0" nodeType="withEffect">
+                                  <p:stCondLst>
+                                    <p:cond delay="0"/>
+                                  </p:stCondLst>
+                                  <p:childTnLst>
+                                    <p:set>
+                                      <p:cBhvr>
+                                        <p:cTn id="12" dur="1" fill="hold">
+                                          <p:stCondLst>
+                                            <p:cond delay="0"/>
+                                          </p:stCondLst>
+                                        </p:cTn>
+                                        <p:tgtEl>
+                                          <p:spTgt spid="7"/>
+                                        </p:tgtEl>
+                                        <p:attrNameLst>
+                                          <p:attrName>style.visibility</p:attrName>
+                                        </p:attrNameLst>
+                                      </p:cBhvr>
+                                      <p:to>
+                                        <p:strVal val="visible"/>
+                                      </p:to>
+                                    </p:set>
+                                    <p:animEffect transition="in" filter="fade">
+                                      <p:cBhvr>
+                                        <p:cTn id="13" dur="500"/>
+                                        <p:tgtEl>
+                                          <p:spTgt spid="7"/>
+                                        </p:tgtEl>
+                                      </p:cBhvr>
+                                    </p:animEffect>
+                                  </p:childTnLst>
+                                </p:cTn>
+                              </p:par>
+                              <p:par>
+                                <p:cTn id="14" presetID="10" presetClass="entr" presetSubtype="0" fill="hold" grpId="0" nodeType="withEffect">
+                                  <p:stCondLst>
+                                    <p:cond delay="0"/>
+                                  </p:stCondLst>
+                                  <p:childTnLst>
+                                    <p:set>
+                                      <p:cBhvr>
+                                        <p:cTn id="15" dur="1" fill="hold">
+                                          <p:stCondLst>
+                                            <p:cond delay="0"/>
+                                          </p:stCondLst>
+                                        </p:cTn>
+                                        <p:tgtEl>
+                                          <p:spTgt spid="6"/>
+                                        </p:tgtEl>
+                                        <p:attrNameLst>
+                                          <p:attrName>style.visibility</p:attrName>
+                                        </p:attrNameLst>
+                                      </p:cBhvr>
+                                      <p:to>
+                                        <p:strVal val="visible"/>
+                                      </p:to>
+                                    </p:set>
+                                    <p:animEffect transition="in" filter="fade">
+                                      <p:cBhvr>
+                                        <p:cTn id="16" dur="500"/>
+                                        <p:tgtEl>
+                                          <p:spTgt spid="6"/>
+                                        </p:tgtEl>
+                                      </p:cBhvr>
+                                    </p:animEffect>
+                                  </p:childTnLst>
+                                </p:cTn>
+                              </p:par>
+                            </p:childTnLst>
+                          </p:cTn>
+                        </p:par>
+                      </p:childTnLst>
+                    </p:cTn>
+                  </p:par>
+                </p:childTnLst>
+              </p:cTn>
+              <p:prevCondLst>
+                <p:cond evt="onPrev" delay="0">
+                  <p:tgtEl>
+                    <p:sldTgt/>
+                  </p:tgtEl>
+                </p:cond>
+              </p:prevCondLst>
+              <p:nextCondLst>
+                <p:cond evt="onNext" delay="0">
+                  <p:tgtEl>
+                    <p:sldTgt/>
+                  </p:tgtEl>
+                </p:cond>
+              </p:nextCondLst>
+            </p:seq>
+          </p:childTnLst>
+        </p:cTn>
+      </p:par>
+    </p:tnLst>
+    <p:bldLst>
+      <p:bldP spid="4" grpId="0" animBg="1"/>
+      <p:bldP spid="5" grpId="0" animBg="1"/>
+      <p:bldP spid="6" grpId="0" animBg="1"/>
+      <p:bldP spid="7" grpId="0" animBg="1"/>
+    </p:bldLst>
+  </p:timing>
+</p:sld>
+</file>
+
+<file path=ppt/slides/slide9.xml><?xml version="1.0" encoding="utf-8"?>
+<p:sld xmlns:a="http://schemas.openxmlformats.org/drawingml/2006/main" xmlns:r="http://schemas.openxmlformats.org/officeDocument/2006/relationships" xmlns:p="http://schemas.openxmlformats.org/presentationml/2006/main">
+  <p:cSld>
+    <p:spTree>
+      <p:nvGrpSpPr>
+        <p:cNvPr id="1" name=""/>
+        <p:cNvGrpSpPr/>
+        <p:nvPr/>
+      </p:nvGrpSpPr>
+      <p:grpSpPr>
+        <a:xfrm>
+          <a:off x="0" y="0"/>
+          <a:ext cx="0" cy="0"/>
+          <a:chOff x="0" y="0"/>
+          <a:chExt cx="0" cy="0"/>
+        </a:xfrm>
+      </p:grpSpPr>
+      <p:sp>
+        <p:nvSpPr>
+          <p:cNvPr id="2" name="Title 1"/>
+          <p:cNvSpPr>
+            <a:spLocks noGrp="1"/>
+          </p:cNvSpPr>
+          <p:nvPr>
+            <p:ph type="title"/>
+          </p:nvPr>
+        </p:nvSpPr>
+        <p:spPr>
+          <a:xfrm>
+            <a:off x="651509" y="200918"/>
+            <a:ext cx="10772775" cy="1658198"/>
+          </a:xfrm>
+        </p:spPr>
+        <p:txBody>
+          <a:bodyPr/>
+          <a:lstStyle/>
+          <a:p>
+            <a:r>
+              <a:rPr lang="en-US" dirty="0" smtClean="0"/>
+              <a:t>Prediction Probabilities</a:t>
+            </a:r>
+            <a:endParaRPr lang="en-US" dirty="0"/>
+          </a:p>
+        </p:txBody>
+      </p:sp>
       <p:pic>
         <p:nvPicPr>
-          <p:cNvPr id="14" name="Picture 13"/>
+          <p:cNvPr id="4" name="Picture 3"/>
           <p:cNvPicPr>
             <a:picLocks noChangeAspect="1"/>
           </p:cNvPicPr>
@@ -4298,7 +8097,7 @@
         </p:blipFill>
         <p:spPr>
           <a:xfrm>
-            <a:off x="6122239" y="-59747"/>
+            <a:off x="5962219" y="1460443"/>
             <a:ext cx="4285702" cy="2644890"/>
           </a:xfrm>
           <a:prstGeom prst="rect">
@@ -4308,7 +8107,7 @@
       </p:pic>
       <p:pic>
         <p:nvPicPr>
-          <p:cNvPr id="13" name="Picture 12"/>
+          <p:cNvPr id="5" name="Picture 4"/>
           <p:cNvPicPr>
             <a:picLocks noChangeAspect="1"/>
           </p:cNvPicPr>
@@ -4328,7 +8127,7 @@
         </p:blipFill>
         <p:spPr>
           <a:xfrm>
-            <a:off x="2105038" y="-45066"/>
+            <a:off x="1945018" y="1475124"/>
             <a:ext cx="4238126" cy="2615529"/>
           </a:xfrm>
           <a:prstGeom prst="rect">
@@ -4338,7 +8137,7 @@
       </p:pic>
       <p:pic>
         <p:nvPicPr>
-          <p:cNvPr id="2" name="Picture 1"/>
+          <p:cNvPr id="6" name="Picture 5"/>
           <p:cNvPicPr>
             <a:picLocks noChangeAspect="1"/>
           </p:cNvPicPr>
@@ -4358,7 +8157,7 @@
         </p:blipFill>
         <p:spPr>
           <a:xfrm>
-            <a:off x="6145038" y="2519310"/>
+            <a:off x="5985018" y="4039500"/>
             <a:ext cx="4228613" cy="2609658"/>
           </a:xfrm>
           <a:prstGeom prst="rect">
@@ -4368,7 +8167,7 @@
       </p:pic>
       <p:pic>
         <p:nvPicPr>
-          <p:cNvPr id="3" name="Picture 2"/>
+          <p:cNvPr id="7" name="Picture 6"/>
           <p:cNvPicPr>
             <a:picLocks noChangeAspect="1"/>
           </p:cNvPicPr>
@@ -4388,7 +8187,7 @@
         </p:blipFill>
         <p:spPr>
           <a:xfrm>
-            <a:off x="2114550" y="2519310"/>
+            <a:off x="1954530" y="4039500"/>
             <a:ext cx="4228613" cy="2609658"/>
           </a:xfrm>
           <a:prstGeom prst="rect">
@@ -4398,13 +8197,13 @@
       </p:pic>
       <p:sp>
         <p:nvSpPr>
-          <p:cNvPr id="6" name="TextBox 5"/>
+          <p:cNvPr id="8" name="TextBox 7"/>
           <p:cNvSpPr txBox="1"/>
           <p:nvPr/>
         </p:nvSpPr>
         <p:spPr>
           <a:xfrm>
-            <a:off x="3301365" y="2266692"/>
+            <a:off x="3141345" y="3786882"/>
             <a:ext cx="2023110" cy="461665"/>
           </a:xfrm>
           <a:prstGeom prst="rect">
@@ -4423,12 +8222,18 @@
             <a:pPr algn="ctr"/>
             <a:r>
               <a:rPr lang="en-US" sz="1200" dirty="0" smtClean="0">
+                <a:solidFill>
+                  <a:schemeClr val="accent1"/>
+                </a:solidFill>
                 <a:latin typeface="Arial" panose="020B0604020202020204" pitchFamily="34" charset="0"/>
                 <a:cs typeface="Arial" panose="020B0604020202020204" pitchFamily="34" charset="0"/>
               </a:rPr>
               <a:t>Fruits and Vegetables (cups)</a:t>
             </a:r>
             <a:endParaRPr lang="en-US" sz="1200" dirty="0">
+              <a:solidFill>
+                <a:schemeClr val="accent1"/>
+              </a:solidFill>
               <a:latin typeface="Arial" panose="020B0604020202020204" pitchFamily="34" charset="0"/>
               <a:cs typeface="Arial" panose="020B0604020202020204" pitchFamily="34" charset="0"/>
             </a:endParaRPr>
@@ -4437,13 +8242,13 @@
       </p:sp>
       <p:sp>
         <p:nvSpPr>
-          <p:cNvPr id="7" name="TextBox 6"/>
+          <p:cNvPr id="9" name="TextBox 8"/>
           <p:cNvSpPr txBox="1"/>
           <p:nvPr/>
         </p:nvSpPr>
         <p:spPr>
           <a:xfrm>
-            <a:off x="3301365" y="4759048"/>
+            <a:off x="3141345" y="6279238"/>
             <a:ext cx="2023110" cy="461665"/>
           </a:xfrm>
           <a:prstGeom prst="rect">
@@ -4462,12 +8267,18 @@
             <a:pPr algn="ctr"/>
             <a:r>
               <a:rPr lang="en-US" sz="1200" dirty="0" smtClean="0">
+                <a:solidFill>
+                  <a:schemeClr val="accent1"/>
+                </a:solidFill>
                 <a:latin typeface="Arial" panose="020B0604020202020204" pitchFamily="34" charset="0"/>
                 <a:cs typeface="Arial" panose="020B0604020202020204" pitchFamily="34" charset="0"/>
               </a:rPr>
               <a:t>Fruits and Vegetables (cups)</a:t>
             </a:r>
             <a:endParaRPr lang="en-US" sz="1200" dirty="0">
+              <a:solidFill>
+                <a:schemeClr val="accent1"/>
+              </a:solidFill>
               <a:latin typeface="Arial" panose="020B0604020202020204" pitchFamily="34" charset="0"/>
               <a:cs typeface="Arial" panose="020B0604020202020204" pitchFamily="34" charset="0"/>
             </a:endParaRPr>
@@ -4476,13 +8287,13 @@
       </p:sp>
       <p:sp>
         <p:nvSpPr>
-          <p:cNvPr id="8" name="Rectangle 7"/>
+          <p:cNvPr id="10" name="Rectangle 9"/>
           <p:cNvSpPr/>
           <p:nvPr/>
         </p:nvSpPr>
         <p:spPr>
           <a:xfrm rot="16200000">
-            <a:off x="4422894" y="2218966"/>
+            <a:off x="4262874" y="3739156"/>
             <a:ext cx="3667178" cy="222887"/>
           </a:xfrm>
           <a:prstGeom prst="rect">
@@ -4524,13 +8335,13 @@
       </p:sp>
       <p:sp>
         <p:nvSpPr>
-          <p:cNvPr id="9" name="TextBox 8"/>
+          <p:cNvPr id="11" name="TextBox 10"/>
           <p:cNvSpPr txBox="1"/>
           <p:nvPr/>
         </p:nvSpPr>
         <p:spPr>
           <a:xfrm rot="16200000">
-            <a:off x="1127759" y="962383"/>
+            <a:off x="967739" y="2482573"/>
             <a:ext cx="2023110" cy="276999"/>
           </a:xfrm>
           <a:prstGeom prst="rect">
@@ -4548,13 +8359,19 @@
           <a:p>
             <a:pPr algn="ctr"/>
             <a:r>
-              <a:rPr lang="en-US" sz="1200" dirty="0" smtClean="0">
+              <a:rPr lang="en-US" sz="1200" b="1" dirty="0" smtClean="0">
+                <a:solidFill>
+                  <a:schemeClr val="accent2"/>
+                </a:solidFill>
                 <a:latin typeface="Arial" panose="020B0604020202020204" pitchFamily="34" charset="0"/>
                 <a:cs typeface="Arial" panose="020B0604020202020204" pitchFamily="34" charset="0"/>
               </a:rPr>
               <a:t>Family History Prediction</a:t>
             </a:r>
-            <a:endParaRPr lang="en-US" sz="1200" dirty="0">
+            <a:endParaRPr lang="en-US" sz="1200" b="1" dirty="0">
+              <a:solidFill>
+                <a:schemeClr val="accent2"/>
+              </a:solidFill>
               <a:latin typeface="Arial" panose="020B0604020202020204" pitchFamily="34" charset="0"/>
               <a:cs typeface="Arial" panose="020B0604020202020204" pitchFamily="34" charset="0"/>
             </a:endParaRPr>
@@ -4563,52 +8380,13 @@
       </p:sp>
       <p:sp>
         <p:nvSpPr>
-          <p:cNvPr id="10" name="TextBox 9"/>
+          <p:cNvPr id="12" name="TextBox 11"/>
           <p:cNvSpPr txBox="1"/>
           <p:nvPr/>
         </p:nvSpPr>
         <p:spPr>
           <a:xfrm rot="16200000">
-            <a:off x="1127758" y="3526255"/>
-            <a:ext cx="2023110" cy="276999"/>
-          </a:xfrm>
-          <a:prstGeom prst="rect">
-            <a:avLst/>
-          </a:prstGeom>
-          <a:solidFill>
-            <a:schemeClr val="bg1"/>
-          </a:solidFill>
-        </p:spPr>
-        <p:txBody>
-          <a:bodyPr wrap="square" rtlCol="0">
-            <a:spAutoFit/>
-          </a:bodyPr>
-          <a:lstStyle/>
-          <a:p>
-            <a:pPr algn="ctr"/>
-            <a:r>
-              <a:rPr lang="en-US" sz="1200" dirty="0" smtClean="0">
-                <a:latin typeface="Arial" panose="020B0604020202020204" pitchFamily="34" charset="0"/>
-                <a:cs typeface="Arial" panose="020B0604020202020204" pitchFamily="34" charset="0"/>
-              </a:rPr>
-              <a:t>Current Cancer Prediction</a:t>
-            </a:r>
-            <a:endParaRPr lang="en-US" sz="1200" dirty="0">
-              <a:latin typeface="Arial" panose="020B0604020202020204" pitchFamily="34" charset="0"/>
-              <a:cs typeface="Arial" panose="020B0604020202020204" pitchFamily="34" charset="0"/>
-            </a:endParaRPr>
-          </a:p>
-        </p:txBody>
-      </p:sp>
-      <p:sp>
-        <p:nvSpPr>
-          <p:cNvPr id="11" name="TextBox 10"/>
-          <p:cNvSpPr txBox="1"/>
-          <p:nvPr/>
-        </p:nvSpPr>
-        <p:spPr>
-          <a:xfrm>
-            <a:off x="7338987" y="4759047"/>
+            <a:off x="967738" y="4954112"/>
             <a:ext cx="2023110" cy="461665"/>
           </a:xfrm>
           <a:prstGeom prst="rect">
@@ -4626,13 +8404,19 @@
           <a:p>
             <a:pPr algn="ctr"/>
             <a:r>
-              <a:rPr lang="en-US" sz="1200" dirty="0" smtClean="0">
+              <a:rPr lang="en-US" sz="1200" b="1" dirty="0" smtClean="0">
+                <a:solidFill>
+                  <a:srgbClr val="7030A0"/>
+                </a:solidFill>
                 <a:latin typeface="Arial" panose="020B0604020202020204" pitchFamily="34" charset="0"/>
                 <a:cs typeface="Arial" panose="020B0604020202020204" pitchFamily="34" charset="0"/>
               </a:rPr>
-              <a:t>Moderate Aerobic Exercise (days)</a:t>
-            </a:r>
-            <a:endParaRPr lang="en-US" sz="1200" dirty="0">
+              <a:t>Current Cancer Prediction</a:t>
+            </a:r>
+            <a:endParaRPr lang="en-US" sz="1200" b="1" dirty="0">
+              <a:solidFill>
+                <a:srgbClr val="7030A0"/>
+              </a:solidFill>
               <a:latin typeface="Arial" panose="020B0604020202020204" pitchFamily="34" charset="0"/>
               <a:cs typeface="Arial" panose="020B0604020202020204" pitchFamily="34" charset="0"/>
             </a:endParaRPr>
@@ -4641,13 +8425,13 @@
       </p:sp>
       <p:sp>
         <p:nvSpPr>
-          <p:cNvPr id="12" name="TextBox 11"/>
+          <p:cNvPr id="13" name="TextBox 12"/>
           <p:cNvSpPr txBox="1"/>
           <p:nvPr/>
         </p:nvSpPr>
         <p:spPr>
           <a:xfrm>
-            <a:off x="7346852" y="2266691"/>
+            <a:off x="7178967" y="6279237"/>
             <a:ext cx="2023110" cy="461665"/>
           </a:xfrm>
           <a:prstGeom prst="rect">
@@ -4666,28 +8450,86 @@
             <a:pPr algn="ctr"/>
             <a:r>
               <a:rPr lang="en-US" sz="1200" dirty="0" smtClean="0">
+                <a:solidFill>
+                  <a:schemeClr val="accent1"/>
+                </a:solidFill>
                 <a:latin typeface="Arial" panose="020B0604020202020204" pitchFamily="34" charset="0"/>
                 <a:cs typeface="Arial" panose="020B0604020202020204" pitchFamily="34" charset="0"/>
               </a:rPr>
               <a:t>Moderate Aerobic Exercise (days)</a:t>
             </a:r>
             <a:endParaRPr lang="en-US" sz="1200" dirty="0">
+              <a:solidFill>
+                <a:schemeClr val="accent1"/>
+              </a:solidFill>
               <a:latin typeface="Arial" panose="020B0604020202020204" pitchFamily="34" charset="0"/>
               <a:cs typeface="Arial" panose="020B0604020202020204" pitchFamily="34" charset="0"/>
             </a:endParaRPr>
           </a:p>
         </p:txBody>
       </p:sp>
+      <p:sp>
+        <p:nvSpPr>
+          <p:cNvPr id="14" name="TextBox 13"/>
+          <p:cNvSpPr txBox="1"/>
+          <p:nvPr/>
+        </p:nvSpPr>
+        <p:spPr>
+          <a:xfrm>
+            <a:off x="7186832" y="3786881"/>
+            <a:ext cx="2023110" cy="461665"/>
+          </a:xfrm>
+          <a:prstGeom prst="rect">
+            <a:avLst/>
+          </a:prstGeom>
+          <a:solidFill>
+            <a:schemeClr val="bg1"/>
+          </a:solidFill>
+        </p:spPr>
+        <p:txBody>
+          <a:bodyPr wrap="square" rtlCol="0">
+            <a:spAutoFit/>
+          </a:bodyPr>
+          <a:lstStyle/>
+          <a:p>
+            <a:pPr algn="ctr"/>
+            <a:r>
+              <a:rPr lang="en-US" sz="1200" dirty="0" smtClean="0">
+                <a:solidFill>
+                  <a:schemeClr val="accent1"/>
+                </a:solidFill>
+                <a:latin typeface="Arial" panose="020B0604020202020204" pitchFamily="34" charset="0"/>
+                <a:cs typeface="Arial" panose="020B0604020202020204" pitchFamily="34" charset="0"/>
+              </a:rPr>
+              <a:t>Moderate Aerobic Exercise (days)</a:t>
+            </a:r>
+            <a:endParaRPr lang="en-US" sz="1200" dirty="0">
+              <a:solidFill>
+                <a:schemeClr val="accent1"/>
+              </a:solidFill>
+              <a:latin typeface="Arial" panose="020B0604020202020204" pitchFamily="34" charset="0"/>
+              <a:cs typeface="Arial" panose="020B0604020202020204" pitchFamily="34" charset="0"/>
+            </a:endParaRPr>
+          </a:p>
+        </p:txBody>
+      </p:sp>
     </p:spTree>
     <p:extLst>
       <p:ext uri="{BB962C8B-B14F-4D97-AF65-F5344CB8AC3E}">
-        <p14:creationId xmlns:p14="http://schemas.microsoft.com/office/powerpoint/2010/main" val="1847053469"/>
+        <p14:creationId xmlns:p14="http://schemas.microsoft.com/office/powerpoint/2010/main" val="780084252"/>
       </p:ext>
     </p:extLst>
   </p:cSld>
   <p:clrMapOvr>
     <a:masterClrMapping/>
   </p:clrMapOvr>
+  <p:timing>
+    <p:tnLst>
+      <p:par>
+        <p:cTn id="1" dur="indefinite" restart="never" nodeType="tmRoot"/>
+      </p:par>
+    </p:tnLst>
+  </p:timing>
 </p:sld>
 </file>
 
